--- a/lectures/Lec7.pptx
+++ b/lectures/Lec7.pptx
@@ -11,10 +11,21 @@
     <p:sldId id="346" r:id="rId5"/>
     <p:sldId id="347" r:id="rId6"/>
     <p:sldId id="348" r:id="rId7"/>
-    <p:sldId id="349" r:id="rId8"/>
-    <p:sldId id="326" r:id="rId9"/>
-    <p:sldId id="350" r:id="rId10"/>
-    <p:sldId id="264" r:id="rId11"/>
+    <p:sldId id="351" r:id="rId8"/>
+    <p:sldId id="349" r:id="rId9"/>
+    <p:sldId id="326" r:id="rId10"/>
+    <p:sldId id="354" r:id="rId11"/>
+    <p:sldId id="355" r:id="rId12"/>
+    <p:sldId id="352" r:id="rId13"/>
+    <p:sldId id="350" r:id="rId14"/>
+    <p:sldId id="357" r:id="rId15"/>
+    <p:sldId id="356" r:id="rId16"/>
+    <p:sldId id="353" r:id="rId17"/>
+    <p:sldId id="358" r:id="rId18"/>
+    <p:sldId id="359" r:id="rId19"/>
+    <p:sldId id="361" r:id="rId20"/>
+    <p:sldId id="360" r:id="rId21"/>
+    <p:sldId id="264" r:id="rId22"/>
   </p:sldIdLst>
   <p:sldSz cx="12192000" cy="6858000"/>
   <p:notesSz cx="6858000" cy="9144000"/>
@@ -306,7 +317,7 @@
           <a:p>
             <a:fld id="{88D38747-4367-4BD2-8D51-C97E202738E2}" type="datetime1">
               <a:rPr lang="en-US" smtClean="0"/>
-              <a:t>9/22/2025</a:t>
+              <a:t>9/23/2025</a:t>
             </a:fld>
             <a:endParaRPr lang="en-US" dirty="0"/>
           </a:p>
@@ -611,7 +622,7 @@
           <a:p>
             <a:fld id="{11F1B079-7EF0-44EE-B798-BCC497C9F3B2}" type="datetime1">
               <a:rPr lang="en-US" smtClean="0"/>
-              <a:t>9/22/2025</a:t>
+              <a:t>9/23/2025</a:t>
             </a:fld>
             <a:endParaRPr lang="en-US" dirty="0"/>
           </a:p>
@@ -805,7 +816,7 @@
           <a:p>
             <a:fld id="{28FF70A8-1D13-4657-95F0-A9EA54967B8D}" type="datetime1">
               <a:rPr lang="en-US" smtClean="0"/>
-              <a:t>9/22/2025</a:t>
+              <a:t>9/23/2025</a:t>
             </a:fld>
             <a:endParaRPr lang="en-US" dirty="0"/>
           </a:p>
@@ -1068,7 +1079,7 @@
           <a:p>
             <a:fld id="{21EB90AC-71BD-4C7F-8ACA-7B3F18292E63}" type="datetime1">
               <a:rPr lang="en-US" smtClean="0"/>
-              <a:t>9/22/2025</a:t>
+              <a:t>9/23/2025</a:t>
             </a:fld>
             <a:endParaRPr lang="en-US" dirty="0"/>
           </a:p>
@@ -1504,7 +1515,7 @@
           <a:p>
             <a:fld id="{4E6EFC2C-8905-46F0-B443-CE905B76BA01}" type="datetime1">
               <a:rPr lang="en-US" smtClean="0"/>
-              <a:t>9/22/2025</a:t>
+              <a:t>9/23/2025</a:t>
             </a:fld>
             <a:endParaRPr lang="en-US" dirty="0"/>
           </a:p>
@@ -2041,7 +2052,7 @@
           <a:p>
             <a:fld id="{D9079DC3-C9B5-499E-9140-0DC28B7074E2}" type="datetime1">
               <a:rPr lang="en-US" smtClean="0"/>
-              <a:t>9/22/2025</a:t>
+              <a:t>9/23/2025</a:t>
             </a:fld>
             <a:endParaRPr lang="en-US" dirty="0"/>
           </a:p>
@@ -2923,7 +2934,7 @@
           <a:p>
             <a:fld id="{30BB33EA-E472-4D22-9C03-A9C14AA21CED}" type="datetime1">
               <a:rPr lang="en-US" smtClean="0"/>
-              <a:t>9/22/2025</a:t>
+              <a:t>9/23/2025</a:t>
             </a:fld>
             <a:endParaRPr lang="en-US" dirty="0"/>
           </a:p>
@@ -3093,7 +3104,7 @@
           <a:p>
             <a:fld id="{217E833E-1B6D-415F-AD29-75AE8C43BD0D}" type="datetime1">
               <a:rPr lang="en-US" smtClean="0"/>
-              <a:t>9/22/2025</a:t>
+              <a:t>9/23/2025</a:t>
             </a:fld>
             <a:endParaRPr lang="en-US" dirty="0"/>
           </a:p>
@@ -3277,7 +3288,7 @@
           <a:p>
             <a:fld id="{8452596F-08A7-4B70-989A-F2B1CF31E66B}" type="datetime1">
               <a:rPr lang="en-US" smtClean="0"/>
-              <a:t>9/22/2025</a:t>
+              <a:t>9/23/2025</a:t>
             </a:fld>
             <a:endParaRPr lang="en-US" dirty="0"/>
           </a:p>
@@ -3555,7 +3566,7 @@
           <a:p>
             <a:fld id="{73C55A3C-5767-4844-A0A3-83778C2E5409}" type="datetime1">
               <a:rPr lang="en-US" smtClean="0"/>
-              <a:t>9/22/2025</a:t>
+              <a:t>9/23/2025</a:t>
             </a:fld>
             <a:endParaRPr lang="en-US" dirty="0"/>
           </a:p>
@@ -3799,7 +3810,7 @@
           <a:p>
             <a:fld id="{CAE507A8-A5CF-4D38-AB86-7EDDA87A85D4}" type="datetime1">
               <a:rPr lang="en-US" smtClean="0"/>
-              <a:t>9/22/2025</a:t>
+              <a:t>9/23/2025</a:t>
             </a:fld>
             <a:endParaRPr lang="en-US" dirty="0"/>
           </a:p>
@@ -4041,7 +4052,7 @@
           <a:p>
             <a:fld id="{BDFCD27C-8599-43EF-BA1D-14DDC1946E06}" type="datetime1">
               <a:rPr lang="en-US" smtClean="0"/>
-              <a:t>9/22/2025</a:t>
+              <a:t>9/23/2025</a:t>
             </a:fld>
             <a:endParaRPr lang="en-US" dirty="0"/>
           </a:p>
@@ -4524,7 +4535,7 @@
           <a:p>
             <a:fld id="{49343D99-809A-49C0-96E5-4250D0B498EE}" type="datetime1">
               <a:rPr lang="en-US" smtClean="0"/>
-              <a:t>9/22/2025</a:t>
+              <a:t>9/23/2025</a:t>
             </a:fld>
             <a:endParaRPr lang="en-US" dirty="0"/>
           </a:p>
@@ -4642,7 +4653,7 @@
           <a:p>
             <a:fld id="{A143DE9B-B678-4EFB-BB7D-A4370204A0B0}" type="datetime1">
               <a:rPr lang="en-US" smtClean="0"/>
-              <a:t>9/22/2025</a:t>
+              <a:t>9/23/2025</a:t>
             </a:fld>
             <a:endParaRPr lang="en-US" dirty="0"/>
           </a:p>
@@ -4737,7 +4748,7 @@
           <a:p>
             <a:fld id="{E68812DA-F765-4142-A6A3-A8ED7235E082}" type="datetime1">
               <a:rPr lang="en-US" smtClean="0"/>
-              <a:t>9/22/2025</a:t>
+              <a:t>9/23/2025</a:t>
             </a:fld>
             <a:endParaRPr lang="en-US" dirty="0"/>
           </a:p>
@@ -4992,7 +5003,7 @@
           <a:p>
             <a:fld id="{3E0277FD-7DE6-41D4-930D-AC99F5AFE54E}" type="datetime1">
               <a:rPr lang="en-US" smtClean="0"/>
-              <a:t>9/22/2025</a:t>
+              <a:t>9/23/2025</a:t>
             </a:fld>
             <a:endParaRPr lang="en-US" dirty="0"/>
           </a:p>
@@ -5299,7 +5310,7 @@
           <a:p>
             <a:fld id="{9EA15526-7079-4B7B-987C-1B5FAE11A0FF}" type="datetime1">
               <a:rPr lang="en-US" smtClean="0"/>
-              <a:t>9/22/2025</a:t>
+              <a:t>9/23/2025</a:t>
             </a:fld>
             <a:endParaRPr lang="en-US" dirty="0"/>
           </a:p>
@@ -5534,7 +5545,7 @@
           <a:p>
             <a:fld id="{073ED0CC-082F-4160-86E5-0D6041F12778}" type="datetime1">
               <a:rPr lang="en-US" smtClean="0"/>
-              <a:t>9/22/2025</a:t>
+              <a:t>9/23/2025</a:t>
             </a:fld>
             <a:endParaRPr lang="en-US" dirty="0"/>
           </a:p>
@@ -6371,7 +6382,7 @@
     <p:bg>
       <p:bgPr>
         <a:solidFill>
-          <a:srgbClr val="0070C0"/>
+          <a:schemeClr val="tx1"/>
         </a:solidFill>
         <a:effectLst/>
       </p:bgPr>
@@ -6392,556 +6403,4388 @@
       </p:grpSpPr>
       <p:sp>
         <p:nvSpPr>
-          <p:cNvPr id="5" name="Rectangle: Rounded Corners 4">
+          <p:cNvPr id="2" name="Title 1">
             <a:extLst>
               <a:ext uri="{FF2B5EF4-FFF2-40B4-BE49-F238E27FC236}">
-                <a16:creationId xmlns:a16="http://schemas.microsoft.com/office/drawing/2014/main" id="{CBBE9C5C-6569-4C5C-98FD-4514941A1A59}"/>
+                <a16:creationId xmlns:a16="http://schemas.microsoft.com/office/drawing/2014/main" id="{0D1F047C-C727-42A7-85C5-68C5AA1B1A93}"/>
               </a:ext>
             </a:extLst>
           </p:cNvPr>
-          <p:cNvSpPr/>
-          <p:nvPr/>
+          <p:cNvSpPr>
+            <a:spLocks noGrp="1"/>
+          </p:cNvSpPr>
+          <p:nvPr>
+            <p:ph type="ctrTitle"/>
+          </p:nvPr>
         </p:nvSpPr>
         <p:spPr>
-          <a:xfrm rot="2700000">
-            <a:off x="4776987" y="1498228"/>
-            <a:ext cx="2013391" cy="2013391"/>
+          <a:xfrm>
+            <a:off x="0" y="99849"/>
+            <a:ext cx="12192000" cy="1191998"/>
           </a:xfrm>
-          <a:prstGeom prst="roundRect">
-            <a:avLst>
-              <a:gd name="adj" fmla="val 20464"/>
-            </a:avLst>
-          </a:prstGeom>
-          <a:noFill/>
-          <a:ln w="34925">
-            <a:solidFill>
-              <a:srgbClr val="C00000"/>
-            </a:solidFill>
-          </a:ln>
         </p:spPr>
-        <p:style>
-          <a:lnRef idx="2">
-            <a:schemeClr val="accent1">
-              <a:shade val="50000"/>
-            </a:schemeClr>
-          </a:lnRef>
-          <a:fillRef idx="1">
-            <a:schemeClr val="accent1"/>
-          </a:fillRef>
-          <a:effectRef idx="0">
-            <a:schemeClr val="accent1"/>
-          </a:effectRef>
-          <a:fontRef idx="minor">
-            <a:schemeClr val="lt1"/>
-          </a:fontRef>
-        </p:style>
         <p:txBody>
-          <a:bodyPr rtlCol="0" anchor="ctr"/>
+          <a:bodyPr>
+            <a:noAutofit/>
+          </a:bodyPr>
           <a:lstStyle/>
           <a:p>
-            <a:pPr algn="ctr"/>
-            <a:endParaRPr lang="en-IN" sz="1400"/>
+            <a:r>
+              <a:rPr lang="en-US" sz="6000" b="1" dirty="0">
+                <a:solidFill>
+                  <a:schemeClr val="accent3"/>
+                </a:solidFill>
+                <a:effectLst/>
+              </a:rPr>
+              <a:t>Default Arguments</a:t>
+            </a:r>
           </a:p>
         </p:txBody>
       </p:sp>
       <p:sp>
         <p:nvSpPr>
-          <p:cNvPr id="6" name="Rectangle: Rounded Corners 5">
+          <p:cNvPr id="52" name="TextBox 51">
             <a:extLst>
               <a:ext uri="{FF2B5EF4-FFF2-40B4-BE49-F238E27FC236}">
-                <a16:creationId xmlns:a16="http://schemas.microsoft.com/office/drawing/2014/main" id="{A06BA146-A655-415F-8DCE-ED10500F28D3}"/>
+                <a16:creationId xmlns:a16="http://schemas.microsoft.com/office/drawing/2014/main" id="{A5621993-6CE4-4394-A423-BEDD3B16CD16}"/>
               </a:ext>
             </a:extLst>
           </p:cNvPr>
-          <p:cNvSpPr/>
-          <p:nvPr/>
-        </p:nvSpPr>
-        <p:spPr>
-          <a:xfrm rot="2700000">
-            <a:off x="6838259" y="3069049"/>
-            <a:ext cx="1719112" cy="1719112"/>
-          </a:xfrm>
-          <a:prstGeom prst="roundRect">
-            <a:avLst>
-              <a:gd name="adj" fmla="val 20464"/>
-            </a:avLst>
-          </a:prstGeom>
-          <a:noFill/>
-          <a:ln w="34925">
-            <a:solidFill>
-              <a:srgbClr val="C00000"/>
-            </a:solidFill>
-          </a:ln>
-        </p:spPr>
-        <p:style>
-          <a:lnRef idx="2">
-            <a:schemeClr val="accent1">
-              <a:shade val="50000"/>
-            </a:schemeClr>
-          </a:lnRef>
-          <a:fillRef idx="1">
-            <a:schemeClr val="accent1"/>
-          </a:fillRef>
-          <a:effectRef idx="0">
-            <a:schemeClr val="accent1"/>
-          </a:effectRef>
-          <a:fontRef idx="minor">
-            <a:schemeClr val="lt1"/>
-          </a:fontRef>
-        </p:style>
-        <p:txBody>
-          <a:bodyPr rtlCol="0" anchor="ctr"/>
-          <a:lstStyle/>
-          <a:p>
-            <a:pPr algn="ctr"/>
-            <a:endParaRPr lang="en-IN" sz="1400"/>
-          </a:p>
-        </p:txBody>
-      </p:sp>
-      <p:sp>
-        <p:nvSpPr>
-          <p:cNvPr id="7" name="Rectangle: Rounded Corners 6">
-            <a:extLst>
-              <a:ext uri="{FF2B5EF4-FFF2-40B4-BE49-F238E27FC236}">
-                <a16:creationId xmlns:a16="http://schemas.microsoft.com/office/drawing/2014/main" id="{0F5C243C-8AFA-48C1-BC37-34FA15F457A4}"/>
-              </a:ext>
-            </a:extLst>
-          </p:cNvPr>
-          <p:cNvSpPr/>
-          <p:nvPr/>
-        </p:nvSpPr>
-        <p:spPr>
-          <a:xfrm rot="2700000" flipV="1">
-            <a:off x="4540879" y="4118095"/>
-            <a:ext cx="952612" cy="952612"/>
-          </a:xfrm>
-          <a:prstGeom prst="roundRect">
-            <a:avLst>
-              <a:gd name="adj" fmla="val 20464"/>
-            </a:avLst>
-          </a:prstGeom>
-          <a:noFill/>
-          <a:ln w="34925">
-            <a:solidFill>
-              <a:srgbClr val="C00000"/>
-            </a:solidFill>
-          </a:ln>
-        </p:spPr>
-        <p:style>
-          <a:lnRef idx="2">
-            <a:schemeClr val="accent1">
-              <a:shade val="50000"/>
-            </a:schemeClr>
-          </a:lnRef>
-          <a:fillRef idx="1">
-            <a:schemeClr val="accent1"/>
-          </a:fillRef>
-          <a:effectRef idx="0">
-            <a:schemeClr val="accent1"/>
-          </a:effectRef>
-          <a:fontRef idx="minor">
-            <a:schemeClr val="lt1"/>
-          </a:fontRef>
-        </p:style>
-        <p:txBody>
-          <a:bodyPr rtlCol="0" anchor="ctr"/>
-          <a:lstStyle/>
-          <a:p>
-            <a:pPr algn="ctr"/>
-            <a:endParaRPr lang="en-IN" sz="1400"/>
-          </a:p>
-        </p:txBody>
-      </p:sp>
-      <p:sp>
-        <p:nvSpPr>
-          <p:cNvPr id="3" name="Rectangle: Rounded Corners 2">
-            <a:extLst>
-              <a:ext uri="{FF2B5EF4-FFF2-40B4-BE49-F238E27FC236}">
-                <a16:creationId xmlns:a16="http://schemas.microsoft.com/office/drawing/2014/main" id="{E7236F8A-92A8-462D-9C5C-EBB0391EE255}"/>
-              </a:ext>
-            </a:extLst>
-          </p:cNvPr>
-          <p:cNvSpPr/>
-          <p:nvPr/>
-        </p:nvSpPr>
-        <p:spPr>
-          <a:xfrm rot="2700000">
-            <a:off x="4873774" y="2476034"/>
-            <a:ext cx="2632087" cy="2632087"/>
-          </a:xfrm>
-          <a:prstGeom prst="roundRect">
-            <a:avLst>
-              <a:gd name="adj" fmla="val 19126"/>
-            </a:avLst>
-          </a:prstGeom>
-          <a:solidFill>
-            <a:srgbClr val="C00000"/>
-          </a:solidFill>
-          <a:ln>
-            <a:solidFill>
-              <a:srgbClr val="C00000"/>
-            </a:solidFill>
-          </a:ln>
-        </p:spPr>
-        <p:style>
-          <a:lnRef idx="2">
-            <a:schemeClr val="accent1">
-              <a:shade val="50000"/>
-            </a:schemeClr>
-          </a:lnRef>
-          <a:fillRef idx="1">
-            <a:schemeClr val="accent1"/>
-          </a:fillRef>
-          <a:effectRef idx="0">
-            <a:schemeClr val="accent1"/>
-          </a:effectRef>
-          <a:fontRef idx="minor">
-            <a:schemeClr val="lt1"/>
-          </a:fontRef>
-        </p:style>
-        <p:txBody>
-          <a:bodyPr rtlCol="0" anchor="ctr"/>
-          <a:lstStyle/>
-          <a:p>
-            <a:pPr algn="ctr"/>
-            <a:endParaRPr lang="en-IN" sz="1400"/>
-          </a:p>
-        </p:txBody>
-      </p:sp>
-      <p:sp>
-        <p:nvSpPr>
-          <p:cNvPr id="10" name="Title 1">
-            <a:extLst>
-              <a:ext uri="{FF2B5EF4-FFF2-40B4-BE49-F238E27FC236}">
-                <a16:creationId xmlns:a16="http://schemas.microsoft.com/office/drawing/2014/main" id="{A72742A2-6260-4172-8D34-B3FEEEF9BC92}"/>
-              </a:ext>
-            </a:extLst>
-          </p:cNvPr>
-          <p:cNvSpPr txBox="1">
-            <a:spLocks/>
-          </p:cNvSpPr>
+          <p:cNvSpPr txBox="1"/>
           <p:nvPr/>
         </p:nvSpPr>
         <p:spPr>
           <a:xfrm>
-            <a:off x="5052519" y="3279223"/>
-            <a:ext cx="2274595" cy="1239069"/>
+            <a:off x="403832" y="1659285"/>
+            <a:ext cx="6391604" cy="3539430"/>
+          </a:xfrm>
+          <a:prstGeom prst="rect">
+            <a:avLst/>
+          </a:prstGeom>
+          <a:noFill/>
+        </p:spPr>
+        <p:txBody>
+          <a:bodyPr wrap="square" rtlCol="0">
+            <a:spAutoFit/>
+          </a:bodyPr>
+          <a:lstStyle/>
+          <a:p>
+            <a:r>
+              <a:rPr lang="en-US" sz="2800" b="1" dirty="0">
+                <a:solidFill>
+                  <a:schemeClr val="bg1"/>
+                </a:solidFill>
+              </a:rPr>
+              <a:t>What are they?</a:t>
+            </a:r>
+            <a:r>
+              <a:rPr lang="en-US" sz="2800" dirty="0">
+                <a:solidFill>
+                  <a:schemeClr val="bg1"/>
+                </a:solidFill>
+              </a:rPr>
+              <a:t> </a:t>
+            </a:r>
+          </a:p>
+          <a:p>
+            <a:endParaRPr lang="en-US" sz="2800" dirty="0">
+              <a:solidFill>
+                <a:schemeClr val="bg1"/>
+              </a:solidFill>
+            </a:endParaRPr>
+          </a:p>
+          <a:p>
+            <a:pPr marL="457200" indent="-457200" algn="just">
+              <a:buFont typeface="Arial" panose="020B0604020202020204" pitchFamily="34" charset="0"/>
+              <a:buChar char="•"/>
+            </a:pPr>
+            <a:r>
+              <a:rPr lang="en-US" sz="2800" dirty="0">
+                <a:solidFill>
+                  <a:schemeClr val="bg1"/>
+                </a:solidFill>
+              </a:rPr>
+              <a:t>Default arguments are </a:t>
+            </a:r>
+            <a:r>
+              <a:rPr lang="en-US" sz="2800" b="1" dirty="0">
+                <a:solidFill>
+                  <a:schemeClr val="bg1"/>
+                </a:solidFill>
+              </a:rPr>
+              <a:t>pre-defined values</a:t>
+            </a:r>
+            <a:r>
+              <a:rPr lang="en-US" sz="2800" dirty="0">
+                <a:solidFill>
+                  <a:schemeClr val="bg1"/>
+                </a:solidFill>
+              </a:rPr>
+              <a:t> assigned to function parameters. </a:t>
+            </a:r>
+          </a:p>
+          <a:p>
+            <a:pPr algn="just"/>
+            <a:endParaRPr lang="en-US" sz="2800" dirty="0">
+              <a:solidFill>
+                <a:schemeClr val="bg1"/>
+              </a:solidFill>
+            </a:endParaRPr>
+          </a:p>
+          <a:p>
+            <a:pPr marL="457200" indent="-457200" algn="just">
+              <a:buFont typeface="Arial" panose="020B0604020202020204" pitchFamily="34" charset="0"/>
+              <a:buChar char="•"/>
+            </a:pPr>
+            <a:r>
+              <a:rPr lang="en-US" sz="2800" dirty="0">
+                <a:solidFill>
+                  <a:schemeClr val="bg1"/>
+                </a:solidFill>
+              </a:rPr>
+              <a:t>If the caller doesn't provide a value for that parameter, the function automatically uses the default.</a:t>
+            </a:r>
+          </a:p>
+        </p:txBody>
+      </p:sp>
+      <p:grpSp>
+        <p:nvGrpSpPr>
+          <p:cNvPr id="4" name="Group 3">
+            <a:extLst>
+              <a:ext uri="{FF2B5EF4-FFF2-40B4-BE49-F238E27FC236}">
+                <a16:creationId xmlns:a16="http://schemas.microsoft.com/office/drawing/2014/main" id="{02028324-4BEA-49B5-B5B1-6DCD4D4D6C35}"/>
+              </a:ext>
+            </a:extLst>
+          </p:cNvPr>
+          <p:cNvGrpSpPr/>
+          <p:nvPr/>
+        </p:nvGrpSpPr>
+        <p:grpSpPr>
+          <a:xfrm>
+            <a:off x="7367715" y="4196616"/>
+            <a:ext cx="4910912" cy="2193065"/>
+            <a:chOff x="3805295" y="4653207"/>
+            <a:chExt cx="3679263" cy="1739045"/>
+          </a:xfrm>
+        </p:grpSpPr>
+        <p:grpSp>
+          <p:nvGrpSpPr>
+            <p:cNvPr id="5" name="Group 4">
+              <a:extLst>
+                <a:ext uri="{FF2B5EF4-FFF2-40B4-BE49-F238E27FC236}">
+                  <a16:creationId xmlns:a16="http://schemas.microsoft.com/office/drawing/2014/main" id="{6B0D7BB1-9148-4C83-B4C5-4D9B6C852CC9}"/>
+                </a:ext>
+              </a:extLst>
+            </p:cNvPr>
+            <p:cNvGrpSpPr/>
+            <p:nvPr/>
+          </p:nvGrpSpPr>
+          <p:grpSpPr>
+            <a:xfrm>
+              <a:off x="3805295" y="4693586"/>
+              <a:ext cx="3679263" cy="1698666"/>
+              <a:chOff x="2376485" y="2118830"/>
+              <a:chExt cx="4616349" cy="1698666"/>
+            </a:xfrm>
+          </p:grpSpPr>
+          <p:sp>
+            <p:nvSpPr>
+              <p:cNvPr id="7" name="TextBox 6">
+                <a:extLst>
+                  <a:ext uri="{FF2B5EF4-FFF2-40B4-BE49-F238E27FC236}">
+                    <a16:creationId xmlns:a16="http://schemas.microsoft.com/office/drawing/2014/main" id="{8906E1CA-CE31-41F1-AB75-A12860410C24}"/>
+                  </a:ext>
+                </a:extLst>
+              </p:cNvPr>
+              <p:cNvSpPr txBox="1"/>
+              <p:nvPr/>
+            </p:nvSpPr>
+            <p:spPr>
+              <a:xfrm>
+                <a:off x="2935440" y="2118830"/>
+                <a:ext cx="2090447" cy="461665"/>
+              </a:xfrm>
+              <a:prstGeom prst="rect">
+                <a:avLst/>
+              </a:prstGeom>
+              <a:noFill/>
+            </p:spPr>
+            <p:txBody>
+              <a:bodyPr wrap="square" rtlCol="0">
+                <a:spAutoFit/>
+              </a:bodyPr>
+              <a:lstStyle/>
+              <a:p>
+                <a:pPr algn="ctr"/>
+                <a:r>
+                  <a:rPr lang="en-US" sz="2400" b="1" u="sng" dirty="0">
+                    <a:solidFill>
+                      <a:schemeClr val="bg1"/>
+                    </a:solidFill>
+                  </a:rPr>
+                  <a:t>Example</a:t>
+                </a:r>
+              </a:p>
+            </p:txBody>
+          </p:sp>
+          <p:sp>
+            <p:nvSpPr>
+              <p:cNvPr id="8" name="TextBox 7">
+                <a:extLst>
+                  <a:ext uri="{FF2B5EF4-FFF2-40B4-BE49-F238E27FC236}">
+                    <a16:creationId xmlns:a16="http://schemas.microsoft.com/office/drawing/2014/main" id="{6CF26661-F3CC-4432-80CD-9603F967CA2A}"/>
+                  </a:ext>
+                </a:extLst>
+              </p:cNvPr>
+              <p:cNvSpPr txBox="1"/>
+              <p:nvPr/>
+            </p:nvSpPr>
+            <p:spPr>
+              <a:xfrm>
+                <a:off x="2376485" y="2768042"/>
+                <a:ext cx="4616349" cy="1049454"/>
+              </a:xfrm>
+              <a:prstGeom prst="rect">
+                <a:avLst/>
+              </a:prstGeom>
+              <a:noFill/>
+            </p:spPr>
+            <p:txBody>
+              <a:bodyPr wrap="square" rtlCol="0">
+                <a:spAutoFit/>
+              </a:bodyPr>
+              <a:lstStyle/>
+              <a:p>
+                <a:r>
+                  <a:rPr lang="en-US" sz="2000" i="1" dirty="0">
+                    <a:solidFill>
+                      <a:schemeClr val="bg1"/>
+                    </a:solidFill>
+                    <a:highlight>
+                      <a:srgbClr val="C0C0C0"/>
+                    </a:highlight>
+                  </a:rPr>
+                  <a:t>def </a:t>
+                </a:r>
+                <a:r>
+                  <a:rPr lang="en-US" sz="2000" i="1" dirty="0" err="1">
+                    <a:solidFill>
+                      <a:schemeClr val="bg1"/>
+                    </a:solidFill>
+                    <a:highlight>
+                      <a:srgbClr val="C0C0C0"/>
+                    </a:highlight>
+                  </a:rPr>
+                  <a:t>calculate_price</a:t>
+                </a:r>
+                <a:r>
+                  <a:rPr lang="en-US" sz="2000" i="1" dirty="0">
+                    <a:solidFill>
+                      <a:schemeClr val="bg1"/>
+                    </a:solidFill>
+                    <a:highlight>
+                      <a:srgbClr val="C0C0C0"/>
+                    </a:highlight>
+                  </a:rPr>
+                  <a:t>(</a:t>
+                </a:r>
+                <a:r>
+                  <a:rPr lang="en-US" sz="2000" i="1" dirty="0" err="1">
+                    <a:solidFill>
+                      <a:schemeClr val="bg1"/>
+                    </a:solidFill>
+                    <a:highlight>
+                      <a:srgbClr val="C0C0C0"/>
+                    </a:highlight>
+                  </a:rPr>
+                  <a:t>i</a:t>
+                </a:r>
+                <a:r>
+                  <a:rPr lang="en-US" sz="2000" i="1" dirty="0">
+                    <a:solidFill>
+                      <a:schemeClr val="bg1"/>
+                    </a:solidFill>
+                    <a:highlight>
+                      <a:srgbClr val="C0C0C0"/>
+                    </a:highlight>
+                  </a:rPr>
+                  <a:t>, q=1, discount=0.1):</a:t>
+                </a:r>
+              </a:p>
+              <a:p>
+                <a:r>
+                  <a:rPr lang="en-US" sz="2000" i="1" dirty="0">
+                    <a:solidFill>
+                      <a:schemeClr val="bg1"/>
+                    </a:solidFill>
+                    <a:highlight>
+                      <a:srgbClr val="C0C0C0"/>
+                    </a:highlight>
+                  </a:rPr>
+                  <a:t>	</a:t>
+                </a:r>
+                <a:r>
+                  <a:rPr lang="en-US" sz="2000" i="1" dirty="0" err="1">
+                    <a:solidFill>
+                      <a:schemeClr val="bg1"/>
+                    </a:solidFill>
+                    <a:highlight>
+                      <a:srgbClr val="C0C0C0"/>
+                    </a:highlight>
+                  </a:rPr>
+                  <a:t>final_price</a:t>
+                </a:r>
+                <a:r>
+                  <a:rPr lang="en-US" sz="2000" i="1" dirty="0">
+                    <a:solidFill>
+                      <a:schemeClr val="bg1"/>
+                    </a:solidFill>
+                    <a:highlight>
+                      <a:srgbClr val="C0C0C0"/>
+                    </a:highlight>
+                  </a:rPr>
+                  <a:t> = (</a:t>
+                </a:r>
+                <a:r>
+                  <a:rPr lang="en-US" sz="2000" i="1" dirty="0" err="1">
+                    <a:solidFill>
+                      <a:schemeClr val="bg1"/>
+                    </a:solidFill>
+                    <a:highlight>
+                      <a:srgbClr val="C0C0C0"/>
+                    </a:highlight>
+                  </a:rPr>
+                  <a:t>i.price</a:t>
+                </a:r>
+                <a:r>
+                  <a:rPr lang="en-US" sz="2000" i="1" dirty="0">
+                    <a:solidFill>
+                      <a:schemeClr val="bg1"/>
+                    </a:solidFill>
+                    <a:highlight>
+                      <a:srgbClr val="C0C0C0"/>
+                    </a:highlight>
+                  </a:rPr>
+                  <a:t> * q) * (1 - discount)</a:t>
+                </a:r>
+              </a:p>
+              <a:p>
+                <a:r>
+                  <a:rPr lang="en-US" sz="2000" i="1" dirty="0">
+                    <a:solidFill>
+                      <a:schemeClr val="bg1"/>
+                    </a:solidFill>
+                    <a:highlight>
+                      <a:srgbClr val="C0C0C0"/>
+                    </a:highlight>
+                  </a:rPr>
+                  <a:t>    return </a:t>
+                </a:r>
+                <a:r>
+                  <a:rPr lang="en-US" sz="2000" i="1" dirty="0" err="1">
+                    <a:solidFill>
+                      <a:schemeClr val="bg1"/>
+                    </a:solidFill>
+                    <a:highlight>
+                      <a:srgbClr val="C0C0C0"/>
+                    </a:highlight>
+                  </a:rPr>
+                  <a:t>final_price</a:t>
+                </a:r>
+                <a:endParaRPr lang="en-US" sz="2000" i="1" dirty="0">
+                  <a:solidFill>
+                    <a:schemeClr val="bg1"/>
+                  </a:solidFill>
+                  <a:highlight>
+                    <a:srgbClr val="C0C0C0"/>
+                  </a:highlight>
+                </a:endParaRPr>
+              </a:p>
+            </p:txBody>
+          </p:sp>
+        </p:grpSp>
+        <p:pic>
+          <p:nvPicPr>
+            <p:cNvPr id="6" name="Picture 5">
+              <a:extLst>
+                <a:ext uri="{FF2B5EF4-FFF2-40B4-BE49-F238E27FC236}">
+                  <a16:creationId xmlns:a16="http://schemas.microsoft.com/office/drawing/2014/main" id="{F1E4749E-53F5-4832-A009-D5CC33E7D3C2}"/>
+                </a:ext>
+              </a:extLst>
+            </p:cNvPr>
+            <p:cNvPicPr>
+              <a:picLocks noChangeAspect="1"/>
+            </p:cNvPicPr>
+            <p:nvPr/>
+          </p:nvPicPr>
+          <p:blipFill>
+            <a:blip r:embed="rId2">
+              <a:extLst>
+                <a:ext uri="{28A0092B-C50C-407E-A947-70E740481C1C}">
+                  <a14:useLocalDpi xmlns:a14="http://schemas.microsoft.com/office/drawing/2010/main" val="0"/>
+                </a:ext>
+              </a:extLst>
+            </a:blip>
+            <a:stretch>
+              <a:fillRect/>
+            </a:stretch>
+          </p:blipFill>
+          <p:spPr>
+            <a:xfrm>
+              <a:off x="3805296" y="4653207"/>
+              <a:ext cx="524712" cy="524712"/>
+            </a:xfrm>
+            <a:prstGeom prst="rect">
+              <a:avLst/>
+            </a:prstGeom>
+          </p:spPr>
+        </p:pic>
+      </p:grpSp>
+      <p:sp>
+        <p:nvSpPr>
+          <p:cNvPr id="14" name="TextBox 13">
+            <a:extLst>
+              <a:ext uri="{FF2B5EF4-FFF2-40B4-BE49-F238E27FC236}">
+                <a16:creationId xmlns:a16="http://schemas.microsoft.com/office/drawing/2014/main" id="{C3CF96EE-F25D-4645-9961-FA6E03D12F36}"/>
+              </a:ext>
+            </a:extLst>
+          </p:cNvPr>
+          <p:cNvSpPr txBox="1"/>
+          <p:nvPr/>
+        </p:nvSpPr>
+        <p:spPr>
+          <a:xfrm>
+            <a:off x="1188505" y="5903893"/>
+            <a:ext cx="5342021" cy="830997"/>
+          </a:xfrm>
+          <a:prstGeom prst="rect">
+            <a:avLst/>
+          </a:prstGeom>
+          <a:noFill/>
+        </p:spPr>
+        <p:txBody>
+          <a:bodyPr wrap="square" rtlCol="0">
+            <a:spAutoFit/>
+          </a:bodyPr>
+          <a:lstStyle/>
+          <a:p>
+            <a:r>
+              <a:rPr lang="en-US" sz="2400" dirty="0">
+                <a:solidFill>
+                  <a:schemeClr val="bg1"/>
+                </a:solidFill>
+                <a:highlight>
+                  <a:srgbClr val="C0C0C0"/>
+                </a:highlight>
+              </a:rPr>
+              <a:t>Correct: def </a:t>
+            </a:r>
+            <a:r>
+              <a:rPr lang="en-US" sz="2400" dirty="0" err="1">
+                <a:solidFill>
+                  <a:schemeClr val="bg1"/>
+                </a:solidFill>
+                <a:highlight>
+                  <a:srgbClr val="C0C0C0"/>
+                </a:highlight>
+              </a:rPr>
+              <a:t>func</a:t>
+            </a:r>
+            <a:r>
+              <a:rPr lang="en-US" sz="2400" dirty="0">
+                <a:solidFill>
+                  <a:schemeClr val="bg1"/>
+                </a:solidFill>
+                <a:highlight>
+                  <a:srgbClr val="C0C0C0"/>
+                </a:highlight>
+              </a:rPr>
+              <a:t>(a, b=2, c=3):</a:t>
+            </a:r>
+          </a:p>
+          <a:p>
+            <a:r>
+              <a:rPr lang="en-US" sz="2400" dirty="0">
+                <a:solidFill>
+                  <a:schemeClr val="bg1"/>
+                </a:solidFill>
+                <a:highlight>
+                  <a:srgbClr val="C0C0C0"/>
+                </a:highlight>
+              </a:rPr>
+              <a:t>Incorrect: def </a:t>
+            </a:r>
+            <a:r>
+              <a:rPr lang="en-US" sz="2400" dirty="0" err="1">
+                <a:solidFill>
+                  <a:schemeClr val="bg1"/>
+                </a:solidFill>
+                <a:highlight>
+                  <a:srgbClr val="C0C0C0"/>
+                </a:highlight>
+              </a:rPr>
+              <a:t>func</a:t>
+            </a:r>
+            <a:r>
+              <a:rPr lang="en-US" sz="2400" dirty="0">
+                <a:solidFill>
+                  <a:schemeClr val="bg1"/>
+                </a:solidFill>
+                <a:highlight>
+                  <a:srgbClr val="C0C0C0"/>
+                </a:highlight>
+              </a:rPr>
+              <a:t>(a, b=2, c):</a:t>
+            </a:r>
+          </a:p>
+        </p:txBody>
+      </p:sp>
+      <p:pic>
+        <p:nvPicPr>
+          <p:cNvPr id="15" name="Picture 14">
+            <a:extLst>
+              <a:ext uri="{FF2B5EF4-FFF2-40B4-BE49-F238E27FC236}">
+                <a16:creationId xmlns:a16="http://schemas.microsoft.com/office/drawing/2014/main" id="{83419AF8-60F5-40D4-836A-3351C1311C2D}"/>
+              </a:ext>
+            </a:extLst>
+          </p:cNvPr>
+          <p:cNvPicPr>
+            <a:picLocks noChangeAspect="1"/>
+          </p:cNvPicPr>
+          <p:nvPr/>
+        </p:nvPicPr>
+        <p:blipFill>
+          <a:blip r:embed="rId3">
+            <a:extLst>
+              <a:ext uri="{28A0092B-C50C-407E-A947-70E740481C1C}">
+                <a14:useLocalDpi xmlns:a14="http://schemas.microsoft.com/office/drawing/2010/main" val="0"/>
+              </a:ext>
+            </a:extLst>
+          </a:blip>
+          <a:stretch>
+            <a:fillRect/>
+          </a:stretch>
+        </p:blipFill>
+        <p:spPr>
+          <a:xfrm>
+            <a:off x="7717897" y="1755076"/>
+            <a:ext cx="3765042" cy="1882521"/>
           </a:xfrm>
           <a:prstGeom prst="rect">
             <a:avLst/>
           </a:prstGeom>
         </p:spPr>
+      </p:pic>
+    </p:spTree>
+    <p:extLst>
+      <p:ext uri="{BB962C8B-B14F-4D97-AF65-F5344CB8AC3E}">
+        <p14:creationId xmlns:p14="http://schemas.microsoft.com/office/powerpoint/2010/main" val="1734304860"/>
+      </p:ext>
+    </p:extLst>
+  </p:cSld>
+  <p:clrMapOvr>
+    <a:masterClrMapping/>
+  </p:clrMapOvr>
+</p:sld>
+</file>
+
+<file path=ppt/slides/slide11.xml><?xml version="1.0" encoding="utf-8"?>
+<p:sld xmlns:a="http://schemas.openxmlformats.org/drawingml/2006/main" xmlns:r="http://schemas.openxmlformats.org/officeDocument/2006/relationships" xmlns:p="http://schemas.openxmlformats.org/presentationml/2006/main">
+  <p:cSld>
+    <p:bg>
+      <p:bgPr>
+        <a:solidFill>
+          <a:schemeClr val="tx1"/>
+        </a:solidFill>
+        <a:effectLst/>
+      </p:bgPr>
+    </p:bg>
+    <p:spTree>
+      <p:nvGrpSpPr>
+        <p:cNvPr id="1" name=""/>
+        <p:cNvGrpSpPr/>
+        <p:nvPr/>
+      </p:nvGrpSpPr>
+      <p:grpSpPr>
+        <a:xfrm>
+          <a:off x="0" y="0"/>
+          <a:ext cx="0" cy="0"/>
+          <a:chOff x="0" y="0"/>
+          <a:chExt cx="0" cy="0"/>
+        </a:xfrm>
+      </p:grpSpPr>
+      <p:sp>
+        <p:nvSpPr>
+          <p:cNvPr id="2" name="Title 1">
+            <a:extLst>
+              <a:ext uri="{FF2B5EF4-FFF2-40B4-BE49-F238E27FC236}">
+                <a16:creationId xmlns:a16="http://schemas.microsoft.com/office/drawing/2014/main" id="{0D1F047C-C727-42A7-85C5-68C5AA1B1A93}"/>
+              </a:ext>
+            </a:extLst>
+          </p:cNvPr>
+          <p:cNvSpPr>
+            <a:spLocks noGrp="1"/>
+          </p:cNvSpPr>
+          <p:nvPr>
+            <p:ph type="ctrTitle"/>
+          </p:nvPr>
+        </p:nvSpPr>
+        <p:spPr>
+          <a:xfrm>
+            <a:off x="0" y="99849"/>
+            <a:ext cx="12192000" cy="1191998"/>
+          </a:xfrm>
+        </p:spPr>
         <p:txBody>
-          <a:bodyPr vert="horz"/>
-          <a:lstStyle>
-            <a:lvl1pPr algn="l" defTabSz="914400" rtl="0" eaLnBrk="1" latinLnBrk="0" hangingPunct="1">
-              <a:lnSpc>
-                <a:spcPct val="90000"/>
-              </a:lnSpc>
-              <a:spcBef>
-                <a:spcPct val="0"/>
-              </a:spcBef>
-              <a:buNone/>
-              <a:defRPr sz="3200" b="1" kern="1200">
+          <a:bodyPr>
+            <a:noAutofit/>
+          </a:bodyPr>
+          <a:lstStyle/>
+          <a:p>
+            <a:r>
+              <a:rPr lang="en-US" sz="6000" b="1" dirty="0">
                 <a:solidFill>
-                  <a:schemeClr val="tx1">
-                    <a:lumMod val="65000"/>
-                    <a:lumOff val="35000"/>
-                  </a:schemeClr>
+                  <a:schemeClr val="accent3"/>
                 </a:solidFill>
-                <a:latin typeface="Arial" panose="020B0604020202020204" pitchFamily="34" charset="0"/>
-                <a:ea typeface="+mj-ea"/>
-                <a:cs typeface="Arial" panose="020B0604020202020204" pitchFamily="34" charset="0"/>
-              </a:defRPr>
-            </a:lvl1pPr>
-          </a:lstStyle>
-          <a:p>
-            <a:pPr algn="ctr"/>
-            <a:r>
-              <a:rPr lang="en-IN" sz="4400" dirty="0">
-                <a:solidFill>
-                  <a:schemeClr val="tx1">
-                    <a:lumMod val="95000"/>
-                    <a:lumOff val="5000"/>
-                  </a:schemeClr>
-                </a:solidFill>
+                <a:effectLst/>
               </a:rPr>
-              <a:t>THANK YOU</a:t>
+              <a:t>Conti…</a:t>
             </a:r>
           </a:p>
         </p:txBody>
       </p:sp>
       <p:sp>
         <p:nvSpPr>
-          <p:cNvPr id="15" name="Freeform: Shape 14">
+          <p:cNvPr id="52" name="TextBox 51">
             <a:extLst>
               <a:ext uri="{FF2B5EF4-FFF2-40B4-BE49-F238E27FC236}">
-                <a16:creationId xmlns:a16="http://schemas.microsoft.com/office/drawing/2014/main" id="{92A43068-9F93-4923-849F-C40C2616E5FD}"/>
+                <a16:creationId xmlns:a16="http://schemas.microsoft.com/office/drawing/2014/main" id="{A5621993-6CE4-4394-A423-BEDD3B16CD16}"/>
               </a:ext>
             </a:extLst>
           </p:cNvPr>
-          <p:cNvSpPr/>
+          <p:cNvSpPr txBox="1"/>
           <p:nvPr/>
         </p:nvSpPr>
         <p:spPr>
-          <a:xfrm rot="2700000">
-            <a:off x="6514438" y="5459984"/>
-            <a:ext cx="1597667" cy="1597667"/>
+          <a:xfrm>
+            <a:off x="394206" y="1573270"/>
+            <a:ext cx="7816143" cy="5016758"/>
           </a:xfrm>
-          <a:custGeom>
+          <a:prstGeom prst="rect">
             <a:avLst/>
-            <a:gdLst>
-              <a:gd name="connsiteX0" fmla="*/ 89500 w 1597666"/>
-              <a:gd name="connsiteY0" fmla="*/ 89500 h 1597666"/>
-              <a:gd name="connsiteX1" fmla="*/ 305570 w 1597666"/>
-              <a:gd name="connsiteY1" fmla="*/ 0 h 1597666"/>
-              <a:gd name="connsiteX2" fmla="*/ 1292096 w 1597666"/>
-              <a:gd name="connsiteY2" fmla="*/ 0 h 1597666"/>
-              <a:gd name="connsiteX3" fmla="*/ 1597666 w 1597666"/>
-              <a:gd name="connsiteY3" fmla="*/ 305570 h 1597666"/>
-              <a:gd name="connsiteX4" fmla="*/ 1597666 w 1597666"/>
-              <a:gd name="connsiteY4" fmla="*/ 828667 h 1597666"/>
-              <a:gd name="connsiteX5" fmla="*/ 828667 w 1597666"/>
-              <a:gd name="connsiteY5" fmla="*/ 1597666 h 1597666"/>
-              <a:gd name="connsiteX6" fmla="*/ 305570 w 1597666"/>
-              <a:gd name="connsiteY6" fmla="*/ 1597666 h 1597666"/>
-              <a:gd name="connsiteX7" fmla="*/ 0 w 1597666"/>
-              <a:gd name="connsiteY7" fmla="*/ 1292096 h 1597666"/>
-              <a:gd name="connsiteX8" fmla="*/ 0 w 1597666"/>
-              <a:gd name="connsiteY8" fmla="*/ 305570 h 1597666"/>
-              <a:gd name="connsiteX9" fmla="*/ 89500 w 1597666"/>
-              <a:gd name="connsiteY9" fmla="*/ 89500 h 1597666"/>
-            </a:gdLst>
-            <a:ahLst/>
-            <a:cxnLst>
-              <a:cxn ang="0">
-                <a:pos x="connsiteX0" y="connsiteY0"/>
-              </a:cxn>
-              <a:cxn ang="0">
-                <a:pos x="connsiteX1" y="connsiteY1"/>
-              </a:cxn>
-              <a:cxn ang="0">
-                <a:pos x="connsiteX2" y="connsiteY2"/>
-              </a:cxn>
-              <a:cxn ang="0">
-                <a:pos x="connsiteX3" y="connsiteY3"/>
-              </a:cxn>
-              <a:cxn ang="0">
-                <a:pos x="connsiteX4" y="connsiteY4"/>
-              </a:cxn>
-              <a:cxn ang="0">
-                <a:pos x="connsiteX5" y="connsiteY5"/>
-              </a:cxn>
-              <a:cxn ang="0">
-                <a:pos x="connsiteX6" y="connsiteY6"/>
-              </a:cxn>
-              <a:cxn ang="0">
-                <a:pos x="connsiteX7" y="connsiteY7"/>
-              </a:cxn>
-              <a:cxn ang="0">
-                <a:pos x="connsiteX8" y="connsiteY8"/>
-              </a:cxn>
-              <a:cxn ang="0">
-                <a:pos x="connsiteX9" y="connsiteY9"/>
-              </a:cxn>
-            </a:cxnLst>
-            <a:rect l="l" t="t" r="r" b="b"/>
-            <a:pathLst>
-              <a:path w="1597666" h="1597666">
-                <a:moveTo>
-                  <a:pt x="89500" y="89500"/>
-                </a:moveTo>
-                <a:cubicBezTo>
-                  <a:pt x="144796" y="34202"/>
-                  <a:pt x="221189" y="0"/>
-                  <a:pt x="305570" y="0"/>
-                </a:cubicBezTo>
-                <a:lnTo>
-                  <a:pt x="1292096" y="0"/>
-                </a:lnTo>
-                <a:cubicBezTo>
-                  <a:pt x="1460858" y="0"/>
-                  <a:pt x="1597666" y="136808"/>
-                  <a:pt x="1597666" y="305570"/>
-                </a:cubicBezTo>
-                <a:lnTo>
-                  <a:pt x="1597666" y="828667"/>
-                </a:lnTo>
-                <a:lnTo>
-                  <a:pt x="828667" y="1597666"/>
-                </a:lnTo>
-                <a:lnTo>
-                  <a:pt x="305570" y="1597666"/>
-                </a:lnTo>
-                <a:cubicBezTo>
-                  <a:pt x="136808" y="1597666"/>
-                  <a:pt x="0" y="1460858"/>
-                  <a:pt x="0" y="1292096"/>
-                </a:cubicBezTo>
-                <a:lnTo>
-                  <a:pt x="0" y="305570"/>
-                </a:lnTo>
-                <a:cubicBezTo>
-                  <a:pt x="0" y="221189"/>
-                  <a:pt x="34202" y="144796"/>
-                  <a:pt x="89500" y="89500"/>
-                </a:cubicBezTo>
-                <a:close/>
-              </a:path>
-            </a:pathLst>
-          </a:custGeom>
-          <a:solidFill>
-            <a:schemeClr val="accent2">
-              <a:alpha val="16000"/>
-            </a:schemeClr>
-          </a:solidFill>
+          </a:prstGeom>
+          <a:noFill/>
+        </p:spPr>
+        <p:txBody>
+          <a:bodyPr wrap="square" rtlCol="0">
+            <a:spAutoFit/>
+          </a:bodyPr>
+          <a:lstStyle/>
+          <a:p>
+            <a:r>
+              <a:rPr lang="en-US" sz="3200" b="1" dirty="0">
+                <a:solidFill>
+                  <a:schemeClr val="bg1"/>
+                </a:solidFill>
+              </a:rPr>
+              <a:t>Why use them?</a:t>
+            </a:r>
+          </a:p>
+          <a:p>
+            <a:r>
+              <a:rPr lang="en-US" sz="2400" b="1" dirty="0">
+                <a:solidFill>
+                  <a:schemeClr val="bg1"/>
+                </a:solidFill>
+              </a:rPr>
+              <a:t>Flexibility: </a:t>
+            </a:r>
+            <a:r>
+              <a:rPr lang="en-US" sz="2400" dirty="0">
+                <a:solidFill>
+                  <a:schemeClr val="bg1"/>
+                </a:solidFill>
+              </a:rPr>
+              <a:t>They allow a single function to handle multiple use cases, from simple to complex, without needing to create multiple functions.</a:t>
+            </a:r>
+          </a:p>
+          <a:p>
+            <a:endParaRPr lang="en-US" sz="2400" dirty="0">
+              <a:solidFill>
+                <a:schemeClr val="bg1"/>
+              </a:solidFill>
+            </a:endParaRPr>
+          </a:p>
+          <a:p>
+            <a:r>
+              <a:rPr lang="en-US" sz="2400" b="1" dirty="0">
+                <a:solidFill>
+                  <a:schemeClr val="bg1"/>
+                </a:solidFill>
+              </a:rPr>
+              <a:t>Readability: </a:t>
+            </a:r>
+            <a:r>
+              <a:rPr lang="en-US" sz="2400" dirty="0">
+                <a:solidFill>
+                  <a:schemeClr val="bg1"/>
+                </a:solidFill>
+              </a:rPr>
+              <a:t>They make the function call cleaner and more concise, as you only need to specify arguments that deviate from the standard behavior.</a:t>
+            </a:r>
+          </a:p>
+          <a:p>
+            <a:endParaRPr lang="en-US" sz="2400" dirty="0">
+              <a:solidFill>
+                <a:schemeClr val="bg1"/>
+              </a:solidFill>
+            </a:endParaRPr>
+          </a:p>
+          <a:p>
+            <a:r>
+              <a:rPr lang="en-US" sz="2400" b="1" dirty="0">
+                <a:solidFill>
+                  <a:schemeClr val="bg1"/>
+                </a:solidFill>
+              </a:rPr>
+              <a:t>Backward Compatibility: </a:t>
+            </a:r>
+            <a:r>
+              <a:rPr lang="en-US" sz="2400" dirty="0">
+                <a:solidFill>
+                  <a:schemeClr val="bg1"/>
+                </a:solidFill>
+              </a:rPr>
+              <a:t>If you add a new parameter to an existing function, giving it a default value ensures that all previous calls to that function will continue to work without modification.</a:t>
+            </a:r>
+          </a:p>
+        </p:txBody>
+      </p:sp>
+      <p:pic>
+        <p:nvPicPr>
+          <p:cNvPr id="20" name="Picture 19">
+            <a:extLst>
+              <a:ext uri="{FF2B5EF4-FFF2-40B4-BE49-F238E27FC236}">
+                <a16:creationId xmlns:a16="http://schemas.microsoft.com/office/drawing/2014/main" id="{A768AD4E-B489-4B98-8C45-9C8C564FE292}"/>
+              </a:ext>
+            </a:extLst>
+          </p:cNvPr>
+          <p:cNvPicPr>
+            <a:picLocks noChangeAspect="1"/>
+          </p:cNvPicPr>
+          <p:nvPr/>
+        </p:nvPicPr>
+        <p:blipFill rotWithShape="1">
+          <a:blip r:embed="rId2">
+            <a:extLst>
+              <a:ext uri="{28A0092B-C50C-407E-A947-70E740481C1C}">
+                <a14:useLocalDpi xmlns:a14="http://schemas.microsoft.com/office/drawing/2010/main" val="0"/>
+              </a:ext>
+            </a:extLst>
+          </a:blip>
+          <a:srcRect b="9699"/>
+          <a:stretch/>
+        </p:blipFill>
+        <p:spPr>
+          <a:xfrm>
+            <a:off x="8806113" y="1262111"/>
+            <a:ext cx="2857500" cy="1444993"/>
+          </a:xfrm>
+          <a:prstGeom prst="rect">
+            <a:avLst/>
+          </a:prstGeom>
           <a:ln>
             <a:noFill/>
           </a:ln>
+          <a:effectLst>
+            <a:softEdge rad="112500"/>
+          </a:effectLst>
         </p:spPr>
-        <p:style>
-          <a:lnRef idx="2">
-            <a:schemeClr val="accent1">
-              <a:shade val="50000"/>
-            </a:schemeClr>
-          </a:lnRef>
-          <a:fillRef idx="1">
-            <a:schemeClr val="accent1"/>
-          </a:fillRef>
-          <a:effectRef idx="0">
-            <a:schemeClr val="accent1"/>
-          </a:effectRef>
-          <a:fontRef idx="minor">
-            <a:schemeClr val="lt1"/>
-          </a:fontRef>
-        </p:style>
+      </p:pic>
+      <p:pic>
+        <p:nvPicPr>
+          <p:cNvPr id="22" name="Picture 21">
+            <a:extLst>
+              <a:ext uri="{FF2B5EF4-FFF2-40B4-BE49-F238E27FC236}">
+                <a16:creationId xmlns:a16="http://schemas.microsoft.com/office/drawing/2014/main" id="{2771A529-7C4A-4C3B-86A6-E25AB6AB965B}"/>
+              </a:ext>
+            </a:extLst>
+          </p:cNvPr>
+          <p:cNvPicPr>
+            <a:picLocks noChangeAspect="1"/>
+          </p:cNvPicPr>
+          <p:nvPr/>
+        </p:nvPicPr>
+        <p:blipFill>
+          <a:blip r:embed="rId3">
+            <a:extLst>
+              <a:ext uri="{28A0092B-C50C-407E-A947-70E740481C1C}">
+                <a14:useLocalDpi xmlns:a14="http://schemas.microsoft.com/office/drawing/2010/main" val="0"/>
+              </a:ext>
+            </a:extLst>
+          </a:blip>
+          <a:stretch>
+            <a:fillRect/>
+          </a:stretch>
+        </p:blipFill>
+        <p:spPr>
+          <a:xfrm>
+            <a:off x="8634663" y="3130616"/>
+            <a:ext cx="3028950" cy="1514475"/>
+          </a:xfrm>
+          <a:prstGeom prst="rect">
+            <a:avLst/>
+          </a:prstGeom>
+          <a:ln>
+            <a:noFill/>
+          </a:ln>
+          <a:effectLst>
+            <a:softEdge rad="112500"/>
+          </a:effectLst>
+        </p:spPr>
+      </p:pic>
+      <p:pic>
+        <p:nvPicPr>
+          <p:cNvPr id="24" name="Picture 23">
+            <a:extLst>
+              <a:ext uri="{FF2B5EF4-FFF2-40B4-BE49-F238E27FC236}">
+                <a16:creationId xmlns:a16="http://schemas.microsoft.com/office/drawing/2014/main" id="{DCAD94EC-5F3D-497B-A197-2D348BE4315B}"/>
+              </a:ext>
+            </a:extLst>
+          </p:cNvPr>
+          <p:cNvPicPr>
+            <a:picLocks noChangeAspect="1"/>
+          </p:cNvPicPr>
+          <p:nvPr/>
+        </p:nvPicPr>
+        <p:blipFill>
+          <a:blip r:embed="rId4">
+            <a:extLst>
+              <a:ext uri="{28A0092B-C50C-407E-A947-70E740481C1C}">
+                <a14:useLocalDpi xmlns:a14="http://schemas.microsoft.com/office/drawing/2010/main" val="0"/>
+              </a:ext>
+            </a:extLst>
+          </a:blip>
+          <a:stretch>
+            <a:fillRect/>
+          </a:stretch>
+        </p:blipFill>
+        <p:spPr>
+          <a:xfrm>
+            <a:off x="9109383" y="5160106"/>
+            <a:ext cx="2250959" cy="1304793"/>
+          </a:xfrm>
+          <a:prstGeom prst="rect">
+            <a:avLst/>
+          </a:prstGeom>
+          <a:ln>
+            <a:noFill/>
+          </a:ln>
+          <a:effectLst>
+            <a:softEdge rad="112500"/>
+          </a:effectLst>
+        </p:spPr>
+      </p:pic>
+    </p:spTree>
+    <p:extLst>
+      <p:ext uri="{BB962C8B-B14F-4D97-AF65-F5344CB8AC3E}">
+        <p14:creationId xmlns:p14="http://schemas.microsoft.com/office/powerpoint/2010/main" val="626292308"/>
+      </p:ext>
+    </p:extLst>
+  </p:cSld>
+  <p:clrMapOvr>
+    <a:masterClrMapping/>
+  </p:clrMapOvr>
+</p:sld>
+</file>
+
+<file path=ppt/slides/slide12.xml><?xml version="1.0" encoding="utf-8"?>
+<p:sld xmlns:a="http://schemas.openxmlformats.org/drawingml/2006/main" xmlns:r="http://schemas.openxmlformats.org/officeDocument/2006/relationships" xmlns:p="http://schemas.openxmlformats.org/presentationml/2006/main">
+  <p:cSld>
+    <p:bg>
+      <p:bgPr>
+        <a:solidFill>
+          <a:schemeClr val="tx1"/>
+        </a:solidFill>
+        <a:effectLst/>
+      </p:bgPr>
+    </p:bg>
+    <p:spTree>
+      <p:nvGrpSpPr>
+        <p:cNvPr id="1" name=""/>
+        <p:cNvGrpSpPr/>
+        <p:nvPr/>
+      </p:nvGrpSpPr>
+      <p:grpSpPr>
+        <a:xfrm>
+          <a:off x="0" y="0"/>
+          <a:ext cx="0" cy="0"/>
+          <a:chOff x="0" y="0"/>
+          <a:chExt cx="0" cy="0"/>
+        </a:xfrm>
+      </p:grpSpPr>
+      <p:sp>
+        <p:nvSpPr>
+          <p:cNvPr id="2" name="Title 1">
+            <a:extLst>
+              <a:ext uri="{FF2B5EF4-FFF2-40B4-BE49-F238E27FC236}">
+                <a16:creationId xmlns:a16="http://schemas.microsoft.com/office/drawing/2014/main" id="{0D1F047C-C727-42A7-85C5-68C5AA1B1A93}"/>
+              </a:ext>
+            </a:extLst>
+          </p:cNvPr>
+          <p:cNvSpPr>
+            <a:spLocks noGrp="1"/>
+          </p:cNvSpPr>
+          <p:nvPr>
+            <p:ph type="ctrTitle"/>
+          </p:nvPr>
+        </p:nvSpPr>
+        <p:spPr>
+          <a:xfrm>
+            <a:off x="1375983" y="99849"/>
+            <a:ext cx="9440034" cy="1191998"/>
+          </a:xfrm>
+        </p:spPr>
         <p:txBody>
-          <a:bodyPr wrap="square" rtlCol="0" anchor="ctr">
-            <a:noAutofit/>
+          <a:bodyPr>
+            <a:normAutofit/>
           </a:bodyPr>
           <a:lstStyle/>
           <a:p>
-            <a:pPr algn="ctr"/>
-            <a:endParaRPr lang="en-IN" sz="1400"/>
+            <a:r>
+              <a:rPr lang="en-US" sz="4900" b="1" dirty="0">
+                <a:solidFill>
+                  <a:schemeClr val="accent3"/>
+                </a:solidFill>
+                <a:effectLst/>
+              </a:rPr>
+              <a:t>Variable-Length Arguments</a:t>
+            </a:r>
           </a:p>
         </p:txBody>
       </p:sp>
       <p:sp>
         <p:nvSpPr>
-          <p:cNvPr id="12" name="Rectangle: Rounded Corners 11">
+          <p:cNvPr id="52" name="TextBox 51">
             <a:extLst>
               <a:ext uri="{FF2B5EF4-FFF2-40B4-BE49-F238E27FC236}">
-                <a16:creationId xmlns:a16="http://schemas.microsoft.com/office/drawing/2014/main" id="{03F0C82F-60D6-4E8E-8658-1945239ECDC7}"/>
+                <a16:creationId xmlns:a16="http://schemas.microsoft.com/office/drawing/2014/main" id="{A5621993-6CE4-4394-A423-BEDD3B16CD16}"/>
               </a:ext>
             </a:extLst>
           </p:cNvPr>
-          <p:cNvSpPr/>
+          <p:cNvSpPr txBox="1"/>
           <p:nvPr/>
         </p:nvSpPr>
         <p:spPr>
-          <a:xfrm rot="2700000">
-            <a:off x="6510290" y="359620"/>
-            <a:ext cx="1597667" cy="1597667"/>
+          <a:xfrm>
+            <a:off x="403831" y="1515519"/>
+            <a:ext cx="5910341" cy="4893647"/>
           </a:xfrm>
-          <a:prstGeom prst="roundRect">
-            <a:avLst>
-              <a:gd name="adj" fmla="val 19126"/>
-            </a:avLst>
+          <a:prstGeom prst="rect">
+            <a:avLst/>
           </a:prstGeom>
-          <a:solidFill>
-            <a:schemeClr val="accent2">
-              <a:alpha val="16000"/>
-            </a:schemeClr>
-          </a:solidFill>
+          <a:noFill/>
+        </p:spPr>
+        <p:txBody>
+          <a:bodyPr wrap="square" rtlCol="0">
+            <a:spAutoFit/>
+          </a:bodyPr>
+          <a:lstStyle/>
+          <a:p>
+            <a:pPr marL="342900" indent="-342900">
+              <a:buFont typeface="Arial" panose="020B0604020202020204" pitchFamily="34" charset="0"/>
+              <a:buChar char="•"/>
+            </a:pPr>
+            <a:r>
+              <a:rPr lang="en-US" sz="2400" dirty="0">
+                <a:solidFill>
+                  <a:schemeClr val="bg1"/>
+                </a:solidFill>
+              </a:rPr>
+              <a:t>Variable-length arguments allow a function to accept a dynamic number of arguments.</a:t>
+            </a:r>
+          </a:p>
+          <a:p>
+            <a:endParaRPr lang="en-US" sz="2400" dirty="0">
+              <a:solidFill>
+                <a:schemeClr val="bg1"/>
+              </a:solidFill>
+            </a:endParaRPr>
+          </a:p>
+          <a:p>
+            <a:pPr marL="342900" indent="-342900">
+              <a:buFont typeface="Arial" panose="020B0604020202020204" pitchFamily="34" charset="0"/>
+              <a:buChar char="•"/>
+            </a:pPr>
+            <a:r>
+              <a:rPr lang="en-US" sz="2400" dirty="0">
+                <a:solidFill>
+                  <a:schemeClr val="bg1"/>
+                </a:solidFill>
+              </a:rPr>
+              <a:t>This means you can call the function with zero, one, or many arguments.</a:t>
+            </a:r>
+          </a:p>
+          <a:p>
+            <a:endParaRPr lang="en-US" sz="2400" dirty="0">
+              <a:solidFill>
+                <a:schemeClr val="bg1"/>
+              </a:solidFill>
+            </a:endParaRPr>
+          </a:p>
+          <a:p>
+            <a:pPr marL="342900" indent="-342900">
+              <a:buFont typeface="Arial" panose="020B0604020202020204" pitchFamily="34" charset="0"/>
+              <a:buChar char="•"/>
+            </a:pPr>
+            <a:r>
+              <a:rPr lang="en-US" sz="2400" dirty="0">
+                <a:solidFill>
+                  <a:schemeClr val="bg1"/>
+                </a:solidFill>
+              </a:rPr>
+              <a:t>It's especially useful for generic functions that process data collections.</a:t>
+            </a:r>
+          </a:p>
+          <a:p>
+            <a:pPr marL="342900" indent="-342900">
+              <a:buFont typeface="Arial" panose="020B0604020202020204" pitchFamily="34" charset="0"/>
+              <a:buChar char="•"/>
+            </a:pPr>
+            <a:endParaRPr lang="en-US" sz="2400" dirty="0">
+              <a:solidFill>
+                <a:schemeClr val="bg1"/>
+              </a:solidFill>
+            </a:endParaRPr>
+          </a:p>
+          <a:p>
+            <a:r>
+              <a:rPr lang="en-US" sz="2400" b="1" dirty="0">
+                <a:solidFill>
+                  <a:schemeClr val="bg1"/>
+                </a:solidFill>
+              </a:rPr>
+              <a:t>Why use them?</a:t>
+            </a:r>
+          </a:p>
+          <a:p>
+            <a:pPr marL="914400" lvl="1" indent="-457200">
+              <a:buAutoNum type="arabicPeriod"/>
+            </a:pPr>
+            <a:r>
+              <a:rPr lang="en-US" sz="2400" dirty="0">
+                <a:solidFill>
+                  <a:schemeClr val="bg1"/>
+                </a:solidFill>
+              </a:rPr>
+              <a:t>Flexibility</a:t>
+            </a:r>
+          </a:p>
+          <a:p>
+            <a:pPr marL="914400" lvl="1" indent="-457200">
+              <a:buAutoNum type="arabicPeriod"/>
+            </a:pPr>
+            <a:r>
+              <a:rPr lang="en-US" sz="2400" dirty="0">
+                <a:solidFill>
+                  <a:schemeClr val="bg1"/>
+                </a:solidFill>
+              </a:rPr>
+              <a:t>Readability</a:t>
+            </a:r>
+          </a:p>
+          <a:p>
+            <a:pPr marL="914400" lvl="1" indent="-457200">
+              <a:buAutoNum type="arabicPeriod"/>
+            </a:pPr>
+            <a:r>
+              <a:rPr lang="en-US" sz="2400" dirty="0">
+                <a:solidFill>
+                  <a:schemeClr val="bg1"/>
+                </a:solidFill>
+              </a:rPr>
+              <a:t>Abstraction</a:t>
+            </a:r>
+            <a:endParaRPr lang="en-US" sz="2400" b="1" dirty="0">
+              <a:solidFill>
+                <a:schemeClr val="bg1"/>
+              </a:solidFill>
+            </a:endParaRPr>
+          </a:p>
+        </p:txBody>
+      </p:sp>
+      <p:pic>
+        <p:nvPicPr>
+          <p:cNvPr id="6" name="Picture 5">
+            <a:extLst>
+              <a:ext uri="{FF2B5EF4-FFF2-40B4-BE49-F238E27FC236}">
+                <a16:creationId xmlns:a16="http://schemas.microsoft.com/office/drawing/2014/main" id="{621C247D-7444-403D-A738-AEB4714DDF69}"/>
+              </a:ext>
+            </a:extLst>
+          </p:cNvPr>
+          <p:cNvPicPr>
+            <a:picLocks noChangeAspect="1"/>
+          </p:cNvPicPr>
+          <p:nvPr/>
+        </p:nvPicPr>
+        <p:blipFill>
+          <a:blip r:embed="rId2">
+            <a:extLst>
+              <a:ext uri="{BEBA8EAE-BF5A-486C-A8C5-ECC9F3942E4B}">
+                <a14:imgProps xmlns:a14="http://schemas.microsoft.com/office/drawing/2010/main">
+                  <a14:imgLayer r:embed="rId3">
+                    <a14:imgEffect>
+                      <a14:sharpenSoften amount="50000"/>
+                    </a14:imgEffect>
+                    <a14:imgEffect>
+                      <a14:saturation sat="400000"/>
+                    </a14:imgEffect>
+                  </a14:imgLayer>
+                </a14:imgProps>
+              </a:ext>
+              <a:ext uri="{28A0092B-C50C-407E-A947-70E740481C1C}">
+                <a14:useLocalDpi xmlns:a14="http://schemas.microsoft.com/office/drawing/2010/main" val="0"/>
+              </a:ext>
+            </a:extLst>
+          </a:blip>
+          <a:stretch>
+            <a:fillRect/>
+          </a:stretch>
+        </p:blipFill>
+        <p:spPr>
+          <a:xfrm>
+            <a:off x="7411454" y="2188544"/>
+            <a:ext cx="4164960" cy="3844579"/>
+          </a:xfrm>
+          <a:prstGeom prst="rect">
+            <a:avLst/>
+          </a:prstGeom>
           <a:ln>
             <a:noFill/>
           </a:ln>
+          <a:effectLst>
+            <a:softEdge rad="112500"/>
+          </a:effectLst>
         </p:spPr>
-        <p:style>
-          <a:lnRef idx="2">
-            <a:schemeClr val="accent1">
-              <a:shade val="50000"/>
-            </a:schemeClr>
-          </a:lnRef>
-          <a:fillRef idx="1">
-            <a:schemeClr val="accent1"/>
-          </a:fillRef>
-          <a:effectRef idx="0">
-            <a:schemeClr val="accent1"/>
-          </a:effectRef>
-          <a:fontRef idx="minor">
-            <a:schemeClr val="lt1"/>
-          </a:fontRef>
-        </p:style>
+      </p:pic>
+    </p:spTree>
+    <p:extLst>
+      <p:ext uri="{BB962C8B-B14F-4D97-AF65-F5344CB8AC3E}">
+        <p14:creationId xmlns:p14="http://schemas.microsoft.com/office/powerpoint/2010/main" val="373183095"/>
+      </p:ext>
+    </p:extLst>
+  </p:cSld>
+  <p:clrMapOvr>
+    <a:masterClrMapping/>
+  </p:clrMapOvr>
+</p:sld>
+</file>
+
+<file path=ppt/slides/slide13.xml><?xml version="1.0" encoding="utf-8"?>
+<p:sld xmlns:a="http://schemas.openxmlformats.org/drawingml/2006/main" xmlns:r="http://schemas.openxmlformats.org/officeDocument/2006/relationships" xmlns:p="http://schemas.openxmlformats.org/presentationml/2006/main">
+  <p:cSld>
+    <p:bg>
+      <p:bgPr>
+        <a:solidFill>
+          <a:schemeClr val="tx1"/>
+        </a:solidFill>
+        <a:effectLst/>
+      </p:bgPr>
+    </p:bg>
+    <p:spTree>
+      <p:nvGrpSpPr>
+        <p:cNvPr id="1" name=""/>
+        <p:cNvGrpSpPr/>
+        <p:nvPr/>
+      </p:nvGrpSpPr>
+      <p:grpSpPr>
+        <a:xfrm>
+          <a:off x="0" y="0"/>
+          <a:ext cx="0" cy="0"/>
+          <a:chOff x="0" y="0"/>
+          <a:chExt cx="0" cy="0"/>
+        </a:xfrm>
+      </p:grpSpPr>
+      <p:sp>
+        <p:nvSpPr>
+          <p:cNvPr id="2" name="Title 1">
+            <a:extLst>
+              <a:ext uri="{FF2B5EF4-FFF2-40B4-BE49-F238E27FC236}">
+                <a16:creationId xmlns:a16="http://schemas.microsoft.com/office/drawing/2014/main" id="{0D1F047C-C727-42A7-85C5-68C5AA1B1A93}"/>
+              </a:ext>
+            </a:extLst>
+          </p:cNvPr>
+          <p:cNvSpPr>
+            <a:spLocks noGrp="1"/>
+          </p:cNvSpPr>
+          <p:nvPr>
+            <p:ph type="ctrTitle"/>
+          </p:nvPr>
+        </p:nvSpPr>
+        <p:spPr>
+          <a:xfrm>
+            <a:off x="1375983" y="99849"/>
+            <a:ext cx="9440034" cy="1191998"/>
+          </a:xfrm>
+        </p:spPr>
         <p:txBody>
-          <a:bodyPr rtlCol="0" anchor="ctr"/>
+          <a:bodyPr>
+            <a:normAutofit/>
+          </a:bodyPr>
           <a:lstStyle/>
           <a:p>
-            <a:pPr algn="ctr"/>
-            <a:endParaRPr lang="en-IN" sz="1400"/>
+            <a:r>
+              <a:rPr lang="en-US" sz="4900" b="1" dirty="0">
+                <a:solidFill>
+                  <a:schemeClr val="accent3"/>
+                </a:solidFill>
+                <a:effectLst/>
+              </a:rPr>
+              <a:t>Positional Arguments (*</a:t>
+            </a:r>
+            <a:r>
+              <a:rPr lang="en-US" sz="4900" b="1" dirty="0" err="1">
+                <a:solidFill>
+                  <a:schemeClr val="accent3"/>
+                </a:solidFill>
+                <a:effectLst/>
+              </a:rPr>
+              <a:t>args</a:t>
+            </a:r>
+            <a:r>
+              <a:rPr lang="en-US" sz="4900" b="1" dirty="0">
+                <a:solidFill>
+                  <a:schemeClr val="accent3"/>
+                </a:solidFill>
+                <a:effectLst/>
+              </a:rPr>
+              <a:t>)</a:t>
+            </a:r>
+          </a:p>
+        </p:txBody>
+      </p:sp>
+      <p:grpSp>
+        <p:nvGrpSpPr>
+          <p:cNvPr id="22" name="Group 21">
+            <a:extLst>
+              <a:ext uri="{FF2B5EF4-FFF2-40B4-BE49-F238E27FC236}">
+                <a16:creationId xmlns:a16="http://schemas.microsoft.com/office/drawing/2014/main" id="{AE40FEA2-F40A-4240-B2EF-91A536BB0F3D}"/>
+              </a:ext>
+            </a:extLst>
+          </p:cNvPr>
+          <p:cNvGrpSpPr/>
+          <p:nvPr/>
+        </p:nvGrpSpPr>
+        <p:grpSpPr>
+          <a:xfrm>
+            <a:off x="7545821" y="1876173"/>
+            <a:ext cx="4349192" cy="2443917"/>
+            <a:chOff x="3805295" y="4653207"/>
+            <a:chExt cx="4349192" cy="2443917"/>
+          </a:xfrm>
+        </p:grpSpPr>
+        <p:grpSp>
+          <p:nvGrpSpPr>
+            <p:cNvPr id="24" name="Group 23">
+              <a:extLst>
+                <a:ext uri="{FF2B5EF4-FFF2-40B4-BE49-F238E27FC236}">
+                  <a16:creationId xmlns:a16="http://schemas.microsoft.com/office/drawing/2014/main" id="{DC7A15DB-6AB3-49B0-90AF-3AB5A0EEBB9D}"/>
+                </a:ext>
+              </a:extLst>
+            </p:cNvPr>
+            <p:cNvGrpSpPr/>
+            <p:nvPr/>
+          </p:nvGrpSpPr>
+          <p:grpSpPr>
+            <a:xfrm>
+              <a:off x="3805295" y="4693586"/>
+              <a:ext cx="4349192" cy="2403538"/>
+              <a:chOff x="2376485" y="2118830"/>
+              <a:chExt cx="5456905" cy="2403538"/>
+            </a:xfrm>
+          </p:grpSpPr>
+          <p:sp>
+            <p:nvSpPr>
+              <p:cNvPr id="27" name="TextBox 26">
+                <a:extLst>
+                  <a:ext uri="{FF2B5EF4-FFF2-40B4-BE49-F238E27FC236}">
+                    <a16:creationId xmlns:a16="http://schemas.microsoft.com/office/drawing/2014/main" id="{F1374E2D-910D-4964-97E1-D401047F344C}"/>
+                  </a:ext>
+                </a:extLst>
+              </p:cNvPr>
+              <p:cNvSpPr txBox="1"/>
+              <p:nvPr/>
+            </p:nvSpPr>
+            <p:spPr>
+              <a:xfrm>
+                <a:off x="2935440" y="2118830"/>
+                <a:ext cx="2090447" cy="461665"/>
+              </a:xfrm>
+              <a:prstGeom prst="rect">
+                <a:avLst/>
+              </a:prstGeom>
+              <a:noFill/>
+            </p:spPr>
+            <p:txBody>
+              <a:bodyPr wrap="square" rtlCol="0">
+                <a:spAutoFit/>
+              </a:bodyPr>
+              <a:lstStyle/>
+              <a:p>
+                <a:pPr algn="ctr"/>
+                <a:r>
+                  <a:rPr lang="en-US" sz="2400" b="1" u="sng" dirty="0">
+                    <a:solidFill>
+                      <a:schemeClr val="bg1"/>
+                    </a:solidFill>
+                  </a:rPr>
+                  <a:t>Example</a:t>
+                </a:r>
+              </a:p>
+            </p:txBody>
+          </p:sp>
+          <p:sp>
+            <p:nvSpPr>
+              <p:cNvPr id="28" name="TextBox 27">
+                <a:extLst>
+                  <a:ext uri="{FF2B5EF4-FFF2-40B4-BE49-F238E27FC236}">
+                    <a16:creationId xmlns:a16="http://schemas.microsoft.com/office/drawing/2014/main" id="{24D78B0C-E40B-4B3B-B680-93412D1EF246}"/>
+                  </a:ext>
+                </a:extLst>
+              </p:cNvPr>
+              <p:cNvSpPr txBox="1"/>
+              <p:nvPr/>
+            </p:nvSpPr>
+            <p:spPr>
+              <a:xfrm>
+                <a:off x="2376485" y="2768042"/>
+                <a:ext cx="5456905" cy="1754326"/>
+              </a:xfrm>
+              <a:prstGeom prst="rect">
+                <a:avLst/>
+              </a:prstGeom>
+              <a:noFill/>
+            </p:spPr>
+            <p:txBody>
+              <a:bodyPr wrap="square" rtlCol="0">
+                <a:spAutoFit/>
+              </a:bodyPr>
+              <a:lstStyle/>
+              <a:p>
+                <a:r>
+                  <a:rPr lang="en-US" i="1" dirty="0">
+                    <a:solidFill>
+                      <a:schemeClr val="bg1"/>
+                    </a:solidFill>
+                    <a:highlight>
+                      <a:srgbClr val="C0C0C0"/>
+                    </a:highlight>
+                  </a:rPr>
+                  <a:t>def </a:t>
+                </a:r>
+                <a:r>
+                  <a:rPr lang="en-US" i="1" dirty="0" err="1">
+                    <a:solidFill>
+                      <a:schemeClr val="bg1"/>
+                    </a:solidFill>
+                    <a:highlight>
+                      <a:srgbClr val="C0C0C0"/>
+                    </a:highlight>
+                  </a:rPr>
+                  <a:t>concatenate_strings</a:t>
+                </a:r>
+                <a:r>
+                  <a:rPr lang="en-US" i="1" dirty="0">
+                    <a:solidFill>
+                      <a:schemeClr val="bg1"/>
+                    </a:solidFill>
+                    <a:highlight>
+                      <a:srgbClr val="C0C0C0"/>
+                    </a:highlight>
+                  </a:rPr>
+                  <a:t>(*</a:t>
+                </a:r>
+                <a:r>
+                  <a:rPr lang="en-US" i="1" dirty="0" err="1">
+                    <a:solidFill>
+                      <a:schemeClr val="bg1"/>
+                    </a:solidFill>
+                    <a:highlight>
+                      <a:srgbClr val="C0C0C0"/>
+                    </a:highlight>
+                  </a:rPr>
+                  <a:t>args</a:t>
+                </a:r>
+                <a:r>
+                  <a:rPr lang="en-US" i="1" dirty="0">
+                    <a:solidFill>
+                      <a:schemeClr val="bg1"/>
+                    </a:solidFill>
+                    <a:highlight>
+                      <a:srgbClr val="C0C0C0"/>
+                    </a:highlight>
+                  </a:rPr>
+                  <a:t>):</a:t>
+                </a:r>
+              </a:p>
+              <a:p>
+                <a:r>
+                  <a:rPr lang="en-US" i="1" dirty="0">
+                    <a:solidFill>
+                      <a:schemeClr val="bg1"/>
+                    </a:solidFill>
+                    <a:highlight>
+                      <a:srgbClr val="C0C0C0"/>
+                    </a:highlight>
+                  </a:rPr>
+                  <a:t>    return " ".join(</a:t>
+                </a:r>
+                <a:r>
+                  <a:rPr lang="en-US" i="1" dirty="0" err="1">
+                    <a:solidFill>
+                      <a:schemeClr val="bg1"/>
+                    </a:solidFill>
+                    <a:highlight>
+                      <a:srgbClr val="C0C0C0"/>
+                    </a:highlight>
+                  </a:rPr>
+                  <a:t>args</a:t>
+                </a:r>
+                <a:r>
+                  <a:rPr lang="en-US" i="1" dirty="0">
+                    <a:solidFill>
+                      <a:schemeClr val="bg1"/>
+                    </a:solidFill>
+                    <a:highlight>
+                      <a:srgbClr val="C0C0C0"/>
+                    </a:highlight>
+                  </a:rPr>
+                  <a:t>)</a:t>
+                </a:r>
+              </a:p>
+              <a:p>
+                <a:endParaRPr lang="en-US" i="1" dirty="0">
+                  <a:solidFill>
+                    <a:schemeClr val="bg1"/>
+                  </a:solidFill>
+                  <a:highlight>
+                    <a:srgbClr val="C0C0C0"/>
+                  </a:highlight>
+                </a:endParaRPr>
+              </a:p>
+              <a:p>
+                <a:r>
+                  <a:rPr lang="en-US" i="1" dirty="0">
+                    <a:solidFill>
+                      <a:schemeClr val="bg1"/>
+                    </a:solidFill>
+                    <a:highlight>
+                      <a:srgbClr val="C0C0C0"/>
+                    </a:highlight>
+                  </a:rPr>
+                  <a:t>result = </a:t>
+                </a:r>
+                <a:r>
+                  <a:rPr lang="en-US" i="1" dirty="0" err="1">
+                    <a:solidFill>
+                      <a:schemeClr val="bg1"/>
+                    </a:solidFill>
+                    <a:highlight>
+                      <a:srgbClr val="C0C0C0"/>
+                    </a:highlight>
+                  </a:rPr>
+                  <a:t>concatenate_strings</a:t>
+                </a:r>
+                <a:r>
+                  <a:rPr lang="en-US" i="1" dirty="0">
+                    <a:solidFill>
+                      <a:schemeClr val="bg1"/>
+                    </a:solidFill>
+                    <a:highlight>
+                      <a:srgbClr val="C0C0C0"/>
+                    </a:highlight>
+                  </a:rPr>
+                  <a:t>("Hello", "world!")</a:t>
+                </a:r>
+              </a:p>
+              <a:p>
+                <a:endParaRPr lang="en-US" i="1" dirty="0">
+                  <a:solidFill>
+                    <a:schemeClr val="bg1"/>
+                  </a:solidFill>
+                  <a:highlight>
+                    <a:srgbClr val="C0C0C0"/>
+                  </a:highlight>
+                </a:endParaRPr>
+              </a:p>
+              <a:p>
+                <a:r>
+                  <a:rPr lang="en-US" i="1" dirty="0">
+                    <a:solidFill>
+                      <a:schemeClr val="bg1"/>
+                    </a:solidFill>
+                    <a:highlight>
+                      <a:srgbClr val="C0C0C0"/>
+                    </a:highlight>
+                  </a:rPr>
+                  <a:t>print(result)  # Output: Hello world!</a:t>
+                </a:r>
+              </a:p>
+            </p:txBody>
+          </p:sp>
+        </p:grpSp>
+        <p:pic>
+          <p:nvPicPr>
+            <p:cNvPr id="25" name="Picture 24">
+              <a:extLst>
+                <a:ext uri="{FF2B5EF4-FFF2-40B4-BE49-F238E27FC236}">
+                  <a16:creationId xmlns:a16="http://schemas.microsoft.com/office/drawing/2014/main" id="{30AB870B-B5FF-4DE7-95B5-62FAE5371E77}"/>
+                </a:ext>
+              </a:extLst>
+            </p:cNvPr>
+            <p:cNvPicPr>
+              <a:picLocks noChangeAspect="1"/>
+            </p:cNvPicPr>
+            <p:nvPr/>
+          </p:nvPicPr>
+          <p:blipFill>
+            <a:blip r:embed="rId2">
+              <a:extLst>
+                <a:ext uri="{28A0092B-C50C-407E-A947-70E740481C1C}">
+                  <a14:useLocalDpi xmlns:a14="http://schemas.microsoft.com/office/drawing/2010/main" val="0"/>
+                </a:ext>
+              </a:extLst>
+            </a:blip>
+            <a:stretch>
+              <a:fillRect/>
+            </a:stretch>
+          </p:blipFill>
+          <p:spPr>
+            <a:xfrm>
+              <a:off x="3805296" y="4653207"/>
+              <a:ext cx="524712" cy="524712"/>
+            </a:xfrm>
+            <a:prstGeom prst="rect">
+              <a:avLst/>
+            </a:prstGeom>
+          </p:spPr>
+        </p:pic>
+      </p:grpSp>
+      <p:grpSp>
+        <p:nvGrpSpPr>
+          <p:cNvPr id="29" name="Group 28">
+            <a:extLst>
+              <a:ext uri="{FF2B5EF4-FFF2-40B4-BE49-F238E27FC236}">
+                <a16:creationId xmlns:a16="http://schemas.microsoft.com/office/drawing/2014/main" id="{1BC92AE4-80C9-4D59-88F9-9134345C82A7}"/>
+              </a:ext>
+            </a:extLst>
+          </p:cNvPr>
+          <p:cNvGrpSpPr/>
+          <p:nvPr/>
+        </p:nvGrpSpPr>
+        <p:grpSpPr>
+          <a:xfrm>
+            <a:off x="741274" y="1821146"/>
+            <a:ext cx="6721054" cy="1217540"/>
+            <a:chOff x="210632" y="1475960"/>
+            <a:chExt cx="7724736" cy="1217540"/>
+          </a:xfrm>
+        </p:grpSpPr>
+        <p:grpSp>
+          <p:nvGrpSpPr>
+            <p:cNvPr id="31" name="Group 30">
+              <a:extLst>
+                <a:ext uri="{FF2B5EF4-FFF2-40B4-BE49-F238E27FC236}">
+                  <a16:creationId xmlns:a16="http://schemas.microsoft.com/office/drawing/2014/main" id="{B05FEC6A-5AD9-4262-8798-24EAD342342A}"/>
+                </a:ext>
+              </a:extLst>
+            </p:cNvPr>
+            <p:cNvGrpSpPr/>
+            <p:nvPr/>
+          </p:nvGrpSpPr>
+          <p:grpSpPr>
+            <a:xfrm>
+              <a:off x="210632" y="1519390"/>
+              <a:ext cx="7724736" cy="1174110"/>
+              <a:chOff x="352872" y="2118830"/>
+              <a:chExt cx="7724736" cy="1174110"/>
+            </a:xfrm>
+          </p:grpSpPr>
+          <p:sp>
+            <p:nvSpPr>
+              <p:cNvPr id="39" name="TextBox 38">
+                <a:extLst>
+                  <a:ext uri="{FF2B5EF4-FFF2-40B4-BE49-F238E27FC236}">
+                    <a16:creationId xmlns:a16="http://schemas.microsoft.com/office/drawing/2014/main" id="{5186480E-821C-47C2-A030-671C1F472929}"/>
+                  </a:ext>
+                </a:extLst>
+              </p:cNvPr>
+              <p:cNvSpPr txBox="1"/>
+              <p:nvPr/>
+            </p:nvSpPr>
+            <p:spPr>
+              <a:xfrm>
+                <a:off x="352872" y="2585054"/>
+                <a:ext cx="7724736" cy="707886"/>
+              </a:xfrm>
+              <a:prstGeom prst="rect">
+                <a:avLst/>
+              </a:prstGeom>
+              <a:noFill/>
+            </p:spPr>
+            <p:txBody>
+              <a:bodyPr wrap="square" rtlCol="0">
+                <a:spAutoFit/>
+              </a:bodyPr>
+              <a:lstStyle/>
+              <a:p>
+                <a:r>
+                  <a:rPr lang="en-US" sz="2000" dirty="0">
+                    <a:solidFill>
+                      <a:schemeClr val="bg1"/>
+                    </a:solidFill>
+                  </a:rPr>
+                  <a:t>Allows a function to accept any number of positional arguments.</a:t>
+                </a:r>
+              </a:p>
+              <a:p>
+                <a:r>
+                  <a:rPr lang="en-US" sz="2000" dirty="0">
+                    <a:solidFill>
+                      <a:schemeClr val="bg1"/>
+                    </a:solidFill>
+                  </a:rPr>
+                  <a:t>Arguments are collected as a tuple.</a:t>
+                </a:r>
+              </a:p>
+            </p:txBody>
+          </p:sp>
+          <p:sp>
+            <p:nvSpPr>
+              <p:cNvPr id="40" name="TextBox 39">
+                <a:extLst>
+                  <a:ext uri="{FF2B5EF4-FFF2-40B4-BE49-F238E27FC236}">
+                    <a16:creationId xmlns:a16="http://schemas.microsoft.com/office/drawing/2014/main" id="{FCF96098-91DD-4988-AD0C-29117999E4DD}"/>
+                  </a:ext>
+                </a:extLst>
+              </p:cNvPr>
+              <p:cNvSpPr txBox="1"/>
+              <p:nvPr/>
+            </p:nvSpPr>
+            <p:spPr>
+              <a:xfrm>
+                <a:off x="2935439" y="2118830"/>
+                <a:ext cx="1815025" cy="461665"/>
+              </a:xfrm>
+              <a:prstGeom prst="rect">
+                <a:avLst/>
+              </a:prstGeom>
+              <a:noFill/>
+            </p:spPr>
+            <p:txBody>
+              <a:bodyPr wrap="square" rtlCol="0">
+                <a:spAutoFit/>
+              </a:bodyPr>
+              <a:lstStyle/>
+              <a:p>
+                <a:r>
+                  <a:rPr lang="en-US" sz="2400" b="1" u="sng" dirty="0">
+                    <a:solidFill>
+                      <a:schemeClr val="bg1"/>
+                    </a:solidFill>
+                  </a:rPr>
+                  <a:t>Definition</a:t>
+                </a:r>
+              </a:p>
+            </p:txBody>
+          </p:sp>
+        </p:grpSp>
+        <p:pic>
+          <p:nvPicPr>
+            <p:cNvPr id="38" name="Picture 37">
+              <a:extLst>
+                <a:ext uri="{FF2B5EF4-FFF2-40B4-BE49-F238E27FC236}">
+                  <a16:creationId xmlns:a16="http://schemas.microsoft.com/office/drawing/2014/main" id="{51F1364E-EA45-4D53-BBE2-E2244F77D255}"/>
+                </a:ext>
+              </a:extLst>
+            </p:cNvPr>
+            <p:cNvPicPr>
+              <a:picLocks noChangeAspect="1"/>
+            </p:cNvPicPr>
+            <p:nvPr/>
+          </p:nvPicPr>
+          <p:blipFill>
+            <a:blip r:embed="rId3">
+              <a:extLst>
+                <a:ext uri="{28A0092B-C50C-407E-A947-70E740481C1C}">
+                  <a14:useLocalDpi xmlns:a14="http://schemas.microsoft.com/office/drawing/2010/main" val="0"/>
+                </a:ext>
+              </a:extLst>
+            </a:blip>
+            <a:stretch>
+              <a:fillRect/>
+            </a:stretch>
+          </p:blipFill>
+          <p:spPr>
+            <a:xfrm>
+              <a:off x="2292190" y="1475960"/>
+              <a:ext cx="519866" cy="519866"/>
+            </a:xfrm>
+            <a:prstGeom prst="rect">
+              <a:avLst/>
+            </a:prstGeom>
+          </p:spPr>
+        </p:pic>
+      </p:grpSp>
+      <p:grpSp>
+        <p:nvGrpSpPr>
+          <p:cNvPr id="3" name="Group 2">
+            <a:extLst>
+              <a:ext uri="{FF2B5EF4-FFF2-40B4-BE49-F238E27FC236}">
+                <a16:creationId xmlns:a16="http://schemas.microsoft.com/office/drawing/2014/main" id="{6864FBB8-4438-426B-90FB-71B98BF31EFB}"/>
+              </a:ext>
+            </a:extLst>
+          </p:cNvPr>
+          <p:cNvGrpSpPr/>
+          <p:nvPr/>
+        </p:nvGrpSpPr>
+        <p:grpSpPr>
+          <a:xfrm>
+            <a:off x="296987" y="3588128"/>
+            <a:ext cx="6367439" cy="866334"/>
+            <a:chOff x="903179" y="3192393"/>
+            <a:chExt cx="6367439" cy="866334"/>
+          </a:xfrm>
+        </p:grpSpPr>
+        <p:grpSp>
+          <p:nvGrpSpPr>
+            <p:cNvPr id="42" name="Group 41">
+              <a:extLst>
+                <a:ext uri="{FF2B5EF4-FFF2-40B4-BE49-F238E27FC236}">
+                  <a16:creationId xmlns:a16="http://schemas.microsoft.com/office/drawing/2014/main" id="{3A8C4D56-AFBA-4386-B9F2-883D52973F2D}"/>
+                </a:ext>
+              </a:extLst>
+            </p:cNvPr>
+            <p:cNvGrpSpPr/>
+            <p:nvPr/>
+          </p:nvGrpSpPr>
+          <p:grpSpPr>
+            <a:xfrm>
+              <a:off x="903179" y="3192393"/>
+              <a:ext cx="6367439" cy="866334"/>
+              <a:chOff x="-358714" y="2118830"/>
+              <a:chExt cx="7318314" cy="866334"/>
+            </a:xfrm>
+          </p:grpSpPr>
+          <p:sp>
+            <p:nvSpPr>
+              <p:cNvPr id="45" name="TextBox 44">
+                <a:extLst>
+                  <a:ext uri="{FF2B5EF4-FFF2-40B4-BE49-F238E27FC236}">
+                    <a16:creationId xmlns:a16="http://schemas.microsoft.com/office/drawing/2014/main" id="{BC38B166-D7DB-4AF6-B4A1-EEDB8324121C}"/>
+                  </a:ext>
+                </a:extLst>
+              </p:cNvPr>
+              <p:cNvSpPr txBox="1"/>
+              <p:nvPr/>
+            </p:nvSpPr>
+            <p:spPr>
+              <a:xfrm>
+                <a:off x="-358714" y="2585054"/>
+                <a:ext cx="7318314" cy="400110"/>
+              </a:xfrm>
+              <a:prstGeom prst="rect">
+                <a:avLst/>
+              </a:prstGeom>
+              <a:noFill/>
+            </p:spPr>
+            <p:txBody>
+              <a:bodyPr wrap="square" rtlCol="0">
+                <a:spAutoFit/>
+              </a:bodyPr>
+              <a:lstStyle/>
+              <a:p>
+                <a:pPr algn="ctr"/>
+                <a:r>
+                  <a:rPr lang="en-US" sz="2000" dirty="0">
+                    <a:solidFill>
+                      <a:schemeClr val="bg1"/>
+                    </a:solidFill>
+                  </a:rPr>
+                  <a:t>Ideal when the number of arguments is unknown.</a:t>
+                </a:r>
+              </a:p>
+            </p:txBody>
+          </p:sp>
+          <p:sp>
+            <p:nvSpPr>
+              <p:cNvPr id="48" name="TextBox 47">
+                <a:extLst>
+                  <a:ext uri="{FF2B5EF4-FFF2-40B4-BE49-F238E27FC236}">
+                    <a16:creationId xmlns:a16="http://schemas.microsoft.com/office/drawing/2014/main" id="{5B7732F7-B4AE-47F5-B1F4-1752F6C43D92}"/>
+                  </a:ext>
+                </a:extLst>
+              </p:cNvPr>
+              <p:cNvSpPr txBox="1"/>
+              <p:nvPr/>
+            </p:nvSpPr>
+            <p:spPr>
+              <a:xfrm>
+                <a:off x="2768031" y="2118830"/>
+                <a:ext cx="2100414" cy="461665"/>
+              </a:xfrm>
+              <a:prstGeom prst="rect">
+                <a:avLst/>
+              </a:prstGeom>
+              <a:noFill/>
+            </p:spPr>
+            <p:txBody>
+              <a:bodyPr wrap="square" rtlCol="0">
+                <a:spAutoFit/>
+              </a:bodyPr>
+              <a:lstStyle/>
+              <a:p>
+                <a:r>
+                  <a:rPr lang="en-US" sz="2400" b="1" u="sng" dirty="0">
+                    <a:solidFill>
+                      <a:schemeClr val="bg1"/>
+                    </a:solidFill>
+                  </a:rPr>
+                  <a:t>Benefits</a:t>
+                </a:r>
+              </a:p>
+            </p:txBody>
+          </p:sp>
+        </p:grpSp>
+        <p:pic>
+          <p:nvPicPr>
+            <p:cNvPr id="5" name="Picture 4">
+              <a:extLst>
+                <a:ext uri="{FF2B5EF4-FFF2-40B4-BE49-F238E27FC236}">
+                  <a16:creationId xmlns:a16="http://schemas.microsoft.com/office/drawing/2014/main" id="{0B8092F1-B6D3-46B3-A8B9-766BEE5B6A8F}"/>
+                </a:ext>
+              </a:extLst>
+            </p:cNvPr>
+            <p:cNvPicPr>
+              <a:picLocks noChangeAspect="1"/>
+            </p:cNvPicPr>
+            <p:nvPr/>
+          </p:nvPicPr>
+          <p:blipFill>
+            <a:blip r:embed="rId4">
+              <a:extLst>
+                <a:ext uri="{28A0092B-C50C-407E-A947-70E740481C1C}">
+                  <a14:useLocalDpi xmlns:a14="http://schemas.microsoft.com/office/drawing/2010/main" val="0"/>
+                </a:ext>
+              </a:extLst>
+            </a:blip>
+            <a:stretch>
+              <a:fillRect/>
+            </a:stretch>
+          </p:blipFill>
+          <p:spPr>
+            <a:xfrm>
+              <a:off x="3087729" y="3192393"/>
+              <a:ext cx="543990" cy="543990"/>
+            </a:xfrm>
+            <a:prstGeom prst="rect">
+              <a:avLst/>
+            </a:prstGeom>
+          </p:spPr>
+        </p:pic>
+      </p:grpSp>
+      <p:grpSp>
+        <p:nvGrpSpPr>
+          <p:cNvPr id="26" name="Group 25">
+            <a:extLst>
+              <a:ext uri="{FF2B5EF4-FFF2-40B4-BE49-F238E27FC236}">
+                <a16:creationId xmlns:a16="http://schemas.microsoft.com/office/drawing/2014/main" id="{8F371EE4-E9BD-41C4-B074-47C7963C2B30}"/>
+              </a:ext>
+            </a:extLst>
+          </p:cNvPr>
+          <p:cNvGrpSpPr/>
+          <p:nvPr/>
+        </p:nvGrpSpPr>
+        <p:grpSpPr>
+          <a:xfrm>
+            <a:off x="7270618" y="4922489"/>
+            <a:ext cx="4911223" cy="1146053"/>
+            <a:chOff x="352872" y="2146887"/>
+            <a:chExt cx="7893310" cy="1146053"/>
+          </a:xfrm>
+        </p:grpSpPr>
+        <p:sp>
+          <p:nvSpPr>
+            <p:cNvPr id="30" name="TextBox 29">
+              <a:extLst>
+                <a:ext uri="{FF2B5EF4-FFF2-40B4-BE49-F238E27FC236}">
+                  <a16:creationId xmlns:a16="http://schemas.microsoft.com/office/drawing/2014/main" id="{9C31D6AF-4668-4ED6-94E3-A9F5A913D5C1}"/>
+                </a:ext>
+              </a:extLst>
+            </p:cNvPr>
+            <p:cNvSpPr txBox="1"/>
+            <p:nvPr/>
+          </p:nvSpPr>
+          <p:spPr>
+            <a:xfrm>
+              <a:off x="352872" y="2585054"/>
+              <a:ext cx="7893310" cy="707886"/>
+            </a:xfrm>
+            <a:prstGeom prst="rect">
+              <a:avLst/>
+            </a:prstGeom>
+            <a:noFill/>
+          </p:spPr>
+          <p:txBody>
+            <a:bodyPr wrap="square" rtlCol="0">
+              <a:spAutoFit/>
+            </a:bodyPr>
+            <a:lstStyle/>
+            <a:p>
+              <a:pPr marL="342900" indent="-342900">
+                <a:buFont typeface="Arial" panose="020B0604020202020204" pitchFamily="34" charset="0"/>
+                <a:buChar char="•"/>
+              </a:pPr>
+              <a:r>
+                <a:rPr lang="en-US" sz="2000" dirty="0">
+                  <a:solidFill>
+                    <a:schemeClr val="bg1"/>
+                  </a:solidFill>
+                </a:rPr>
+                <a:t>*</a:t>
+              </a:r>
+              <a:r>
+                <a:rPr lang="en-US" sz="2000" dirty="0" err="1">
+                  <a:solidFill>
+                    <a:schemeClr val="bg1"/>
+                  </a:solidFill>
+                </a:rPr>
+                <a:t>args</a:t>
+              </a:r>
+              <a:r>
+                <a:rPr lang="en-US" sz="2000" dirty="0">
+                  <a:solidFill>
+                    <a:schemeClr val="bg1"/>
+                  </a:solidFill>
+                </a:rPr>
+                <a:t> gathers all arguments into a tuple.</a:t>
+              </a:r>
+            </a:p>
+            <a:p>
+              <a:pPr marL="342900" indent="-342900">
+                <a:buFont typeface="Arial" panose="020B0604020202020204" pitchFamily="34" charset="0"/>
+                <a:buChar char="•"/>
+              </a:pPr>
+              <a:r>
+                <a:rPr lang="en-US" sz="2000" dirty="0">
+                  <a:solidFill>
+                    <a:schemeClr val="bg1"/>
+                  </a:solidFill>
+                </a:rPr>
+                <a:t>join() combines them into a single string.</a:t>
+              </a:r>
+            </a:p>
+          </p:txBody>
+        </p:sp>
+        <p:sp>
+          <p:nvSpPr>
+            <p:cNvPr id="32" name="TextBox 31">
+              <a:extLst>
+                <a:ext uri="{FF2B5EF4-FFF2-40B4-BE49-F238E27FC236}">
+                  <a16:creationId xmlns:a16="http://schemas.microsoft.com/office/drawing/2014/main" id="{F5781635-DFDA-4D5A-A338-39D50B7A8B7A}"/>
+                </a:ext>
+              </a:extLst>
+            </p:cNvPr>
+            <p:cNvSpPr txBox="1"/>
+            <p:nvPr/>
+          </p:nvSpPr>
+          <p:spPr>
+            <a:xfrm>
+              <a:off x="2891405" y="2146887"/>
+              <a:ext cx="3420522" cy="830997"/>
+            </a:xfrm>
+            <a:prstGeom prst="rect">
+              <a:avLst/>
+            </a:prstGeom>
+            <a:noFill/>
+          </p:spPr>
+          <p:txBody>
+            <a:bodyPr wrap="square" rtlCol="0">
+              <a:spAutoFit/>
+            </a:bodyPr>
+            <a:lstStyle/>
+            <a:p>
+              <a:r>
+                <a:rPr lang="en-US" sz="2400" b="1" u="sng" dirty="0">
+                  <a:solidFill>
+                    <a:schemeClr val="bg1"/>
+                  </a:solidFill>
+                </a:rPr>
+                <a:t>Explanation</a:t>
+              </a:r>
+            </a:p>
+            <a:p>
+              <a:endParaRPr lang="en-US" sz="2400" b="1" u="sng" dirty="0">
+                <a:solidFill>
+                  <a:schemeClr val="bg1"/>
+                </a:solidFill>
+              </a:endParaRPr>
+            </a:p>
+          </p:txBody>
+        </p:sp>
+      </p:grpSp>
+    </p:spTree>
+    <p:extLst>
+      <p:ext uri="{BB962C8B-B14F-4D97-AF65-F5344CB8AC3E}">
+        <p14:creationId xmlns:p14="http://schemas.microsoft.com/office/powerpoint/2010/main" val="1358958520"/>
+      </p:ext>
+    </p:extLst>
+  </p:cSld>
+  <p:clrMapOvr>
+    <a:masterClrMapping/>
+  </p:clrMapOvr>
+</p:sld>
+</file>
+
+<file path=ppt/slides/slide14.xml><?xml version="1.0" encoding="utf-8"?>
+<p:sld xmlns:a="http://schemas.openxmlformats.org/drawingml/2006/main" xmlns:r="http://schemas.openxmlformats.org/officeDocument/2006/relationships" xmlns:p="http://schemas.openxmlformats.org/presentationml/2006/main">
+  <p:cSld>
+    <p:bg>
+      <p:bgPr>
+        <a:solidFill>
+          <a:schemeClr val="tx1"/>
+        </a:solidFill>
+        <a:effectLst/>
+      </p:bgPr>
+    </p:bg>
+    <p:spTree>
+      <p:nvGrpSpPr>
+        <p:cNvPr id="1" name=""/>
+        <p:cNvGrpSpPr/>
+        <p:nvPr/>
+      </p:nvGrpSpPr>
+      <p:grpSpPr>
+        <a:xfrm>
+          <a:off x="0" y="0"/>
+          <a:ext cx="0" cy="0"/>
+          <a:chOff x="0" y="0"/>
+          <a:chExt cx="0" cy="0"/>
+        </a:xfrm>
+      </p:grpSpPr>
+      <p:sp>
+        <p:nvSpPr>
+          <p:cNvPr id="2" name="Title 1">
+            <a:extLst>
+              <a:ext uri="{FF2B5EF4-FFF2-40B4-BE49-F238E27FC236}">
+                <a16:creationId xmlns:a16="http://schemas.microsoft.com/office/drawing/2014/main" id="{0D1F047C-C727-42A7-85C5-68C5AA1B1A93}"/>
+              </a:ext>
+            </a:extLst>
+          </p:cNvPr>
+          <p:cNvSpPr>
+            <a:spLocks noGrp="1"/>
+          </p:cNvSpPr>
+          <p:nvPr>
+            <p:ph type="ctrTitle"/>
+          </p:nvPr>
+        </p:nvSpPr>
+        <p:spPr>
+          <a:xfrm>
+            <a:off x="1375983" y="99849"/>
+            <a:ext cx="9440034" cy="1191998"/>
+          </a:xfrm>
+        </p:spPr>
+        <p:txBody>
+          <a:bodyPr>
+            <a:normAutofit/>
+          </a:bodyPr>
+          <a:lstStyle/>
+          <a:p>
+            <a:r>
+              <a:rPr lang="en-US" b="1" dirty="0">
+                <a:solidFill>
+                  <a:schemeClr val="accent3"/>
+                </a:solidFill>
+                <a:effectLst/>
+              </a:rPr>
+              <a:t>Keyword Arguments (**</a:t>
+            </a:r>
+            <a:r>
+              <a:rPr lang="en-US" b="1" dirty="0" err="1">
+                <a:solidFill>
+                  <a:schemeClr val="accent3"/>
+                </a:solidFill>
+                <a:effectLst/>
+              </a:rPr>
+              <a:t>kwargs</a:t>
+            </a:r>
+            <a:r>
+              <a:rPr lang="en-US" b="1" dirty="0">
+                <a:solidFill>
+                  <a:schemeClr val="accent3"/>
+                </a:solidFill>
+                <a:effectLst/>
+              </a:rPr>
+              <a:t>)</a:t>
+            </a:r>
           </a:p>
         </p:txBody>
       </p:sp>
       <p:sp>
         <p:nvSpPr>
-          <p:cNvPr id="13" name="Rectangle: Rounded Corners 12">
+          <p:cNvPr id="45" name="TextBox 44">
             <a:extLst>
               <a:ext uri="{FF2B5EF4-FFF2-40B4-BE49-F238E27FC236}">
-                <a16:creationId xmlns:a16="http://schemas.microsoft.com/office/drawing/2014/main" id="{8632F3FE-74FC-4251-9C8C-0D58948AEC51}"/>
+                <a16:creationId xmlns:a16="http://schemas.microsoft.com/office/drawing/2014/main" id="{BC38B166-D7DB-4AF6-B4A1-EEDB8324121C}"/>
               </a:ext>
             </a:extLst>
           </p:cNvPr>
-          <p:cNvSpPr/>
+          <p:cNvSpPr txBox="1"/>
           <p:nvPr/>
         </p:nvSpPr>
         <p:spPr>
-          <a:xfrm rot="2700000">
-            <a:off x="2631201" y="2321567"/>
-            <a:ext cx="1597667" cy="1597667"/>
+          <a:xfrm>
+            <a:off x="576120" y="2254428"/>
+            <a:ext cx="6739080" cy="3046988"/>
           </a:xfrm>
-          <a:prstGeom prst="roundRect">
-            <a:avLst>
-              <a:gd name="adj" fmla="val 19126"/>
-            </a:avLst>
+          <a:prstGeom prst="rect">
+            <a:avLst/>
           </a:prstGeom>
-          <a:solidFill>
-            <a:schemeClr val="accent2">
-              <a:alpha val="16000"/>
-            </a:schemeClr>
-          </a:solidFill>
-          <a:ln>
-            <a:noFill/>
-          </a:ln>
+          <a:noFill/>
         </p:spPr>
-        <p:style>
-          <a:lnRef idx="2">
-            <a:schemeClr val="accent1">
-              <a:shade val="50000"/>
-            </a:schemeClr>
-          </a:lnRef>
-          <a:fillRef idx="1">
-            <a:schemeClr val="accent1"/>
-          </a:fillRef>
-          <a:effectRef idx="0">
-            <a:schemeClr val="accent1"/>
-          </a:effectRef>
-          <a:fontRef idx="minor">
-            <a:schemeClr val="lt1"/>
-          </a:fontRef>
-        </p:style>
         <p:txBody>
-          <a:bodyPr rtlCol="0" anchor="ctr"/>
+          <a:bodyPr wrap="square" rtlCol="0">
+            <a:spAutoFit/>
+          </a:bodyPr>
           <a:lstStyle/>
           <a:p>
-            <a:pPr algn="ctr"/>
-            <a:endParaRPr lang="en-IN" sz="1400"/>
+            <a:r>
+              <a:rPr lang="en-US" sz="2400" b="1" dirty="0">
+                <a:solidFill>
+                  <a:schemeClr val="bg1"/>
+                </a:solidFill>
+              </a:rPr>
+              <a:t>Purpose: </a:t>
+            </a:r>
+            <a:r>
+              <a:rPr lang="en-US" sz="2400" dirty="0">
+                <a:solidFill>
+                  <a:schemeClr val="bg1"/>
+                </a:solidFill>
+              </a:rPr>
+              <a:t>To handle a variable number of keyword (named) arguments.</a:t>
+            </a:r>
+          </a:p>
+          <a:p>
+            <a:endParaRPr lang="en-US" sz="2400" dirty="0">
+              <a:solidFill>
+                <a:schemeClr val="bg1"/>
+              </a:solidFill>
+            </a:endParaRPr>
+          </a:p>
+          <a:p>
+            <a:r>
+              <a:rPr lang="en-US" sz="2400" b="1" dirty="0">
+                <a:solidFill>
+                  <a:schemeClr val="bg1"/>
+                </a:solidFill>
+              </a:rPr>
+              <a:t>Syntax: </a:t>
+            </a:r>
+            <a:r>
+              <a:rPr lang="en-US" sz="2400" dirty="0">
+                <a:solidFill>
+                  <a:schemeClr val="bg1"/>
+                </a:solidFill>
+              </a:rPr>
+              <a:t>A double asterisk (**) is used before a parameter name, typically **</a:t>
+            </a:r>
+            <a:r>
+              <a:rPr lang="en-US" sz="2400" dirty="0" err="1">
+                <a:solidFill>
+                  <a:schemeClr val="bg1"/>
+                </a:solidFill>
+              </a:rPr>
+              <a:t>kwargs</a:t>
+            </a:r>
+            <a:r>
+              <a:rPr lang="en-US" sz="2400" dirty="0">
+                <a:solidFill>
+                  <a:schemeClr val="bg1"/>
+                </a:solidFill>
+              </a:rPr>
+              <a:t>.</a:t>
+            </a:r>
+          </a:p>
+          <a:p>
+            <a:endParaRPr lang="en-US" sz="2400" dirty="0">
+              <a:solidFill>
+                <a:schemeClr val="bg1"/>
+              </a:solidFill>
+            </a:endParaRPr>
+          </a:p>
+          <a:p>
+            <a:r>
+              <a:rPr lang="en-US" sz="2400" b="1" dirty="0">
+                <a:solidFill>
+                  <a:schemeClr val="bg1"/>
+                </a:solidFill>
+              </a:rPr>
+              <a:t>Behavior: </a:t>
+            </a:r>
+            <a:r>
+              <a:rPr lang="en-US" sz="2400" dirty="0">
+                <a:solidFill>
+                  <a:schemeClr val="bg1"/>
+                </a:solidFill>
+              </a:rPr>
+              <a:t>All extra keyword arguments are collected into a dictionary.</a:t>
+            </a:r>
+          </a:p>
+        </p:txBody>
+      </p:sp>
+      <p:sp>
+        <p:nvSpPr>
+          <p:cNvPr id="6" name="TextBox 5">
+            <a:extLst>
+              <a:ext uri="{FF2B5EF4-FFF2-40B4-BE49-F238E27FC236}">
+                <a16:creationId xmlns:a16="http://schemas.microsoft.com/office/drawing/2014/main" id="{125DED1F-576E-48C3-A40D-AD2B8335A1F6}"/>
+              </a:ext>
+            </a:extLst>
+          </p:cNvPr>
+          <p:cNvSpPr txBox="1"/>
+          <p:nvPr/>
+        </p:nvSpPr>
+        <p:spPr>
+          <a:xfrm>
+            <a:off x="7440328" y="2535981"/>
+            <a:ext cx="4456497" cy="3631763"/>
+          </a:xfrm>
+          <a:prstGeom prst="rect">
+            <a:avLst/>
+          </a:prstGeom>
+          <a:noFill/>
+        </p:spPr>
+        <p:txBody>
+          <a:bodyPr wrap="square" rtlCol="0">
+            <a:spAutoFit/>
+          </a:bodyPr>
+          <a:lstStyle/>
+          <a:p>
+            <a:r>
+              <a:rPr lang="en-US" sz="2000" dirty="0">
+                <a:solidFill>
+                  <a:schemeClr val="bg1"/>
+                </a:solidFill>
+                <a:highlight>
+                  <a:srgbClr val="C0C0C0"/>
+                </a:highlight>
+              </a:rPr>
+              <a:t>def </a:t>
+            </a:r>
+            <a:r>
+              <a:rPr lang="en-US" sz="2000" dirty="0" err="1">
+                <a:solidFill>
+                  <a:schemeClr val="bg1"/>
+                </a:solidFill>
+                <a:highlight>
+                  <a:srgbClr val="C0C0C0"/>
+                </a:highlight>
+              </a:rPr>
+              <a:t>create_profile</a:t>
+            </a:r>
+            <a:r>
+              <a:rPr lang="en-US" sz="2000" dirty="0">
+                <a:solidFill>
+                  <a:schemeClr val="bg1"/>
+                </a:solidFill>
+                <a:highlight>
+                  <a:srgbClr val="C0C0C0"/>
+                </a:highlight>
+              </a:rPr>
+              <a:t>(**</a:t>
+            </a:r>
+            <a:r>
+              <a:rPr lang="en-US" sz="2000" dirty="0" err="1">
+                <a:solidFill>
+                  <a:schemeClr val="bg1"/>
+                </a:solidFill>
+                <a:highlight>
+                  <a:srgbClr val="C0C0C0"/>
+                </a:highlight>
+              </a:rPr>
+              <a:t>profile_data</a:t>
+            </a:r>
+            <a:r>
+              <a:rPr lang="en-US" sz="2000" dirty="0">
+                <a:solidFill>
+                  <a:schemeClr val="bg1"/>
+                </a:solidFill>
+                <a:highlight>
+                  <a:srgbClr val="C0C0C0"/>
+                </a:highlight>
+              </a:rPr>
+              <a:t>):</a:t>
+            </a:r>
+          </a:p>
+          <a:p>
+            <a:r>
+              <a:rPr lang="en-US" sz="2000" dirty="0">
+                <a:solidFill>
+                  <a:schemeClr val="bg1"/>
+                </a:solidFill>
+                <a:highlight>
+                  <a:srgbClr val="C0C0C0"/>
+                </a:highlight>
+              </a:rPr>
+              <a:t>         print("Creating profile...")</a:t>
+            </a:r>
+          </a:p>
+          <a:p>
+            <a:r>
+              <a:rPr lang="en-US" sz="2000" dirty="0">
+                <a:solidFill>
+                  <a:schemeClr val="bg1"/>
+                </a:solidFill>
+                <a:highlight>
+                  <a:srgbClr val="C0C0C0"/>
+                </a:highlight>
+              </a:rPr>
+              <a:t>         for key, value in </a:t>
+            </a:r>
+            <a:r>
+              <a:rPr lang="en-US" sz="2000" dirty="0" err="1">
+                <a:solidFill>
+                  <a:schemeClr val="bg1"/>
+                </a:solidFill>
+                <a:highlight>
+                  <a:srgbClr val="C0C0C0"/>
+                </a:highlight>
+              </a:rPr>
+              <a:t>profile_data.items</a:t>
+            </a:r>
+            <a:r>
+              <a:rPr lang="en-US" sz="2000" dirty="0">
+                <a:solidFill>
+                  <a:schemeClr val="bg1"/>
+                </a:solidFill>
+                <a:highlight>
+                  <a:srgbClr val="C0C0C0"/>
+                </a:highlight>
+              </a:rPr>
+              <a:t>():</a:t>
+            </a:r>
+          </a:p>
+          <a:p>
+            <a:r>
+              <a:rPr lang="en-US" sz="2000" dirty="0">
+                <a:solidFill>
+                  <a:schemeClr val="bg1"/>
+                </a:solidFill>
+                <a:highlight>
+                  <a:srgbClr val="C0C0C0"/>
+                </a:highlight>
+              </a:rPr>
+              <a:t>       	 print(f"{</a:t>
+            </a:r>
+            <a:r>
+              <a:rPr lang="en-US" sz="2000" dirty="0" err="1">
+                <a:solidFill>
+                  <a:schemeClr val="bg1"/>
+                </a:solidFill>
+                <a:highlight>
+                  <a:srgbClr val="C0C0C0"/>
+                </a:highlight>
+              </a:rPr>
+              <a:t>key.capitalize</a:t>
+            </a:r>
+            <a:r>
+              <a:rPr lang="en-US" sz="2000" dirty="0">
+                <a:solidFill>
+                  <a:schemeClr val="bg1"/>
+                </a:solidFill>
+                <a:highlight>
+                  <a:srgbClr val="C0C0C0"/>
+                </a:highlight>
+              </a:rPr>
+              <a:t>()}: {value}")</a:t>
+            </a:r>
+          </a:p>
+          <a:p>
+            <a:endParaRPr lang="en-US" sz="2000" dirty="0">
+              <a:solidFill>
+                <a:schemeClr val="bg1"/>
+              </a:solidFill>
+            </a:endParaRPr>
+          </a:p>
+          <a:p>
+            <a:r>
+              <a:rPr lang="en-US" sz="2000" dirty="0" err="1">
+                <a:solidFill>
+                  <a:schemeClr val="bg1"/>
+                </a:solidFill>
+                <a:highlight>
+                  <a:srgbClr val="C0C0C0"/>
+                </a:highlight>
+              </a:rPr>
+              <a:t>create_profile</a:t>
+            </a:r>
+            <a:r>
+              <a:rPr lang="en-US" sz="2000" dirty="0">
+                <a:solidFill>
+                  <a:schemeClr val="bg1"/>
+                </a:solidFill>
+                <a:highlight>
+                  <a:srgbClr val="C0C0C0"/>
+                </a:highlight>
+              </a:rPr>
+              <a:t>(name="John Doe", age=30, city="New York")</a:t>
+            </a:r>
+          </a:p>
+          <a:p>
+            <a:r>
+              <a:rPr lang="en-US" dirty="0">
+                <a:solidFill>
+                  <a:schemeClr val="bg1"/>
+                </a:solidFill>
+              </a:rPr>
+              <a:t># Output:</a:t>
+            </a:r>
+          </a:p>
+          <a:p>
+            <a:r>
+              <a:rPr lang="en-US" dirty="0">
+                <a:solidFill>
+                  <a:schemeClr val="bg1"/>
+                </a:solidFill>
+              </a:rPr>
+              <a:t># Creating profile...</a:t>
+            </a:r>
+          </a:p>
+          <a:p>
+            <a:r>
+              <a:rPr lang="en-US" dirty="0">
+                <a:solidFill>
+                  <a:schemeClr val="bg1"/>
+                </a:solidFill>
+              </a:rPr>
+              <a:t># Name: John Doe</a:t>
+            </a:r>
+          </a:p>
+          <a:p>
+            <a:r>
+              <a:rPr lang="en-US" dirty="0">
+                <a:solidFill>
+                  <a:schemeClr val="bg1"/>
+                </a:solidFill>
+              </a:rPr>
+              <a:t># Age: 30</a:t>
+            </a:r>
+          </a:p>
+          <a:p>
+            <a:r>
+              <a:rPr lang="en-US" dirty="0">
+                <a:solidFill>
+                  <a:schemeClr val="bg1"/>
+                </a:solidFill>
+              </a:rPr>
+              <a:t># City: New York</a:t>
+            </a:r>
           </a:p>
         </p:txBody>
       </p:sp>
     </p:spTree>
     <p:extLst>
       <p:ext uri="{BB962C8B-B14F-4D97-AF65-F5344CB8AC3E}">
-        <p14:creationId xmlns:p14="http://schemas.microsoft.com/office/powerpoint/2010/main" val="389667142"/>
+        <p14:creationId xmlns:p14="http://schemas.microsoft.com/office/powerpoint/2010/main" val="2969412651"/>
+      </p:ext>
+    </p:extLst>
+  </p:cSld>
+  <p:clrMapOvr>
+    <a:masterClrMapping/>
+  </p:clrMapOvr>
+</p:sld>
+</file>
+
+<file path=ppt/slides/slide15.xml><?xml version="1.0" encoding="utf-8"?>
+<p:sld xmlns:a="http://schemas.openxmlformats.org/drawingml/2006/main" xmlns:r="http://schemas.openxmlformats.org/officeDocument/2006/relationships" xmlns:p="http://schemas.openxmlformats.org/presentationml/2006/main">
+  <p:cSld>
+    <p:bg>
+      <p:bgPr>
+        <a:solidFill>
+          <a:schemeClr val="tx1"/>
+        </a:solidFill>
+        <a:effectLst/>
+      </p:bgPr>
+    </p:bg>
+    <p:spTree>
+      <p:nvGrpSpPr>
+        <p:cNvPr id="1" name=""/>
+        <p:cNvGrpSpPr/>
+        <p:nvPr/>
+      </p:nvGrpSpPr>
+      <p:grpSpPr>
+        <a:xfrm>
+          <a:off x="0" y="0"/>
+          <a:ext cx="0" cy="0"/>
+          <a:chOff x="0" y="0"/>
+          <a:chExt cx="0" cy="0"/>
+        </a:xfrm>
+      </p:grpSpPr>
+      <p:sp>
+        <p:nvSpPr>
+          <p:cNvPr id="2" name="Title 1">
+            <a:extLst>
+              <a:ext uri="{FF2B5EF4-FFF2-40B4-BE49-F238E27FC236}">
+                <a16:creationId xmlns:a16="http://schemas.microsoft.com/office/drawing/2014/main" id="{0D1F047C-C727-42A7-85C5-68C5AA1B1A93}"/>
+              </a:ext>
+            </a:extLst>
+          </p:cNvPr>
+          <p:cNvSpPr>
+            <a:spLocks noGrp="1"/>
+          </p:cNvSpPr>
+          <p:nvPr>
+            <p:ph type="ctrTitle"/>
+          </p:nvPr>
+        </p:nvSpPr>
+        <p:spPr>
+          <a:xfrm>
+            <a:off x="1375983" y="99849"/>
+            <a:ext cx="9440034" cy="1191998"/>
+          </a:xfrm>
+        </p:spPr>
+        <p:txBody>
+          <a:bodyPr>
+            <a:normAutofit/>
+          </a:bodyPr>
+          <a:lstStyle/>
+          <a:p>
+            <a:r>
+              <a:rPr lang="en-US" sz="4900" b="1" dirty="0">
+                <a:solidFill>
+                  <a:schemeClr val="accent3"/>
+                </a:solidFill>
+                <a:effectLst/>
+              </a:rPr>
+              <a:t>Return Values from Functions</a:t>
+            </a:r>
+          </a:p>
+        </p:txBody>
+      </p:sp>
+      <p:sp>
+        <p:nvSpPr>
+          <p:cNvPr id="52" name="TextBox 51">
+            <a:extLst>
+              <a:ext uri="{FF2B5EF4-FFF2-40B4-BE49-F238E27FC236}">
+                <a16:creationId xmlns:a16="http://schemas.microsoft.com/office/drawing/2014/main" id="{A5621993-6CE4-4394-A423-BEDD3B16CD16}"/>
+              </a:ext>
+            </a:extLst>
+          </p:cNvPr>
+          <p:cNvSpPr txBox="1"/>
+          <p:nvPr/>
+        </p:nvSpPr>
+        <p:spPr>
+          <a:xfrm>
+            <a:off x="413457" y="2143411"/>
+            <a:ext cx="5910341" cy="2246769"/>
+          </a:xfrm>
+          <a:prstGeom prst="rect">
+            <a:avLst/>
+          </a:prstGeom>
+          <a:noFill/>
+        </p:spPr>
+        <p:txBody>
+          <a:bodyPr wrap="square" rtlCol="0">
+            <a:spAutoFit/>
+          </a:bodyPr>
+          <a:lstStyle/>
+          <a:p>
+            <a:pPr marL="457200" indent="-457200">
+              <a:buFont typeface="Arial" panose="020B0604020202020204" pitchFamily="34" charset="0"/>
+              <a:buChar char="•"/>
+            </a:pPr>
+            <a:r>
+              <a:rPr lang="en-US" sz="2800" dirty="0">
+                <a:solidFill>
+                  <a:schemeClr val="bg1"/>
+                </a:solidFill>
+              </a:rPr>
+              <a:t>The return statement sends back a value from the function to the caller.</a:t>
+            </a:r>
+          </a:p>
+          <a:p>
+            <a:endParaRPr lang="en-US" sz="2800" dirty="0">
+              <a:solidFill>
+                <a:schemeClr val="bg1"/>
+              </a:solidFill>
+            </a:endParaRPr>
+          </a:p>
+          <a:p>
+            <a:pPr marL="457200" indent="-457200">
+              <a:buFont typeface="Arial" panose="020B0604020202020204" pitchFamily="34" charset="0"/>
+              <a:buChar char="•"/>
+            </a:pPr>
+            <a:r>
+              <a:rPr lang="en-US" sz="2800" dirty="0">
+                <a:solidFill>
+                  <a:schemeClr val="bg1"/>
+                </a:solidFill>
+              </a:rPr>
+              <a:t>The function execution stops when a return is encountered.</a:t>
+            </a:r>
+          </a:p>
+        </p:txBody>
+      </p:sp>
+      <p:sp>
+        <p:nvSpPr>
+          <p:cNvPr id="4" name="TextBox 3">
+            <a:extLst>
+              <a:ext uri="{FF2B5EF4-FFF2-40B4-BE49-F238E27FC236}">
+                <a16:creationId xmlns:a16="http://schemas.microsoft.com/office/drawing/2014/main" id="{91D2E028-45CB-47ED-A97D-17E428DA5266}"/>
+              </a:ext>
+            </a:extLst>
+          </p:cNvPr>
+          <p:cNvSpPr txBox="1"/>
+          <p:nvPr/>
+        </p:nvSpPr>
+        <p:spPr>
+          <a:xfrm>
+            <a:off x="7714649" y="3122938"/>
+            <a:ext cx="3813638" cy="1815882"/>
+          </a:xfrm>
+          <a:prstGeom prst="rect">
+            <a:avLst/>
+          </a:prstGeom>
+          <a:noFill/>
+        </p:spPr>
+        <p:txBody>
+          <a:bodyPr wrap="square" rtlCol="0">
+            <a:spAutoFit/>
+          </a:bodyPr>
+          <a:lstStyle/>
+          <a:p>
+            <a:r>
+              <a:rPr lang="en-US" sz="2800" dirty="0">
+                <a:solidFill>
+                  <a:schemeClr val="bg1"/>
+                </a:solidFill>
+                <a:highlight>
+                  <a:srgbClr val="C0C0C0"/>
+                </a:highlight>
+              </a:rPr>
+              <a:t>def add(a, b):</a:t>
+            </a:r>
+          </a:p>
+          <a:p>
+            <a:r>
+              <a:rPr lang="en-US" sz="2800" dirty="0">
+                <a:solidFill>
+                  <a:schemeClr val="bg1"/>
+                </a:solidFill>
+                <a:highlight>
+                  <a:srgbClr val="C0C0C0"/>
+                </a:highlight>
+              </a:rPr>
+              <a:t>    return a + b</a:t>
+            </a:r>
+          </a:p>
+          <a:p>
+            <a:r>
+              <a:rPr lang="en-US" sz="2800" dirty="0">
+                <a:solidFill>
+                  <a:schemeClr val="bg1"/>
+                </a:solidFill>
+                <a:highlight>
+                  <a:srgbClr val="C0C0C0"/>
+                </a:highlight>
+              </a:rPr>
+              <a:t>result = add(5, 3)</a:t>
+            </a:r>
+          </a:p>
+          <a:p>
+            <a:r>
+              <a:rPr lang="en-US" sz="2800" dirty="0">
+                <a:solidFill>
+                  <a:schemeClr val="bg1"/>
+                </a:solidFill>
+                <a:highlight>
+                  <a:srgbClr val="C0C0C0"/>
+                </a:highlight>
+              </a:rPr>
+              <a:t>print(result)  # Output: 8</a:t>
+            </a:r>
+          </a:p>
+        </p:txBody>
+      </p:sp>
+    </p:spTree>
+    <p:extLst>
+      <p:ext uri="{BB962C8B-B14F-4D97-AF65-F5344CB8AC3E}">
+        <p14:creationId xmlns:p14="http://schemas.microsoft.com/office/powerpoint/2010/main" val="2573593103"/>
+      </p:ext>
+    </p:extLst>
+  </p:cSld>
+  <p:clrMapOvr>
+    <a:masterClrMapping/>
+  </p:clrMapOvr>
+</p:sld>
+</file>
+
+<file path=ppt/slides/slide16.xml><?xml version="1.0" encoding="utf-8"?>
+<p:sld xmlns:a="http://schemas.openxmlformats.org/drawingml/2006/main" xmlns:r="http://schemas.openxmlformats.org/officeDocument/2006/relationships" xmlns:p="http://schemas.openxmlformats.org/presentationml/2006/main">
+  <p:cSld>
+    <p:bg>
+      <p:bgPr>
+        <a:solidFill>
+          <a:schemeClr val="tx1"/>
+        </a:solidFill>
+        <a:effectLst/>
+      </p:bgPr>
+    </p:bg>
+    <p:spTree>
+      <p:nvGrpSpPr>
+        <p:cNvPr id="1" name=""/>
+        <p:cNvGrpSpPr/>
+        <p:nvPr/>
+      </p:nvGrpSpPr>
+      <p:grpSpPr>
+        <a:xfrm>
+          <a:off x="0" y="0"/>
+          <a:ext cx="0" cy="0"/>
+          <a:chOff x="0" y="0"/>
+          <a:chExt cx="0" cy="0"/>
+        </a:xfrm>
+      </p:grpSpPr>
+      <p:sp>
+        <p:nvSpPr>
+          <p:cNvPr id="2" name="Title 1">
+            <a:extLst>
+              <a:ext uri="{FF2B5EF4-FFF2-40B4-BE49-F238E27FC236}">
+                <a16:creationId xmlns:a16="http://schemas.microsoft.com/office/drawing/2014/main" id="{0D1F047C-C727-42A7-85C5-68C5AA1B1A93}"/>
+              </a:ext>
+            </a:extLst>
+          </p:cNvPr>
+          <p:cNvSpPr>
+            <a:spLocks noGrp="1"/>
+          </p:cNvSpPr>
+          <p:nvPr>
+            <p:ph type="ctrTitle"/>
+          </p:nvPr>
+        </p:nvSpPr>
+        <p:spPr>
+          <a:xfrm>
+            <a:off x="1375983" y="99849"/>
+            <a:ext cx="9440034" cy="1191998"/>
+          </a:xfrm>
+        </p:spPr>
+        <p:txBody>
+          <a:bodyPr>
+            <a:normAutofit fontScale="90000"/>
+          </a:bodyPr>
+          <a:lstStyle/>
+          <a:p>
+            <a:r>
+              <a:rPr lang="en-US" sz="4900" b="1" dirty="0">
+                <a:solidFill>
+                  <a:schemeClr val="accent3"/>
+                </a:solidFill>
+                <a:effectLst/>
+              </a:rPr>
+              <a:t>How Functions Work (Behind the Scenes)</a:t>
+            </a:r>
+          </a:p>
+        </p:txBody>
+      </p:sp>
+      <p:sp>
+        <p:nvSpPr>
+          <p:cNvPr id="52" name="TextBox 51">
+            <a:extLst>
+              <a:ext uri="{FF2B5EF4-FFF2-40B4-BE49-F238E27FC236}">
+                <a16:creationId xmlns:a16="http://schemas.microsoft.com/office/drawing/2014/main" id="{A5621993-6CE4-4394-A423-BEDD3B16CD16}"/>
+              </a:ext>
+            </a:extLst>
+          </p:cNvPr>
+          <p:cNvSpPr txBox="1"/>
+          <p:nvPr/>
+        </p:nvSpPr>
+        <p:spPr>
+          <a:xfrm>
+            <a:off x="480833" y="1948655"/>
+            <a:ext cx="7739142" cy="4401205"/>
+          </a:xfrm>
+          <a:prstGeom prst="rect">
+            <a:avLst/>
+          </a:prstGeom>
+          <a:noFill/>
+        </p:spPr>
+        <p:txBody>
+          <a:bodyPr wrap="square" rtlCol="0">
+            <a:spAutoFit/>
+          </a:bodyPr>
+          <a:lstStyle/>
+          <a:p>
+            <a:r>
+              <a:rPr lang="en-US" sz="2800" b="1" dirty="0">
+                <a:solidFill>
+                  <a:schemeClr val="bg1"/>
+                </a:solidFill>
+              </a:rPr>
+              <a:t>Step 1: </a:t>
+            </a:r>
+            <a:r>
+              <a:rPr lang="en-US" sz="2800" dirty="0">
+                <a:solidFill>
+                  <a:schemeClr val="bg1"/>
+                </a:solidFill>
+              </a:rPr>
+              <a:t>The function definition is loaded into memory.</a:t>
+            </a:r>
+          </a:p>
+          <a:p>
+            <a:endParaRPr lang="en-US" sz="2800" dirty="0">
+              <a:solidFill>
+                <a:schemeClr val="bg1"/>
+              </a:solidFill>
+            </a:endParaRPr>
+          </a:p>
+          <a:p>
+            <a:r>
+              <a:rPr lang="en-US" sz="2800" b="1" dirty="0">
+                <a:solidFill>
+                  <a:schemeClr val="bg1"/>
+                </a:solidFill>
+              </a:rPr>
+              <a:t>Step 2: </a:t>
+            </a:r>
+            <a:r>
+              <a:rPr lang="en-US" sz="2800" dirty="0">
+                <a:solidFill>
+                  <a:schemeClr val="bg1"/>
+                </a:solidFill>
+              </a:rPr>
+              <a:t>A function call is made, and arguments are passed into the function.</a:t>
+            </a:r>
+          </a:p>
+          <a:p>
+            <a:endParaRPr lang="en-US" sz="2800" dirty="0">
+              <a:solidFill>
+                <a:schemeClr val="bg1"/>
+              </a:solidFill>
+            </a:endParaRPr>
+          </a:p>
+          <a:p>
+            <a:r>
+              <a:rPr lang="en-US" sz="2800" b="1" dirty="0">
+                <a:solidFill>
+                  <a:schemeClr val="bg1"/>
+                </a:solidFill>
+              </a:rPr>
+              <a:t>Step 3: </a:t>
+            </a:r>
+            <a:r>
+              <a:rPr lang="en-US" sz="2800" dirty="0">
+                <a:solidFill>
+                  <a:schemeClr val="bg1"/>
+                </a:solidFill>
+              </a:rPr>
+              <a:t>The function code block is executed.</a:t>
+            </a:r>
+          </a:p>
+          <a:p>
+            <a:endParaRPr lang="en-US" sz="2800" dirty="0">
+              <a:solidFill>
+                <a:schemeClr val="bg1"/>
+              </a:solidFill>
+            </a:endParaRPr>
+          </a:p>
+          <a:p>
+            <a:r>
+              <a:rPr lang="en-US" sz="2800" b="1" dirty="0">
+                <a:solidFill>
+                  <a:schemeClr val="bg1"/>
+                </a:solidFill>
+              </a:rPr>
+              <a:t>Step 4: </a:t>
+            </a:r>
+            <a:r>
+              <a:rPr lang="en-US" sz="2800" dirty="0">
+                <a:solidFill>
+                  <a:schemeClr val="bg1"/>
+                </a:solidFill>
+              </a:rPr>
+              <a:t>The return value (if any) is sent back to the calling location.</a:t>
+            </a:r>
+          </a:p>
+        </p:txBody>
+      </p:sp>
+      <p:pic>
+        <p:nvPicPr>
+          <p:cNvPr id="6" name="Picture 5">
+            <a:extLst>
+              <a:ext uri="{FF2B5EF4-FFF2-40B4-BE49-F238E27FC236}">
+                <a16:creationId xmlns:a16="http://schemas.microsoft.com/office/drawing/2014/main" id="{8670A7AE-F58F-4276-96DC-71D235FBA18E}"/>
+              </a:ext>
+            </a:extLst>
+          </p:cNvPr>
+          <p:cNvPicPr>
+            <a:picLocks noChangeAspect="1"/>
+          </p:cNvPicPr>
+          <p:nvPr/>
+        </p:nvPicPr>
+        <p:blipFill>
+          <a:blip r:embed="rId2">
+            <a:extLst>
+              <a:ext uri="{28A0092B-C50C-407E-A947-70E740481C1C}">
+                <a14:useLocalDpi xmlns:a14="http://schemas.microsoft.com/office/drawing/2010/main" val="0"/>
+              </a:ext>
+            </a:extLst>
+          </a:blip>
+          <a:stretch>
+            <a:fillRect/>
+          </a:stretch>
+        </p:blipFill>
+        <p:spPr>
+          <a:xfrm>
+            <a:off x="7770822" y="2858703"/>
+            <a:ext cx="4349034" cy="1869322"/>
+          </a:xfrm>
+          <a:prstGeom prst="rect">
+            <a:avLst/>
+          </a:prstGeom>
+        </p:spPr>
+      </p:pic>
+    </p:spTree>
+    <p:extLst>
+      <p:ext uri="{BB962C8B-B14F-4D97-AF65-F5344CB8AC3E}">
+        <p14:creationId xmlns:p14="http://schemas.microsoft.com/office/powerpoint/2010/main" val="2573924017"/>
+      </p:ext>
+    </p:extLst>
+  </p:cSld>
+  <p:clrMapOvr>
+    <a:masterClrMapping/>
+  </p:clrMapOvr>
+</p:sld>
+</file>
+
+<file path=ppt/slides/slide17.xml><?xml version="1.0" encoding="utf-8"?>
+<p:sld xmlns:a="http://schemas.openxmlformats.org/drawingml/2006/main" xmlns:r="http://schemas.openxmlformats.org/officeDocument/2006/relationships" xmlns:p="http://schemas.openxmlformats.org/presentationml/2006/main">
+  <p:cSld>
+    <p:bg>
+      <p:bgPr>
+        <a:solidFill>
+          <a:schemeClr val="tx1"/>
+        </a:solidFill>
+        <a:effectLst/>
+      </p:bgPr>
+    </p:bg>
+    <p:spTree>
+      <p:nvGrpSpPr>
+        <p:cNvPr id="1" name=""/>
+        <p:cNvGrpSpPr/>
+        <p:nvPr/>
+      </p:nvGrpSpPr>
+      <p:grpSpPr>
+        <a:xfrm>
+          <a:off x="0" y="0"/>
+          <a:ext cx="0" cy="0"/>
+          <a:chOff x="0" y="0"/>
+          <a:chExt cx="0" cy="0"/>
+        </a:xfrm>
+      </p:grpSpPr>
+      <p:sp>
+        <p:nvSpPr>
+          <p:cNvPr id="2" name="Title 1">
+            <a:extLst>
+              <a:ext uri="{FF2B5EF4-FFF2-40B4-BE49-F238E27FC236}">
+                <a16:creationId xmlns:a16="http://schemas.microsoft.com/office/drawing/2014/main" id="{0D1F047C-C727-42A7-85C5-68C5AA1B1A93}"/>
+              </a:ext>
+            </a:extLst>
+          </p:cNvPr>
+          <p:cNvSpPr>
+            <a:spLocks noGrp="1"/>
+          </p:cNvSpPr>
+          <p:nvPr>
+            <p:ph type="ctrTitle"/>
+          </p:nvPr>
+        </p:nvSpPr>
+        <p:spPr>
+          <a:xfrm>
+            <a:off x="1375983" y="99849"/>
+            <a:ext cx="9440034" cy="1191998"/>
+          </a:xfrm>
+        </p:spPr>
+        <p:txBody>
+          <a:bodyPr>
+            <a:normAutofit/>
+          </a:bodyPr>
+          <a:lstStyle/>
+          <a:p>
+            <a:r>
+              <a:rPr lang="en-US" sz="4400" b="1" dirty="0">
+                <a:solidFill>
+                  <a:schemeClr val="accent3"/>
+                </a:solidFill>
+                <a:effectLst/>
+              </a:rPr>
+              <a:t>Nested Functions &amp; Closures</a:t>
+            </a:r>
+          </a:p>
+        </p:txBody>
+      </p:sp>
+      <p:sp>
+        <p:nvSpPr>
+          <p:cNvPr id="52" name="TextBox 51">
+            <a:extLst>
+              <a:ext uri="{FF2B5EF4-FFF2-40B4-BE49-F238E27FC236}">
+                <a16:creationId xmlns:a16="http://schemas.microsoft.com/office/drawing/2014/main" id="{A5621993-6CE4-4394-A423-BEDD3B16CD16}"/>
+              </a:ext>
+            </a:extLst>
+          </p:cNvPr>
+          <p:cNvSpPr txBox="1"/>
+          <p:nvPr/>
+        </p:nvSpPr>
+        <p:spPr>
+          <a:xfrm>
+            <a:off x="365330" y="2545421"/>
+            <a:ext cx="6526359" cy="2677656"/>
+          </a:xfrm>
+          <a:prstGeom prst="rect">
+            <a:avLst/>
+          </a:prstGeom>
+          <a:noFill/>
+        </p:spPr>
+        <p:txBody>
+          <a:bodyPr wrap="square" rtlCol="0">
+            <a:spAutoFit/>
+          </a:bodyPr>
+          <a:lstStyle/>
+          <a:p>
+            <a:r>
+              <a:rPr lang="en-US" sz="2800" b="1" dirty="0">
+                <a:solidFill>
+                  <a:schemeClr val="bg1"/>
+                </a:solidFill>
+              </a:rPr>
+              <a:t>Nested Functions</a:t>
+            </a:r>
+          </a:p>
+          <a:p>
+            <a:r>
+              <a:rPr lang="en-US" sz="2800" dirty="0">
+                <a:solidFill>
+                  <a:schemeClr val="bg1"/>
+                </a:solidFill>
+              </a:rPr>
+              <a:t>Functions defined inside other functions.</a:t>
+            </a:r>
+          </a:p>
+          <a:p>
+            <a:endParaRPr lang="en-US" sz="2800" dirty="0">
+              <a:solidFill>
+                <a:schemeClr val="bg1"/>
+              </a:solidFill>
+            </a:endParaRPr>
+          </a:p>
+          <a:p>
+            <a:r>
+              <a:rPr lang="en-US" sz="2800" b="1" dirty="0">
+                <a:solidFill>
+                  <a:schemeClr val="bg1"/>
+                </a:solidFill>
+              </a:rPr>
+              <a:t>Closures</a:t>
+            </a:r>
+          </a:p>
+          <a:p>
+            <a:r>
+              <a:rPr lang="en-US" sz="2800" dirty="0">
+                <a:solidFill>
+                  <a:schemeClr val="bg1"/>
+                </a:solidFill>
+              </a:rPr>
+              <a:t>When a nested function remembers its enclosing function’s variables.</a:t>
+            </a:r>
+          </a:p>
+        </p:txBody>
+      </p:sp>
+      <p:grpSp>
+        <p:nvGrpSpPr>
+          <p:cNvPr id="7" name="Group 6">
+            <a:extLst>
+              <a:ext uri="{FF2B5EF4-FFF2-40B4-BE49-F238E27FC236}">
+                <a16:creationId xmlns:a16="http://schemas.microsoft.com/office/drawing/2014/main" id="{738312B5-F801-4F82-A33D-E6C6F47C19E6}"/>
+              </a:ext>
+            </a:extLst>
+          </p:cNvPr>
+          <p:cNvGrpSpPr/>
+          <p:nvPr/>
+        </p:nvGrpSpPr>
+        <p:grpSpPr>
+          <a:xfrm>
+            <a:off x="6737298" y="2545421"/>
+            <a:ext cx="5303905" cy="3736579"/>
+            <a:chOff x="3805295" y="4653207"/>
+            <a:chExt cx="4349192" cy="3736579"/>
+          </a:xfrm>
+        </p:grpSpPr>
+        <p:grpSp>
+          <p:nvGrpSpPr>
+            <p:cNvPr id="8" name="Group 7">
+              <a:extLst>
+                <a:ext uri="{FF2B5EF4-FFF2-40B4-BE49-F238E27FC236}">
+                  <a16:creationId xmlns:a16="http://schemas.microsoft.com/office/drawing/2014/main" id="{EDD4BC72-8716-4127-A622-7219A8574B29}"/>
+                </a:ext>
+              </a:extLst>
+            </p:cNvPr>
+            <p:cNvGrpSpPr/>
+            <p:nvPr/>
+          </p:nvGrpSpPr>
+          <p:grpSpPr>
+            <a:xfrm>
+              <a:off x="3805295" y="4693586"/>
+              <a:ext cx="4349192" cy="3696200"/>
+              <a:chOff x="2376485" y="2118830"/>
+              <a:chExt cx="5456905" cy="3696200"/>
+            </a:xfrm>
+          </p:grpSpPr>
+          <p:sp>
+            <p:nvSpPr>
+              <p:cNvPr id="10" name="TextBox 9">
+                <a:extLst>
+                  <a:ext uri="{FF2B5EF4-FFF2-40B4-BE49-F238E27FC236}">
+                    <a16:creationId xmlns:a16="http://schemas.microsoft.com/office/drawing/2014/main" id="{4C5F6DF5-86D3-47F6-9A2A-5A0704BCF4EE}"/>
+                  </a:ext>
+                </a:extLst>
+              </p:cNvPr>
+              <p:cNvSpPr txBox="1"/>
+              <p:nvPr/>
+            </p:nvSpPr>
+            <p:spPr>
+              <a:xfrm>
+                <a:off x="2935440" y="2118830"/>
+                <a:ext cx="2090447" cy="523220"/>
+              </a:xfrm>
+              <a:prstGeom prst="rect">
+                <a:avLst/>
+              </a:prstGeom>
+              <a:noFill/>
+            </p:spPr>
+            <p:txBody>
+              <a:bodyPr wrap="square" rtlCol="0">
+                <a:spAutoFit/>
+              </a:bodyPr>
+              <a:lstStyle/>
+              <a:p>
+                <a:pPr algn="ctr"/>
+                <a:r>
+                  <a:rPr lang="en-US" sz="2800" b="1" u="sng" dirty="0">
+                    <a:solidFill>
+                      <a:schemeClr val="bg1"/>
+                    </a:solidFill>
+                  </a:rPr>
+                  <a:t>Example</a:t>
+                </a:r>
+              </a:p>
+            </p:txBody>
+          </p:sp>
+          <p:sp>
+            <p:nvSpPr>
+              <p:cNvPr id="11" name="TextBox 10">
+                <a:extLst>
+                  <a:ext uri="{FF2B5EF4-FFF2-40B4-BE49-F238E27FC236}">
+                    <a16:creationId xmlns:a16="http://schemas.microsoft.com/office/drawing/2014/main" id="{BE220E13-D70B-4906-96A0-2C25E386E066}"/>
+                  </a:ext>
+                </a:extLst>
+              </p:cNvPr>
+              <p:cNvSpPr txBox="1"/>
+              <p:nvPr/>
+            </p:nvSpPr>
+            <p:spPr>
+              <a:xfrm>
+                <a:off x="2376485" y="2768042"/>
+                <a:ext cx="5456905" cy="3046988"/>
+              </a:xfrm>
+              <a:prstGeom prst="rect">
+                <a:avLst/>
+              </a:prstGeom>
+              <a:noFill/>
+            </p:spPr>
+            <p:txBody>
+              <a:bodyPr wrap="square" rtlCol="0">
+                <a:spAutoFit/>
+              </a:bodyPr>
+              <a:lstStyle/>
+              <a:p>
+                <a:r>
+                  <a:rPr lang="en-US" sz="2400" i="1" dirty="0">
+                    <a:solidFill>
+                      <a:schemeClr val="bg1"/>
+                    </a:solidFill>
+                    <a:highlight>
+                      <a:srgbClr val="C0C0C0"/>
+                    </a:highlight>
+                  </a:rPr>
+                  <a:t>def </a:t>
+                </a:r>
+                <a:r>
+                  <a:rPr lang="en-US" sz="2400" i="1" dirty="0" err="1">
+                    <a:solidFill>
+                      <a:schemeClr val="bg1"/>
+                    </a:solidFill>
+                    <a:highlight>
+                      <a:srgbClr val="C0C0C0"/>
+                    </a:highlight>
+                  </a:rPr>
+                  <a:t>outer_function</a:t>
+                </a:r>
+                <a:r>
+                  <a:rPr lang="en-US" sz="2400" i="1" dirty="0">
+                    <a:solidFill>
+                      <a:schemeClr val="bg1"/>
+                    </a:solidFill>
+                    <a:highlight>
+                      <a:srgbClr val="C0C0C0"/>
+                    </a:highlight>
+                  </a:rPr>
+                  <a:t>(</a:t>
+                </a:r>
+                <a:r>
+                  <a:rPr lang="en-US" sz="2400" i="1" dirty="0" err="1">
+                    <a:solidFill>
+                      <a:schemeClr val="bg1"/>
+                    </a:solidFill>
+                    <a:highlight>
+                      <a:srgbClr val="C0C0C0"/>
+                    </a:highlight>
+                  </a:rPr>
+                  <a:t>outer_variable</a:t>
+                </a:r>
+                <a:r>
+                  <a:rPr lang="en-US" sz="2400" i="1" dirty="0">
+                    <a:solidFill>
+                      <a:schemeClr val="bg1"/>
+                    </a:solidFill>
+                    <a:highlight>
+                      <a:srgbClr val="C0C0C0"/>
+                    </a:highlight>
+                  </a:rPr>
+                  <a:t>):</a:t>
+                </a:r>
+              </a:p>
+              <a:p>
+                <a:r>
+                  <a:rPr lang="en-US" sz="2400" i="1" dirty="0">
+                    <a:solidFill>
+                      <a:schemeClr val="bg1"/>
+                    </a:solidFill>
+                    <a:highlight>
+                      <a:srgbClr val="C0C0C0"/>
+                    </a:highlight>
+                  </a:rPr>
+                  <a:t>    def </a:t>
+                </a:r>
+                <a:r>
+                  <a:rPr lang="en-US" sz="2400" i="1" dirty="0" err="1">
+                    <a:solidFill>
+                      <a:schemeClr val="bg1"/>
+                    </a:solidFill>
+                    <a:highlight>
+                      <a:srgbClr val="C0C0C0"/>
+                    </a:highlight>
+                  </a:rPr>
+                  <a:t>inner_function</a:t>
+                </a:r>
+                <a:r>
+                  <a:rPr lang="en-US" sz="2400" i="1" dirty="0">
+                    <a:solidFill>
+                      <a:schemeClr val="bg1"/>
+                    </a:solidFill>
+                    <a:highlight>
+                      <a:srgbClr val="C0C0C0"/>
+                    </a:highlight>
+                  </a:rPr>
+                  <a:t>(</a:t>
+                </a:r>
+                <a:r>
+                  <a:rPr lang="en-US" sz="2400" i="1" dirty="0" err="1">
+                    <a:solidFill>
+                      <a:schemeClr val="bg1"/>
+                    </a:solidFill>
+                    <a:highlight>
+                      <a:srgbClr val="C0C0C0"/>
+                    </a:highlight>
+                  </a:rPr>
+                  <a:t>inner_variable</a:t>
+                </a:r>
+                <a:r>
+                  <a:rPr lang="en-US" sz="2400" i="1" dirty="0">
+                    <a:solidFill>
+                      <a:schemeClr val="bg1"/>
+                    </a:solidFill>
+                    <a:highlight>
+                      <a:srgbClr val="C0C0C0"/>
+                    </a:highlight>
+                  </a:rPr>
+                  <a:t>):</a:t>
+                </a:r>
+              </a:p>
+              <a:p>
+                <a:r>
+                  <a:rPr lang="en-US" sz="2400" i="1" dirty="0">
+                    <a:solidFill>
+                      <a:schemeClr val="bg1"/>
+                    </a:solidFill>
+                    <a:highlight>
+                      <a:srgbClr val="C0C0C0"/>
+                    </a:highlight>
+                  </a:rPr>
+                  <a:t>        return </a:t>
+                </a:r>
+                <a:r>
+                  <a:rPr lang="en-US" sz="2400" i="1" dirty="0" err="1">
+                    <a:solidFill>
+                      <a:schemeClr val="bg1"/>
+                    </a:solidFill>
+                    <a:highlight>
+                      <a:srgbClr val="C0C0C0"/>
+                    </a:highlight>
+                  </a:rPr>
+                  <a:t>outer_variable</a:t>
+                </a:r>
+                <a:r>
+                  <a:rPr lang="en-US" sz="2400" i="1" dirty="0">
+                    <a:solidFill>
+                      <a:schemeClr val="bg1"/>
+                    </a:solidFill>
+                    <a:highlight>
+                      <a:srgbClr val="C0C0C0"/>
+                    </a:highlight>
+                  </a:rPr>
+                  <a:t> + </a:t>
+                </a:r>
+                <a:r>
+                  <a:rPr lang="en-US" sz="2400" i="1" dirty="0" err="1">
+                    <a:solidFill>
+                      <a:schemeClr val="bg1"/>
+                    </a:solidFill>
+                    <a:highlight>
+                      <a:srgbClr val="C0C0C0"/>
+                    </a:highlight>
+                  </a:rPr>
+                  <a:t>inner_variable</a:t>
+                </a:r>
+                <a:endParaRPr lang="en-US" sz="2400" i="1" dirty="0">
+                  <a:solidFill>
+                    <a:schemeClr val="bg1"/>
+                  </a:solidFill>
+                  <a:highlight>
+                    <a:srgbClr val="C0C0C0"/>
+                  </a:highlight>
+                </a:endParaRPr>
+              </a:p>
+              <a:p>
+                <a:r>
+                  <a:rPr lang="en-US" sz="2400" i="1" dirty="0">
+                    <a:solidFill>
+                      <a:schemeClr val="bg1"/>
+                    </a:solidFill>
+                    <a:highlight>
+                      <a:srgbClr val="C0C0C0"/>
+                    </a:highlight>
+                  </a:rPr>
+                  <a:t>    return </a:t>
+                </a:r>
+                <a:r>
+                  <a:rPr lang="en-US" sz="2400" i="1" dirty="0" err="1">
+                    <a:solidFill>
+                      <a:schemeClr val="bg1"/>
+                    </a:solidFill>
+                    <a:highlight>
+                      <a:srgbClr val="C0C0C0"/>
+                    </a:highlight>
+                  </a:rPr>
+                  <a:t>inner_function</a:t>
+                </a:r>
+                <a:endParaRPr lang="en-US" sz="2400" i="1" dirty="0">
+                  <a:solidFill>
+                    <a:schemeClr val="bg1"/>
+                  </a:solidFill>
+                  <a:highlight>
+                    <a:srgbClr val="C0C0C0"/>
+                  </a:highlight>
+                </a:endParaRPr>
+              </a:p>
+              <a:p>
+                <a:endParaRPr lang="en-US" sz="2400" i="1" dirty="0">
+                  <a:solidFill>
+                    <a:schemeClr val="bg1"/>
+                  </a:solidFill>
+                  <a:highlight>
+                    <a:srgbClr val="C0C0C0"/>
+                  </a:highlight>
+                </a:endParaRPr>
+              </a:p>
+              <a:p>
+                <a:r>
+                  <a:rPr lang="en-US" sz="2400" i="1" dirty="0" err="1">
+                    <a:solidFill>
+                      <a:schemeClr val="bg1"/>
+                    </a:solidFill>
+                    <a:highlight>
+                      <a:srgbClr val="C0C0C0"/>
+                    </a:highlight>
+                  </a:rPr>
+                  <a:t>add_five</a:t>
+                </a:r>
+                <a:r>
+                  <a:rPr lang="en-US" sz="2400" i="1" dirty="0">
+                    <a:solidFill>
+                      <a:schemeClr val="bg1"/>
+                    </a:solidFill>
+                    <a:highlight>
+                      <a:srgbClr val="C0C0C0"/>
+                    </a:highlight>
+                  </a:rPr>
+                  <a:t> = </a:t>
+                </a:r>
+                <a:r>
+                  <a:rPr lang="en-US" sz="2400" i="1" dirty="0" err="1">
+                    <a:solidFill>
+                      <a:schemeClr val="bg1"/>
+                    </a:solidFill>
+                    <a:highlight>
+                      <a:srgbClr val="C0C0C0"/>
+                    </a:highlight>
+                  </a:rPr>
+                  <a:t>outer_function</a:t>
+                </a:r>
+                <a:r>
+                  <a:rPr lang="en-US" sz="2400" i="1" dirty="0">
+                    <a:solidFill>
+                      <a:schemeClr val="bg1"/>
+                    </a:solidFill>
+                    <a:highlight>
+                      <a:srgbClr val="C0C0C0"/>
+                    </a:highlight>
+                  </a:rPr>
+                  <a:t>(5)</a:t>
+                </a:r>
+              </a:p>
+              <a:p>
+                <a:r>
+                  <a:rPr lang="en-US" sz="2400" i="1" dirty="0">
+                    <a:solidFill>
+                      <a:schemeClr val="bg1"/>
+                    </a:solidFill>
+                    <a:highlight>
+                      <a:srgbClr val="C0C0C0"/>
+                    </a:highlight>
+                  </a:rPr>
+                  <a:t>print(</a:t>
+                </a:r>
+                <a:r>
+                  <a:rPr lang="en-US" sz="2400" i="1" dirty="0" err="1">
+                    <a:solidFill>
+                      <a:schemeClr val="bg1"/>
+                    </a:solidFill>
+                    <a:highlight>
+                      <a:srgbClr val="C0C0C0"/>
+                    </a:highlight>
+                  </a:rPr>
+                  <a:t>add_five</a:t>
+                </a:r>
+                <a:r>
+                  <a:rPr lang="en-US" sz="2400" i="1" dirty="0">
+                    <a:solidFill>
+                      <a:schemeClr val="bg1"/>
+                    </a:solidFill>
+                    <a:highlight>
+                      <a:srgbClr val="C0C0C0"/>
+                    </a:highlight>
+                  </a:rPr>
+                  <a:t>(10))  # Output: 15</a:t>
+                </a:r>
+              </a:p>
+            </p:txBody>
+          </p:sp>
+        </p:grpSp>
+        <p:pic>
+          <p:nvPicPr>
+            <p:cNvPr id="9" name="Picture 8">
+              <a:extLst>
+                <a:ext uri="{FF2B5EF4-FFF2-40B4-BE49-F238E27FC236}">
+                  <a16:creationId xmlns:a16="http://schemas.microsoft.com/office/drawing/2014/main" id="{98B78DF1-8D50-4F35-9DF2-F80ABE828FF4}"/>
+                </a:ext>
+              </a:extLst>
+            </p:cNvPr>
+            <p:cNvPicPr>
+              <a:picLocks noChangeAspect="1"/>
+            </p:cNvPicPr>
+            <p:nvPr/>
+          </p:nvPicPr>
+          <p:blipFill>
+            <a:blip r:embed="rId2">
+              <a:extLst>
+                <a:ext uri="{28A0092B-C50C-407E-A947-70E740481C1C}">
+                  <a14:useLocalDpi xmlns:a14="http://schemas.microsoft.com/office/drawing/2010/main" val="0"/>
+                </a:ext>
+              </a:extLst>
+            </a:blip>
+            <a:stretch>
+              <a:fillRect/>
+            </a:stretch>
+          </p:blipFill>
+          <p:spPr>
+            <a:xfrm>
+              <a:off x="3805296" y="4653207"/>
+              <a:ext cx="524712" cy="524712"/>
+            </a:xfrm>
+            <a:prstGeom prst="rect">
+              <a:avLst/>
+            </a:prstGeom>
+          </p:spPr>
+        </p:pic>
+      </p:grpSp>
+    </p:spTree>
+    <p:extLst>
+      <p:ext uri="{BB962C8B-B14F-4D97-AF65-F5344CB8AC3E}">
+        <p14:creationId xmlns:p14="http://schemas.microsoft.com/office/powerpoint/2010/main" val="53746950"/>
+      </p:ext>
+    </p:extLst>
+  </p:cSld>
+  <p:clrMapOvr>
+    <a:masterClrMapping/>
+  </p:clrMapOvr>
+</p:sld>
+</file>
+
+<file path=ppt/slides/slide18.xml><?xml version="1.0" encoding="utf-8"?>
+<p:sld xmlns:a="http://schemas.openxmlformats.org/drawingml/2006/main" xmlns:r="http://schemas.openxmlformats.org/officeDocument/2006/relationships" xmlns:p="http://schemas.openxmlformats.org/presentationml/2006/main">
+  <p:cSld>
+    <p:bg>
+      <p:bgPr>
+        <a:solidFill>
+          <a:schemeClr val="tx1"/>
+        </a:solidFill>
+        <a:effectLst/>
+      </p:bgPr>
+    </p:bg>
+    <p:spTree>
+      <p:nvGrpSpPr>
+        <p:cNvPr id="1" name=""/>
+        <p:cNvGrpSpPr/>
+        <p:nvPr/>
+      </p:nvGrpSpPr>
+      <p:grpSpPr>
+        <a:xfrm>
+          <a:off x="0" y="0"/>
+          <a:ext cx="0" cy="0"/>
+          <a:chOff x="0" y="0"/>
+          <a:chExt cx="0" cy="0"/>
+        </a:xfrm>
+      </p:grpSpPr>
+      <p:sp>
+        <p:nvSpPr>
+          <p:cNvPr id="2" name="Title 1">
+            <a:extLst>
+              <a:ext uri="{FF2B5EF4-FFF2-40B4-BE49-F238E27FC236}">
+                <a16:creationId xmlns:a16="http://schemas.microsoft.com/office/drawing/2014/main" id="{0D1F047C-C727-42A7-85C5-68C5AA1B1A93}"/>
+              </a:ext>
+            </a:extLst>
+          </p:cNvPr>
+          <p:cNvSpPr>
+            <a:spLocks noGrp="1"/>
+          </p:cNvSpPr>
+          <p:nvPr>
+            <p:ph type="ctrTitle"/>
+          </p:nvPr>
+        </p:nvSpPr>
+        <p:spPr>
+          <a:xfrm>
+            <a:off x="0" y="99849"/>
+            <a:ext cx="12192000" cy="1191998"/>
+          </a:xfrm>
+        </p:spPr>
+        <p:txBody>
+          <a:bodyPr>
+            <a:normAutofit/>
+          </a:bodyPr>
+          <a:lstStyle/>
+          <a:p>
+            <a:r>
+              <a:rPr lang="en-US" sz="4400" b="1" dirty="0">
+                <a:solidFill>
+                  <a:schemeClr val="accent3"/>
+                </a:solidFill>
+                <a:effectLst/>
+              </a:rPr>
+              <a:t>Lambda Functions (Anonymous Functions)</a:t>
+            </a:r>
+          </a:p>
+        </p:txBody>
+      </p:sp>
+      <p:sp>
+        <p:nvSpPr>
+          <p:cNvPr id="52" name="TextBox 51">
+            <a:extLst>
+              <a:ext uri="{FF2B5EF4-FFF2-40B4-BE49-F238E27FC236}">
+                <a16:creationId xmlns:a16="http://schemas.microsoft.com/office/drawing/2014/main" id="{A5621993-6CE4-4394-A423-BEDD3B16CD16}"/>
+              </a:ext>
+            </a:extLst>
+          </p:cNvPr>
+          <p:cNvSpPr txBox="1"/>
+          <p:nvPr/>
+        </p:nvSpPr>
+        <p:spPr>
+          <a:xfrm>
+            <a:off x="353185" y="3070133"/>
+            <a:ext cx="6112472" cy="1938992"/>
+          </a:xfrm>
+          <a:prstGeom prst="rect">
+            <a:avLst/>
+          </a:prstGeom>
+          <a:noFill/>
+        </p:spPr>
+        <p:txBody>
+          <a:bodyPr wrap="square" rtlCol="0">
+            <a:spAutoFit/>
+          </a:bodyPr>
+          <a:lstStyle/>
+          <a:p>
+            <a:r>
+              <a:rPr lang="en-US" sz="2400" dirty="0">
+                <a:solidFill>
+                  <a:schemeClr val="bg1"/>
+                </a:solidFill>
+              </a:rPr>
+              <a:t>A lambda function is an anonymous, small function defined using the lambda keyword.</a:t>
+            </a:r>
+          </a:p>
+          <a:p>
+            <a:endParaRPr lang="en-US" sz="2400" dirty="0">
+              <a:solidFill>
+                <a:schemeClr val="bg1"/>
+              </a:solidFill>
+            </a:endParaRPr>
+          </a:p>
+          <a:p>
+            <a:r>
+              <a:rPr lang="en-US" sz="2400" dirty="0">
+                <a:solidFill>
+                  <a:schemeClr val="bg1"/>
+                </a:solidFill>
+              </a:rPr>
+              <a:t>Quick operations, such as in functional programming patterns (map, filter, reduce).</a:t>
+            </a:r>
+          </a:p>
+        </p:txBody>
+      </p:sp>
+      <p:grpSp>
+        <p:nvGrpSpPr>
+          <p:cNvPr id="7" name="Group 6">
+            <a:extLst>
+              <a:ext uri="{FF2B5EF4-FFF2-40B4-BE49-F238E27FC236}">
+                <a16:creationId xmlns:a16="http://schemas.microsoft.com/office/drawing/2014/main" id="{738312B5-F801-4F82-A33D-E6C6F47C19E6}"/>
+              </a:ext>
+            </a:extLst>
+          </p:cNvPr>
+          <p:cNvGrpSpPr/>
+          <p:nvPr/>
+        </p:nvGrpSpPr>
+        <p:grpSpPr>
+          <a:xfrm>
+            <a:off x="6737298" y="2545421"/>
+            <a:ext cx="5303905" cy="2259251"/>
+            <a:chOff x="3805295" y="4653207"/>
+            <a:chExt cx="4349192" cy="2259251"/>
+          </a:xfrm>
+        </p:grpSpPr>
+        <p:grpSp>
+          <p:nvGrpSpPr>
+            <p:cNvPr id="8" name="Group 7">
+              <a:extLst>
+                <a:ext uri="{FF2B5EF4-FFF2-40B4-BE49-F238E27FC236}">
+                  <a16:creationId xmlns:a16="http://schemas.microsoft.com/office/drawing/2014/main" id="{EDD4BC72-8716-4127-A622-7219A8574B29}"/>
+                </a:ext>
+              </a:extLst>
+            </p:cNvPr>
+            <p:cNvGrpSpPr/>
+            <p:nvPr/>
+          </p:nvGrpSpPr>
+          <p:grpSpPr>
+            <a:xfrm>
+              <a:off x="3805295" y="4693586"/>
+              <a:ext cx="4349192" cy="2218872"/>
+              <a:chOff x="2376485" y="2118830"/>
+              <a:chExt cx="5456905" cy="2218872"/>
+            </a:xfrm>
+          </p:grpSpPr>
+          <p:sp>
+            <p:nvSpPr>
+              <p:cNvPr id="10" name="TextBox 9">
+                <a:extLst>
+                  <a:ext uri="{FF2B5EF4-FFF2-40B4-BE49-F238E27FC236}">
+                    <a16:creationId xmlns:a16="http://schemas.microsoft.com/office/drawing/2014/main" id="{4C5F6DF5-86D3-47F6-9A2A-5A0704BCF4EE}"/>
+                  </a:ext>
+                </a:extLst>
+              </p:cNvPr>
+              <p:cNvSpPr txBox="1"/>
+              <p:nvPr/>
+            </p:nvSpPr>
+            <p:spPr>
+              <a:xfrm>
+                <a:off x="2935440" y="2118830"/>
+                <a:ext cx="2090447" cy="523220"/>
+              </a:xfrm>
+              <a:prstGeom prst="rect">
+                <a:avLst/>
+              </a:prstGeom>
+              <a:noFill/>
+            </p:spPr>
+            <p:txBody>
+              <a:bodyPr wrap="square" rtlCol="0">
+                <a:spAutoFit/>
+              </a:bodyPr>
+              <a:lstStyle/>
+              <a:p>
+                <a:pPr algn="ctr"/>
+                <a:r>
+                  <a:rPr lang="en-US" sz="2800" b="1" u="sng" dirty="0">
+                    <a:solidFill>
+                      <a:schemeClr val="bg1"/>
+                    </a:solidFill>
+                  </a:rPr>
+                  <a:t>Example</a:t>
+                </a:r>
+              </a:p>
+            </p:txBody>
+          </p:sp>
+          <p:sp>
+            <p:nvSpPr>
+              <p:cNvPr id="11" name="TextBox 10">
+                <a:extLst>
+                  <a:ext uri="{FF2B5EF4-FFF2-40B4-BE49-F238E27FC236}">
+                    <a16:creationId xmlns:a16="http://schemas.microsoft.com/office/drawing/2014/main" id="{BE220E13-D70B-4906-96A0-2C25E386E066}"/>
+                  </a:ext>
+                </a:extLst>
+              </p:cNvPr>
+              <p:cNvSpPr txBox="1"/>
+              <p:nvPr/>
+            </p:nvSpPr>
+            <p:spPr>
+              <a:xfrm>
+                <a:off x="2376485" y="2768042"/>
+                <a:ext cx="5456905" cy="1569660"/>
+              </a:xfrm>
+              <a:prstGeom prst="rect">
+                <a:avLst/>
+              </a:prstGeom>
+              <a:noFill/>
+            </p:spPr>
+            <p:txBody>
+              <a:bodyPr wrap="square" rtlCol="0">
+                <a:spAutoFit/>
+              </a:bodyPr>
+              <a:lstStyle/>
+              <a:p>
+                <a:r>
+                  <a:rPr lang="en-US" sz="2400" i="1" dirty="0">
+                    <a:solidFill>
+                      <a:schemeClr val="bg1"/>
+                    </a:solidFill>
+                    <a:highlight>
+                      <a:srgbClr val="C0C0C0"/>
+                    </a:highlight>
+                  </a:rPr>
+                  <a:t>square = lambda x: x ** 2</a:t>
+                </a:r>
+              </a:p>
+              <a:p>
+                <a:r>
+                  <a:rPr lang="en-US" sz="2400" i="1" dirty="0">
+                    <a:solidFill>
+                      <a:schemeClr val="bg1"/>
+                    </a:solidFill>
+                    <a:highlight>
+                      <a:srgbClr val="C0C0C0"/>
+                    </a:highlight>
+                  </a:rPr>
+                  <a:t>print(square(4))  </a:t>
+                </a:r>
+              </a:p>
+              <a:p>
+                <a:endParaRPr lang="en-US" sz="2400" i="1" dirty="0">
+                  <a:solidFill>
+                    <a:schemeClr val="bg1"/>
+                  </a:solidFill>
+                  <a:highlight>
+                    <a:srgbClr val="C0C0C0"/>
+                  </a:highlight>
+                </a:endParaRPr>
+              </a:p>
+              <a:p>
+                <a:r>
+                  <a:rPr lang="en-US" sz="2400" i="1" dirty="0">
+                    <a:solidFill>
+                      <a:schemeClr val="bg1"/>
+                    </a:solidFill>
+                    <a:highlight>
+                      <a:srgbClr val="C0C0C0"/>
+                    </a:highlight>
+                  </a:rPr>
+                  <a:t># Output: 16</a:t>
+                </a:r>
+              </a:p>
+            </p:txBody>
+          </p:sp>
+        </p:grpSp>
+        <p:pic>
+          <p:nvPicPr>
+            <p:cNvPr id="9" name="Picture 8">
+              <a:extLst>
+                <a:ext uri="{FF2B5EF4-FFF2-40B4-BE49-F238E27FC236}">
+                  <a16:creationId xmlns:a16="http://schemas.microsoft.com/office/drawing/2014/main" id="{98B78DF1-8D50-4F35-9DF2-F80ABE828FF4}"/>
+                </a:ext>
+              </a:extLst>
+            </p:cNvPr>
+            <p:cNvPicPr>
+              <a:picLocks noChangeAspect="1"/>
+            </p:cNvPicPr>
+            <p:nvPr/>
+          </p:nvPicPr>
+          <p:blipFill>
+            <a:blip r:embed="rId2">
+              <a:extLst>
+                <a:ext uri="{28A0092B-C50C-407E-A947-70E740481C1C}">
+                  <a14:useLocalDpi xmlns:a14="http://schemas.microsoft.com/office/drawing/2010/main" val="0"/>
+                </a:ext>
+              </a:extLst>
+            </a:blip>
+            <a:stretch>
+              <a:fillRect/>
+            </a:stretch>
+          </p:blipFill>
+          <p:spPr>
+            <a:xfrm>
+              <a:off x="3805296" y="4653207"/>
+              <a:ext cx="524712" cy="524712"/>
+            </a:xfrm>
+            <a:prstGeom prst="rect">
+              <a:avLst/>
+            </a:prstGeom>
+          </p:spPr>
+        </p:pic>
+      </p:grpSp>
+    </p:spTree>
+    <p:extLst>
+      <p:ext uri="{BB962C8B-B14F-4D97-AF65-F5344CB8AC3E}">
+        <p14:creationId xmlns:p14="http://schemas.microsoft.com/office/powerpoint/2010/main" val="1493633458"/>
+      </p:ext>
+    </p:extLst>
+  </p:cSld>
+  <p:clrMapOvr>
+    <a:masterClrMapping/>
+  </p:clrMapOvr>
+</p:sld>
+</file>
+
+<file path=ppt/slides/slide19.xml><?xml version="1.0" encoding="utf-8"?>
+<p:sld xmlns:a="http://schemas.openxmlformats.org/drawingml/2006/main" xmlns:r="http://schemas.openxmlformats.org/officeDocument/2006/relationships" xmlns:p="http://schemas.openxmlformats.org/presentationml/2006/main">
+  <p:cSld>
+    <p:bg>
+      <p:bgPr>
+        <a:solidFill>
+          <a:schemeClr val="tx1"/>
+        </a:solidFill>
+        <a:effectLst/>
+      </p:bgPr>
+    </p:bg>
+    <p:spTree>
+      <p:nvGrpSpPr>
+        <p:cNvPr id="1" name=""/>
+        <p:cNvGrpSpPr/>
+        <p:nvPr/>
+      </p:nvGrpSpPr>
+      <p:grpSpPr>
+        <a:xfrm>
+          <a:off x="0" y="0"/>
+          <a:ext cx="0" cy="0"/>
+          <a:chOff x="0" y="0"/>
+          <a:chExt cx="0" cy="0"/>
+        </a:xfrm>
+      </p:grpSpPr>
+      <p:sp>
+        <p:nvSpPr>
+          <p:cNvPr id="2" name="Title 1">
+            <a:extLst>
+              <a:ext uri="{FF2B5EF4-FFF2-40B4-BE49-F238E27FC236}">
+                <a16:creationId xmlns:a16="http://schemas.microsoft.com/office/drawing/2014/main" id="{0D1F047C-C727-42A7-85C5-68C5AA1B1A93}"/>
+              </a:ext>
+            </a:extLst>
+          </p:cNvPr>
+          <p:cNvSpPr>
+            <a:spLocks noGrp="1"/>
+          </p:cNvSpPr>
+          <p:nvPr>
+            <p:ph type="ctrTitle"/>
+          </p:nvPr>
+        </p:nvSpPr>
+        <p:spPr>
+          <a:xfrm>
+            <a:off x="0" y="99849"/>
+            <a:ext cx="12192000" cy="1191998"/>
+          </a:xfrm>
+        </p:spPr>
+        <p:txBody>
+          <a:bodyPr>
+            <a:normAutofit/>
+          </a:bodyPr>
+          <a:lstStyle/>
+          <a:p>
+            <a:r>
+              <a:rPr lang="en-US" b="1" dirty="0">
+                <a:solidFill>
+                  <a:schemeClr val="accent3"/>
+                </a:solidFill>
+                <a:effectLst/>
+              </a:rPr>
+              <a:t>Mutable vs. Immutable Arguments</a:t>
+            </a:r>
+          </a:p>
+        </p:txBody>
+      </p:sp>
+      <p:sp>
+        <p:nvSpPr>
+          <p:cNvPr id="52" name="TextBox 51">
+            <a:extLst>
+              <a:ext uri="{FF2B5EF4-FFF2-40B4-BE49-F238E27FC236}">
+                <a16:creationId xmlns:a16="http://schemas.microsoft.com/office/drawing/2014/main" id="{A5621993-6CE4-4394-A423-BEDD3B16CD16}"/>
+              </a:ext>
+            </a:extLst>
+          </p:cNvPr>
+          <p:cNvSpPr txBox="1"/>
+          <p:nvPr/>
+        </p:nvSpPr>
+        <p:spPr>
+          <a:xfrm>
+            <a:off x="285808" y="2348238"/>
+            <a:ext cx="6112472" cy="3108543"/>
+          </a:xfrm>
+          <a:prstGeom prst="rect">
+            <a:avLst/>
+          </a:prstGeom>
+          <a:noFill/>
+        </p:spPr>
+        <p:txBody>
+          <a:bodyPr wrap="square" rtlCol="0">
+            <a:spAutoFit/>
+          </a:bodyPr>
+          <a:lstStyle/>
+          <a:p>
+            <a:r>
+              <a:rPr lang="en-US" sz="2800" b="1" dirty="0">
+                <a:solidFill>
+                  <a:schemeClr val="bg1"/>
+                </a:solidFill>
+              </a:rPr>
+              <a:t>Mutable Objects</a:t>
+            </a:r>
+          </a:p>
+          <a:p>
+            <a:r>
+              <a:rPr lang="en-US" sz="2800" dirty="0">
+                <a:solidFill>
+                  <a:schemeClr val="bg1"/>
+                </a:solidFill>
+              </a:rPr>
+              <a:t>Lists, dictionaries, sets, etc., can be changed within a function.</a:t>
+            </a:r>
+          </a:p>
+          <a:p>
+            <a:endParaRPr lang="en-US" sz="2800" dirty="0">
+              <a:solidFill>
+                <a:schemeClr val="bg1"/>
+              </a:solidFill>
+            </a:endParaRPr>
+          </a:p>
+          <a:p>
+            <a:r>
+              <a:rPr lang="en-US" sz="2800" b="1" dirty="0">
+                <a:solidFill>
+                  <a:schemeClr val="bg1"/>
+                </a:solidFill>
+              </a:rPr>
+              <a:t>Immutable Objects</a:t>
+            </a:r>
+          </a:p>
+          <a:p>
+            <a:r>
+              <a:rPr lang="en-US" sz="2800" dirty="0">
+                <a:solidFill>
+                  <a:schemeClr val="bg1"/>
+                </a:solidFill>
+              </a:rPr>
+              <a:t>Integers, strings, tuples, etc., cannot be modified within a function.</a:t>
+            </a:r>
+          </a:p>
+        </p:txBody>
+      </p:sp>
+      <p:grpSp>
+        <p:nvGrpSpPr>
+          <p:cNvPr id="7" name="Group 6">
+            <a:extLst>
+              <a:ext uri="{FF2B5EF4-FFF2-40B4-BE49-F238E27FC236}">
+                <a16:creationId xmlns:a16="http://schemas.microsoft.com/office/drawing/2014/main" id="{738312B5-F801-4F82-A33D-E6C6F47C19E6}"/>
+              </a:ext>
+            </a:extLst>
+          </p:cNvPr>
+          <p:cNvGrpSpPr/>
+          <p:nvPr/>
+        </p:nvGrpSpPr>
+        <p:grpSpPr>
+          <a:xfrm>
+            <a:off x="6737298" y="2545421"/>
+            <a:ext cx="5303905" cy="2997915"/>
+            <a:chOff x="3805295" y="4653207"/>
+            <a:chExt cx="4349192" cy="2997915"/>
+          </a:xfrm>
+        </p:grpSpPr>
+        <p:grpSp>
+          <p:nvGrpSpPr>
+            <p:cNvPr id="8" name="Group 7">
+              <a:extLst>
+                <a:ext uri="{FF2B5EF4-FFF2-40B4-BE49-F238E27FC236}">
+                  <a16:creationId xmlns:a16="http://schemas.microsoft.com/office/drawing/2014/main" id="{EDD4BC72-8716-4127-A622-7219A8574B29}"/>
+                </a:ext>
+              </a:extLst>
+            </p:cNvPr>
+            <p:cNvGrpSpPr/>
+            <p:nvPr/>
+          </p:nvGrpSpPr>
+          <p:grpSpPr>
+            <a:xfrm>
+              <a:off x="3805295" y="4693586"/>
+              <a:ext cx="4349192" cy="2957536"/>
+              <a:chOff x="2376485" y="2118830"/>
+              <a:chExt cx="5456905" cy="2957536"/>
+            </a:xfrm>
+          </p:grpSpPr>
+          <p:sp>
+            <p:nvSpPr>
+              <p:cNvPr id="10" name="TextBox 9">
+                <a:extLst>
+                  <a:ext uri="{FF2B5EF4-FFF2-40B4-BE49-F238E27FC236}">
+                    <a16:creationId xmlns:a16="http://schemas.microsoft.com/office/drawing/2014/main" id="{4C5F6DF5-86D3-47F6-9A2A-5A0704BCF4EE}"/>
+                  </a:ext>
+                </a:extLst>
+              </p:cNvPr>
+              <p:cNvSpPr txBox="1"/>
+              <p:nvPr/>
+            </p:nvSpPr>
+            <p:spPr>
+              <a:xfrm>
+                <a:off x="2935440" y="2118830"/>
+                <a:ext cx="2090447" cy="523220"/>
+              </a:xfrm>
+              <a:prstGeom prst="rect">
+                <a:avLst/>
+              </a:prstGeom>
+              <a:noFill/>
+            </p:spPr>
+            <p:txBody>
+              <a:bodyPr wrap="square" rtlCol="0">
+                <a:spAutoFit/>
+              </a:bodyPr>
+              <a:lstStyle/>
+              <a:p>
+                <a:pPr algn="ctr"/>
+                <a:r>
+                  <a:rPr lang="en-US" sz="2800" b="1" u="sng" dirty="0">
+                    <a:solidFill>
+                      <a:schemeClr val="bg1"/>
+                    </a:solidFill>
+                  </a:rPr>
+                  <a:t>Example</a:t>
+                </a:r>
+              </a:p>
+            </p:txBody>
+          </p:sp>
+          <p:sp>
+            <p:nvSpPr>
+              <p:cNvPr id="11" name="TextBox 10">
+                <a:extLst>
+                  <a:ext uri="{FF2B5EF4-FFF2-40B4-BE49-F238E27FC236}">
+                    <a16:creationId xmlns:a16="http://schemas.microsoft.com/office/drawing/2014/main" id="{BE220E13-D70B-4906-96A0-2C25E386E066}"/>
+                  </a:ext>
+                </a:extLst>
+              </p:cNvPr>
+              <p:cNvSpPr txBox="1"/>
+              <p:nvPr/>
+            </p:nvSpPr>
+            <p:spPr>
+              <a:xfrm>
+                <a:off x="2376485" y="2768042"/>
+                <a:ext cx="5456905" cy="2308324"/>
+              </a:xfrm>
+              <a:prstGeom prst="rect">
+                <a:avLst/>
+              </a:prstGeom>
+              <a:noFill/>
+            </p:spPr>
+            <p:txBody>
+              <a:bodyPr wrap="square" rtlCol="0">
+                <a:spAutoFit/>
+              </a:bodyPr>
+              <a:lstStyle/>
+              <a:p>
+                <a:r>
+                  <a:rPr lang="en-US" sz="2400" i="1" dirty="0">
+                    <a:solidFill>
+                      <a:schemeClr val="bg1"/>
+                    </a:solidFill>
+                    <a:highlight>
+                      <a:srgbClr val="C0C0C0"/>
+                    </a:highlight>
+                  </a:rPr>
+                  <a:t>def </a:t>
+                </a:r>
+                <a:r>
+                  <a:rPr lang="en-US" sz="2400" i="1" dirty="0" err="1">
+                    <a:solidFill>
+                      <a:schemeClr val="bg1"/>
+                    </a:solidFill>
+                    <a:highlight>
+                      <a:srgbClr val="C0C0C0"/>
+                    </a:highlight>
+                  </a:rPr>
+                  <a:t>modify_list</a:t>
+                </a:r>
+                <a:r>
+                  <a:rPr lang="en-US" sz="2400" i="1" dirty="0">
+                    <a:solidFill>
+                      <a:schemeClr val="bg1"/>
+                    </a:solidFill>
+                    <a:highlight>
+                      <a:srgbClr val="C0C0C0"/>
+                    </a:highlight>
+                  </a:rPr>
+                  <a:t>(</a:t>
+                </a:r>
+                <a:r>
+                  <a:rPr lang="en-US" sz="2400" i="1" dirty="0" err="1">
+                    <a:solidFill>
+                      <a:schemeClr val="bg1"/>
+                    </a:solidFill>
+                    <a:highlight>
+                      <a:srgbClr val="C0C0C0"/>
+                    </a:highlight>
+                  </a:rPr>
+                  <a:t>lst</a:t>
+                </a:r>
+                <a:r>
+                  <a:rPr lang="en-US" sz="2400" i="1" dirty="0">
+                    <a:solidFill>
+                      <a:schemeClr val="bg1"/>
+                    </a:solidFill>
+                    <a:highlight>
+                      <a:srgbClr val="C0C0C0"/>
+                    </a:highlight>
+                  </a:rPr>
+                  <a:t>):</a:t>
+                </a:r>
+              </a:p>
+              <a:p>
+                <a:r>
+                  <a:rPr lang="en-US" sz="2400" i="1" dirty="0">
+                    <a:solidFill>
+                      <a:schemeClr val="bg1"/>
+                    </a:solidFill>
+                    <a:highlight>
+                      <a:srgbClr val="C0C0C0"/>
+                    </a:highlight>
+                  </a:rPr>
+                  <a:t>    </a:t>
+                </a:r>
+                <a:r>
+                  <a:rPr lang="en-US" sz="2400" i="1" dirty="0" err="1">
+                    <a:solidFill>
+                      <a:schemeClr val="bg1"/>
+                    </a:solidFill>
+                    <a:highlight>
+                      <a:srgbClr val="C0C0C0"/>
+                    </a:highlight>
+                  </a:rPr>
+                  <a:t>lst.append</a:t>
+                </a:r>
+                <a:r>
+                  <a:rPr lang="en-US" sz="2400" i="1" dirty="0">
+                    <a:solidFill>
+                      <a:schemeClr val="bg1"/>
+                    </a:solidFill>
+                    <a:highlight>
+                      <a:srgbClr val="C0C0C0"/>
+                    </a:highlight>
+                  </a:rPr>
+                  <a:t>(4)</a:t>
+                </a:r>
+              </a:p>
+              <a:p>
+                <a:endParaRPr lang="en-US" sz="2400" i="1" dirty="0">
+                  <a:solidFill>
+                    <a:schemeClr val="bg1"/>
+                  </a:solidFill>
+                  <a:highlight>
+                    <a:srgbClr val="C0C0C0"/>
+                  </a:highlight>
+                </a:endParaRPr>
+              </a:p>
+              <a:p>
+                <a:r>
+                  <a:rPr lang="en-US" sz="2400" i="1" dirty="0" err="1">
+                    <a:solidFill>
+                      <a:schemeClr val="bg1"/>
+                    </a:solidFill>
+                    <a:highlight>
+                      <a:srgbClr val="C0C0C0"/>
+                    </a:highlight>
+                  </a:rPr>
+                  <a:t>my_list</a:t>
+                </a:r>
+                <a:r>
+                  <a:rPr lang="en-US" sz="2400" i="1" dirty="0">
+                    <a:solidFill>
+                      <a:schemeClr val="bg1"/>
+                    </a:solidFill>
+                    <a:highlight>
+                      <a:srgbClr val="C0C0C0"/>
+                    </a:highlight>
+                  </a:rPr>
+                  <a:t> = [1, 2, 3]</a:t>
+                </a:r>
+              </a:p>
+              <a:p>
+                <a:r>
+                  <a:rPr lang="en-US" sz="2400" i="1" dirty="0" err="1">
+                    <a:solidFill>
+                      <a:schemeClr val="bg1"/>
+                    </a:solidFill>
+                    <a:highlight>
+                      <a:srgbClr val="C0C0C0"/>
+                    </a:highlight>
+                  </a:rPr>
+                  <a:t>modify_list</a:t>
+                </a:r>
+                <a:r>
+                  <a:rPr lang="en-US" sz="2400" i="1" dirty="0">
+                    <a:solidFill>
+                      <a:schemeClr val="bg1"/>
+                    </a:solidFill>
+                    <a:highlight>
+                      <a:srgbClr val="C0C0C0"/>
+                    </a:highlight>
+                  </a:rPr>
+                  <a:t>(</a:t>
+                </a:r>
+                <a:r>
+                  <a:rPr lang="en-US" sz="2400" i="1" dirty="0" err="1">
+                    <a:solidFill>
+                      <a:schemeClr val="bg1"/>
+                    </a:solidFill>
+                    <a:highlight>
+                      <a:srgbClr val="C0C0C0"/>
+                    </a:highlight>
+                  </a:rPr>
+                  <a:t>my_list</a:t>
+                </a:r>
+                <a:r>
+                  <a:rPr lang="en-US" sz="2400" i="1" dirty="0">
+                    <a:solidFill>
+                      <a:schemeClr val="bg1"/>
+                    </a:solidFill>
+                    <a:highlight>
+                      <a:srgbClr val="C0C0C0"/>
+                    </a:highlight>
+                  </a:rPr>
+                  <a:t>)</a:t>
+                </a:r>
+              </a:p>
+              <a:p>
+                <a:r>
+                  <a:rPr lang="en-US" sz="2400" i="1" dirty="0">
+                    <a:solidFill>
+                      <a:schemeClr val="bg1"/>
+                    </a:solidFill>
+                    <a:highlight>
+                      <a:srgbClr val="C0C0C0"/>
+                    </a:highlight>
+                  </a:rPr>
+                  <a:t>print(</a:t>
+                </a:r>
+                <a:r>
+                  <a:rPr lang="en-US" sz="2400" i="1" dirty="0" err="1">
+                    <a:solidFill>
+                      <a:schemeClr val="bg1"/>
+                    </a:solidFill>
+                    <a:highlight>
+                      <a:srgbClr val="C0C0C0"/>
+                    </a:highlight>
+                  </a:rPr>
+                  <a:t>my_list</a:t>
+                </a:r>
+                <a:r>
+                  <a:rPr lang="en-US" sz="2400" i="1" dirty="0">
+                    <a:solidFill>
+                      <a:schemeClr val="bg1"/>
+                    </a:solidFill>
+                    <a:highlight>
+                      <a:srgbClr val="C0C0C0"/>
+                    </a:highlight>
+                  </a:rPr>
+                  <a:t>)  # Output: [1, 2, 3, 4]</a:t>
+                </a:r>
+              </a:p>
+            </p:txBody>
+          </p:sp>
+        </p:grpSp>
+        <p:pic>
+          <p:nvPicPr>
+            <p:cNvPr id="9" name="Picture 8">
+              <a:extLst>
+                <a:ext uri="{FF2B5EF4-FFF2-40B4-BE49-F238E27FC236}">
+                  <a16:creationId xmlns:a16="http://schemas.microsoft.com/office/drawing/2014/main" id="{98B78DF1-8D50-4F35-9DF2-F80ABE828FF4}"/>
+                </a:ext>
+              </a:extLst>
+            </p:cNvPr>
+            <p:cNvPicPr>
+              <a:picLocks noChangeAspect="1"/>
+            </p:cNvPicPr>
+            <p:nvPr/>
+          </p:nvPicPr>
+          <p:blipFill>
+            <a:blip r:embed="rId2">
+              <a:extLst>
+                <a:ext uri="{28A0092B-C50C-407E-A947-70E740481C1C}">
+                  <a14:useLocalDpi xmlns:a14="http://schemas.microsoft.com/office/drawing/2010/main" val="0"/>
+                </a:ext>
+              </a:extLst>
+            </a:blip>
+            <a:stretch>
+              <a:fillRect/>
+            </a:stretch>
+          </p:blipFill>
+          <p:spPr>
+            <a:xfrm>
+              <a:off x="3805296" y="4653207"/>
+              <a:ext cx="524712" cy="524712"/>
+            </a:xfrm>
+            <a:prstGeom prst="rect">
+              <a:avLst/>
+            </a:prstGeom>
+          </p:spPr>
+        </p:pic>
+      </p:grpSp>
+    </p:spTree>
+    <p:extLst>
+      <p:ext uri="{BB962C8B-B14F-4D97-AF65-F5344CB8AC3E}">
+        <p14:creationId xmlns:p14="http://schemas.microsoft.com/office/powerpoint/2010/main" val="2751429053"/>
       </p:ext>
     </p:extLst>
   </p:cSld>
@@ -7879,6 +11722,788 @@
     <p:extLst>
       <p:ext uri="{BB962C8B-B14F-4D97-AF65-F5344CB8AC3E}">
         <p14:creationId xmlns:p14="http://schemas.microsoft.com/office/powerpoint/2010/main" val="1893295458"/>
+      </p:ext>
+    </p:extLst>
+  </p:cSld>
+  <p:clrMapOvr>
+    <a:masterClrMapping/>
+  </p:clrMapOvr>
+</p:sld>
+</file>
+
+<file path=ppt/slides/slide20.xml><?xml version="1.0" encoding="utf-8"?>
+<p:sld xmlns:a="http://schemas.openxmlformats.org/drawingml/2006/main" xmlns:r="http://schemas.openxmlformats.org/officeDocument/2006/relationships" xmlns:p="http://schemas.openxmlformats.org/presentationml/2006/main">
+  <p:cSld>
+    <p:bg>
+      <p:bgPr>
+        <a:solidFill>
+          <a:schemeClr val="tx1"/>
+        </a:solidFill>
+        <a:effectLst/>
+      </p:bgPr>
+    </p:bg>
+    <p:spTree>
+      <p:nvGrpSpPr>
+        <p:cNvPr id="1" name=""/>
+        <p:cNvGrpSpPr/>
+        <p:nvPr/>
+      </p:nvGrpSpPr>
+      <p:grpSpPr>
+        <a:xfrm>
+          <a:off x="0" y="0"/>
+          <a:ext cx="0" cy="0"/>
+          <a:chOff x="0" y="0"/>
+          <a:chExt cx="0" cy="0"/>
+        </a:xfrm>
+      </p:grpSpPr>
+      <p:sp>
+        <p:nvSpPr>
+          <p:cNvPr id="2" name="Title 1">
+            <a:extLst>
+              <a:ext uri="{FF2B5EF4-FFF2-40B4-BE49-F238E27FC236}">
+                <a16:creationId xmlns:a16="http://schemas.microsoft.com/office/drawing/2014/main" id="{0D1F047C-C727-42A7-85C5-68C5AA1B1A93}"/>
+              </a:ext>
+            </a:extLst>
+          </p:cNvPr>
+          <p:cNvSpPr>
+            <a:spLocks noGrp="1"/>
+          </p:cNvSpPr>
+          <p:nvPr>
+            <p:ph type="ctrTitle"/>
+          </p:nvPr>
+        </p:nvSpPr>
+        <p:spPr>
+          <a:xfrm>
+            <a:off x="0" y="99849"/>
+            <a:ext cx="12192000" cy="1191998"/>
+          </a:xfrm>
+        </p:spPr>
+        <p:txBody>
+          <a:bodyPr>
+            <a:normAutofit/>
+          </a:bodyPr>
+          <a:lstStyle/>
+          <a:p>
+            <a:r>
+              <a:rPr lang="en-US" b="1" dirty="0">
+                <a:solidFill>
+                  <a:schemeClr val="accent3"/>
+                </a:solidFill>
+                <a:effectLst/>
+              </a:rPr>
+              <a:t>Best Practices for Writing Functions</a:t>
+            </a:r>
+          </a:p>
+        </p:txBody>
+      </p:sp>
+      <p:sp>
+        <p:nvSpPr>
+          <p:cNvPr id="52" name="TextBox 51">
+            <a:extLst>
+              <a:ext uri="{FF2B5EF4-FFF2-40B4-BE49-F238E27FC236}">
+                <a16:creationId xmlns:a16="http://schemas.microsoft.com/office/drawing/2014/main" id="{A5621993-6CE4-4394-A423-BEDD3B16CD16}"/>
+              </a:ext>
+            </a:extLst>
+          </p:cNvPr>
+          <p:cNvSpPr txBox="1"/>
+          <p:nvPr/>
+        </p:nvSpPr>
+        <p:spPr>
+          <a:xfrm>
+            <a:off x="324309" y="2136483"/>
+            <a:ext cx="6836887" cy="3539430"/>
+          </a:xfrm>
+          <a:prstGeom prst="rect">
+            <a:avLst/>
+          </a:prstGeom>
+          <a:noFill/>
+        </p:spPr>
+        <p:txBody>
+          <a:bodyPr wrap="square" rtlCol="0">
+            <a:spAutoFit/>
+          </a:bodyPr>
+          <a:lstStyle/>
+          <a:p>
+            <a:pPr marL="457200" indent="-457200">
+              <a:buFont typeface="Arial" panose="020B0604020202020204" pitchFamily="34" charset="0"/>
+              <a:buChar char="•"/>
+            </a:pPr>
+            <a:r>
+              <a:rPr lang="en-US" sz="2800" dirty="0">
+                <a:solidFill>
+                  <a:schemeClr val="bg1"/>
+                </a:solidFill>
+              </a:rPr>
+              <a:t>Keep functions small and focused on one task.</a:t>
+            </a:r>
+          </a:p>
+          <a:p>
+            <a:pPr marL="457200" indent="-457200">
+              <a:buFont typeface="Arial" panose="020B0604020202020204" pitchFamily="34" charset="0"/>
+              <a:buChar char="•"/>
+            </a:pPr>
+            <a:endParaRPr lang="en-US" sz="2800" dirty="0">
+              <a:solidFill>
+                <a:schemeClr val="bg1"/>
+              </a:solidFill>
+            </a:endParaRPr>
+          </a:p>
+          <a:p>
+            <a:pPr marL="457200" indent="-457200">
+              <a:buFont typeface="Arial" panose="020B0604020202020204" pitchFamily="34" charset="0"/>
+              <a:buChar char="•"/>
+            </a:pPr>
+            <a:r>
+              <a:rPr lang="en-US" sz="2800" dirty="0">
+                <a:solidFill>
+                  <a:schemeClr val="bg1"/>
+                </a:solidFill>
+              </a:rPr>
+              <a:t>Use meaningful function names.</a:t>
+            </a:r>
+          </a:p>
+          <a:p>
+            <a:pPr marL="457200" indent="-457200">
+              <a:buFont typeface="Arial" panose="020B0604020202020204" pitchFamily="34" charset="0"/>
+              <a:buChar char="•"/>
+            </a:pPr>
+            <a:endParaRPr lang="en-US" sz="2800" dirty="0">
+              <a:solidFill>
+                <a:schemeClr val="bg1"/>
+              </a:solidFill>
+            </a:endParaRPr>
+          </a:p>
+          <a:p>
+            <a:pPr marL="457200" indent="-457200">
+              <a:buFont typeface="Arial" panose="020B0604020202020204" pitchFamily="34" charset="0"/>
+              <a:buChar char="•"/>
+            </a:pPr>
+            <a:r>
+              <a:rPr lang="en-US" sz="2800" dirty="0">
+                <a:solidFill>
+                  <a:schemeClr val="bg1"/>
+                </a:solidFill>
+              </a:rPr>
+              <a:t>Avoid side effects.</a:t>
+            </a:r>
+          </a:p>
+          <a:p>
+            <a:pPr marL="457200" indent="-457200">
+              <a:buFont typeface="Arial" panose="020B0604020202020204" pitchFamily="34" charset="0"/>
+              <a:buChar char="•"/>
+            </a:pPr>
+            <a:endParaRPr lang="en-US" sz="2800" dirty="0">
+              <a:solidFill>
+                <a:schemeClr val="bg1"/>
+              </a:solidFill>
+            </a:endParaRPr>
+          </a:p>
+          <a:p>
+            <a:pPr marL="457200" indent="-457200">
+              <a:buFont typeface="Arial" panose="020B0604020202020204" pitchFamily="34" charset="0"/>
+              <a:buChar char="•"/>
+            </a:pPr>
+            <a:r>
+              <a:rPr lang="en-US" sz="2800" dirty="0">
+                <a:solidFill>
+                  <a:schemeClr val="bg1"/>
+                </a:solidFill>
+              </a:rPr>
+              <a:t>Document your functions with docstrings.</a:t>
+            </a:r>
+          </a:p>
+        </p:txBody>
+      </p:sp>
+    </p:spTree>
+    <p:extLst>
+      <p:ext uri="{BB962C8B-B14F-4D97-AF65-F5344CB8AC3E}">
+        <p14:creationId xmlns:p14="http://schemas.microsoft.com/office/powerpoint/2010/main" val="865773542"/>
+      </p:ext>
+    </p:extLst>
+  </p:cSld>
+  <p:clrMapOvr>
+    <a:masterClrMapping/>
+  </p:clrMapOvr>
+</p:sld>
+</file>
+
+<file path=ppt/slides/slide21.xml><?xml version="1.0" encoding="utf-8"?>
+<p:sld xmlns:a="http://schemas.openxmlformats.org/drawingml/2006/main" xmlns:r="http://schemas.openxmlformats.org/officeDocument/2006/relationships" xmlns:p="http://schemas.openxmlformats.org/presentationml/2006/main">
+  <p:cSld>
+    <p:bg>
+      <p:bgPr>
+        <a:solidFill>
+          <a:srgbClr val="0070C0"/>
+        </a:solidFill>
+        <a:effectLst/>
+      </p:bgPr>
+    </p:bg>
+    <p:spTree>
+      <p:nvGrpSpPr>
+        <p:cNvPr id="1" name=""/>
+        <p:cNvGrpSpPr/>
+        <p:nvPr/>
+      </p:nvGrpSpPr>
+      <p:grpSpPr>
+        <a:xfrm>
+          <a:off x="0" y="0"/>
+          <a:ext cx="0" cy="0"/>
+          <a:chOff x="0" y="0"/>
+          <a:chExt cx="0" cy="0"/>
+        </a:xfrm>
+      </p:grpSpPr>
+      <p:sp>
+        <p:nvSpPr>
+          <p:cNvPr id="5" name="Rectangle: Rounded Corners 4">
+            <a:extLst>
+              <a:ext uri="{FF2B5EF4-FFF2-40B4-BE49-F238E27FC236}">
+                <a16:creationId xmlns:a16="http://schemas.microsoft.com/office/drawing/2014/main" id="{CBBE9C5C-6569-4C5C-98FD-4514941A1A59}"/>
+              </a:ext>
+            </a:extLst>
+          </p:cNvPr>
+          <p:cNvSpPr/>
+          <p:nvPr/>
+        </p:nvSpPr>
+        <p:spPr>
+          <a:xfrm rot="2700000">
+            <a:off x="4776987" y="1498228"/>
+            <a:ext cx="2013391" cy="2013391"/>
+          </a:xfrm>
+          <a:prstGeom prst="roundRect">
+            <a:avLst>
+              <a:gd name="adj" fmla="val 20464"/>
+            </a:avLst>
+          </a:prstGeom>
+          <a:noFill/>
+          <a:ln w="34925">
+            <a:solidFill>
+              <a:srgbClr val="C00000"/>
+            </a:solidFill>
+          </a:ln>
+        </p:spPr>
+        <p:style>
+          <a:lnRef idx="2">
+            <a:schemeClr val="accent1">
+              <a:shade val="50000"/>
+            </a:schemeClr>
+          </a:lnRef>
+          <a:fillRef idx="1">
+            <a:schemeClr val="accent1"/>
+          </a:fillRef>
+          <a:effectRef idx="0">
+            <a:schemeClr val="accent1"/>
+          </a:effectRef>
+          <a:fontRef idx="minor">
+            <a:schemeClr val="lt1"/>
+          </a:fontRef>
+        </p:style>
+        <p:txBody>
+          <a:bodyPr rtlCol="0" anchor="ctr"/>
+          <a:lstStyle/>
+          <a:p>
+            <a:pPr algn="ctr"/>
+            <a:endParaRPr lang="en-IN" sz="1400"/>
+          </a:p>
+        </p:txBody>
+      </p:sp>
+      <p:sp>
+        <p:nvSpPr>
+          <p:cNvPr id="6" name="Rectangle: Rounded Corners 5">
+            <a:extLst>
+              <a:ext uri="{FF2B5EF4-FFF2-40B4-BE49-F238E27FC236}">
+                <a16:creationId xmlns:a16="http://schemas.microsoft.com/office/drawing/2014/main" id="{A06BA146-A655-415F-8DCE-ED10500F28D3}"/>
+              </a:ext>
+            </a:extLst>
+          </p:cNvPr>
+          <p:cNvSpPr/>
+          <p:nvPr/>
+        </p:nvSpPr>
+        <p:spPr>
+          <a:xfrm rot="2700000">
+            <a:off x="6838259" y="3069049"/>
+            <a:ext cx="1719112" cy="1719112"/>
+          </a:xfrm>
+          <a:prstGeom prst="roundRect">
+            <a:avLst>
+              <a:gd name="adj" fmla="val 20464"/>
+            </a:avLst>
+          </a:prstGeom>
+          <a:noFill/>
+          <a:ln w="34925">
+            <a:solidFill>
+              <a:srgbClr val="C00000"/>
+            </a:solidFill>
+          </a:ln>
+        </p:spPr>
+        <p:style>
+          <a:lnRef idx="2">
+            <a:schemeClr val="accent1">
+              <a:shade val="50000"/>
+            </a:schemeClr>
+          </a:lnRef>
+          <a:fillRef idx="1">
+            <a:schemeClr val="accent1"/>
+          </a:fillRef>
+          <a:effectRef idx="0">
+            <a:schemeClr val="accent1"/>
+          </a:effectRef>
+          <a:fontRef idx="minor">
+            <a:schemeClr val="lt1"/>
+          </a:fontRef>
+        </p:style>
+        <p:txBody>
+          <a:bodyPr rtlCol="0" anchor="ctr"/>
+          <a:lstStyle/>
+          <a:p>
+            <a:pPr algn="ctr"/>
+            <a:endParaRPr lang="en-IN" sz="1400"/>
+          </a:p>
+        </p:txBody>
+      </p:sp>
+      <p:sp>
+        <p:nvSpPr>
+          <p:cNvPr id="7" name="Rectangle: Rounded Corners 6">
+            <a:extLst>
+              <a:ext uri="{FF2B5EF4-FFF2-40B4-BE49-F238E27FC236}">
+                <a16:creationId xmlns:a16="http://schemas.microsoft.com/office/drawing/2014/main" id="{0F5C243C-8AFA-48C1-BC37-34FA15F457A4}"/>
+              </a:ext>
+            </a:extLst>
+          </p:cNvPr>
+          <p:cNvSpPr/>
+          <p:nvPr/>
+        </p:nvSpPr>
+        <p:spPr>
+          <a:xfrm rot="2700000" flipV="1">
+            <a:off x="4540879" y="4118095"/>
+            <a:ext cx="952612" cy="952612"/>
+          </a:xfrm>
+          <a:prstGeom prst="roundRect">
+            <a:avLst>
+              <a:gd name="adj" fmla="val 20464"/>
+            </a:avLst>
+          </a:prstGeom>
+          <a:noFill/>
+          <a:ln w="34925">
+            <a:solidFill>
+              <a:srgbClr val="C00000"/>
+            </a:solidFill>
+          </a:ln>
+        </p:spPr>
+        <p:style>
+          <a:lnRef idx="2">
+            <a:schemeClr val="accent1">
+              <a:shade val="50000"/>
+            </a:schemeClr>
+          </a:lnRef>
+          <a:fillRef idx="1">
+            <a:schemeClr val="accent1"/>
+          </a:fillRef>
+          <a:effectRef idx="0">
+            <a:schemeClr val="accent1"/>
+          </a:effectRef>
+          <a:fontRef idx="minor">
+            <a:schemeClr val="lt1"/>
+          </a:fontRef>
+        </p:style>
+        <p:txBody>
+          <a:bodyPr rtlCol="0" anchor="ctr"/>
+          <a:lstStyle/>
+          <a:p>
+            <a:pPr algn="ctr"/>
+            <a:endParaRPr lang="en-IN" sz="1400"/>
+          </a:p>
+        </p:txBody>
+      </p:sp>
+      <p:sp>
+        <p:nvSpPr>
+          <p:cNvPr id="3" name="Rectangle: Rounded Corners 2">
+            <a:extLst>
+              <a:ext uri="{FF2B5EF4-FFF2-40B4-BE49-F238E27FC236}">
+                <a16:creationId xmlns:a16="http://schemas.microsoft.com/office/drawing/2014/main" id="{E7236F8A-92A8-462D-9C5C-EBB0391EE255}"/>
+              </a:ext>
+            </a:extLst>
+          </p:cNvPr>
+          <p:cNvSpPr/>
+          <p:nvPr/>
+        </p:nvSpPr>
+        <p:spPr>
+          <a:xfrm rot="2700000">
+            <a:off x="4873774" y="2476034"/>
+            <a:ext cx="2632087" cy="2632087"/>
+          </a:xfrm>
+          <a:prstGeom prst="roundRect">
+            <a:avLst>
+              <a:gd name="adj" fmla="val 19126"/>
+            </a:avLst>
+          </a:prstGeom>
+          <a:solidFill>
+            <a:srgbClr val="C00000"/>
+          </a:solidFill>
+          <a:ln>
+            <a:solidFill>
+              <a:srgbClr val="C00000"/>
+            </a:solidFill>
+          </a:ln>
+        </p:spPr>
+        <p:style>
+          <a:lnRef idx="2">
+            <a:schemeClr val="accent1">
+              <a:shade val="50000"/>
+            </a:schemeClr>
+          </a:lnRef>
+          <a:fillRef idx="1">
+            <a:schemeClr val="accent1"/>
+          </a:fillRef>
+          <a:effectRef idx="0">
+            <a:schemeClr val="accent1"/>
+          </a:effectRef>
+          <a:fontRef idx="minor">
+            <a:schemeClr val="lt1"/>
+          </a:fontRef>
+        </p:style>
+        <p:txBody>
+          <a:bodyPr rtlCol="0" anchor="ctr"/>
+          <a:lstStyle/>
+          <a:p>
+            <a:pPr algn="ctr"/>
+            <a:endParaRPr lang="en-IN" sz="1400"/>
+          </a:p>
+        </p:txBody>
+      </p:sp>
+      <p:sp>
+        <p:nvSpPr>
+          <p:cNvPr id="10" name="Title 1">
+            <a:extLst>
+              <a:ext uri="{FF2B5EF4-FFF2-40B4-BE49-F238E27FC236}">
+                <a16:creationId xmlns:a16="http://schemas.microsoft.com/office/drawing/2014/main" id="{A72742A2-6260-4172-8D34-B3FEEEF9BC92}"/>
+              </a:ext>
+            </a:extLst>
+          </p:cNvPr>
+          <p:cNvSpPr txBox="1">
+            <a:spLocks/>
+          </p:cNvSpPr>
+          <p:nvPr/>
+        </p:nvSpPr>
+        <p:spPr>
+          <a:xfrm>
+            <a:off x="5052519" y="3279223"/>
+            <a:ext cx="2274595" cy="1239069"/>
+          </a:xfrm>
+          <a:prstGeom prst="rect">
+            <a:avLst/>
+          </a:prstGeom>
+        </p:spPr>
+        <p:txBody>
+          <a:bodyPr vert="horz"/>
+          <a:lstStyle>
+            <a:lvl1pPr algn="l" defTabSz="914400" rtl="0" eaLnBrk="1" latinLnBrk="0" hangingPunct="1">
+              <a:lnSpc>
+                <a:spcPct val="90000"/>
+              </a:lnSpc>
+              <a:spcBef>
+                <a:spcPct val="0"/>
+              </a:spcBef>
+              <a:buNone/>
+              <a:defRPr sz="3200" b="1" kern="1200">
+                <a:solidFill>
+                  <a:schemeClr val="tx1">
+                    <a:lumMod val="65000"/>
+                    <a:lumOff val="35000"/>
+                  </a:schemeClr>
+                </a:solidFill>
+                <a:latin typeface="Arial" panose="020B0604020202020204" pitchFamily="34" charset="0"/>
+                <a:ea typeface="+mj-ea"/>
+                <a:cs typeface="Arial" panose="020B0604020202020204" pitchFamily="34" charset="0"/>
+              </a:defRPr>
+            </a:lvl1pPr>
+          </a:lstStyle>
+          <a:p>
+            <a:pPr algn="ctr"/>
+            <a:r>
+              <a:rPr lang="en-IN" sz="4400" dirty="0">
+                <a:solidFill>
+                  <a:schemeClr val="tx1">
+                    <a:lumMod val="95000"/>
+                    <a:lumOff val="5000"/>
+                  </a:schemeClr>
+                </a:solidFill>
+              </a:rPr>
+              <a:t>THANK YOU</a:t>
+            </a:r>
+          </a:p>
+        </p:txBody>
+      </p:sp>
+      <p:sp>
+        <p:nvSpPr>
+          <p:cNvPr id="15" name="Freeform: Shape 14">
+            <a:extLst>
+              <a:ext uri="{FF2B5EF4-FFF2-40B4-BE49-F238E27FC236}">
+                <a16:creationId xmlns:a16="http://schemas.microsoft.com/office/drawing/2014/main" id="{92A43068-9F93-4923-849F-C40C2616E5FD}"/>
+              </a:ext>
+            </a:extLst>
+          </p:cNvPr>
+          <p:cNvSpPr/>
+          <p:nvPr/>
+        </p:nvSpPr>
+        <p:spPr>
+          <a:xfrm rot="2700000">
+            <a:off x="6514438" y="5459984"/>
+            <a:ext cx="1597667" cy="1597667"/>
+          </a:xfrm>
+          <a:custGeom>
+            <a:avLst/>
+            <a:gdLst>
+              <a:gd name="connsiteX0" fmla="*/ 89500 w 1597666"/>
+              <a:gd name="connsiteY0" fmla="*/ 89500 h 1597666"/>
+              <a:gd name="connsiteX1" fmla="*/ 305570 w 1597666"/>
+              <a:gd name="connsiteY1" fmla="*/ 0 h 1597666"/>
+              <a:gd name="connsiteX2" fmla="*/ 1292096 w 1597666"/>
+              <a:gd name="connsiteY2" fmla="*/ 0 h 1597666"/>
+              <a:gd name="connsiteX3" fmla="*/ 1597666 w 1597666"/>
+              <a:gd name="connsiteY3" fmla="*/ 305570 h 1597666"/>
+              <a:gd name="connsiteX4" fmla="*/ 1597666 w 1597666"/>
+              <a:gd name="connsiteY4" fmla="*/ 828667 h 1597666"/>
+              <a:gd name="connsiteX5" fmla="*/ 828667 w 1597666"/>
+              <a:gd name="connsiteY5" fmla="*/ 1597666 h 1597666"/>
+              <a:gd name="connsiteX6" fmla="*/ 305570 w 1597666"/>
+              <a:gd name="connsiteY6" fmla="*/ 1597666 h 1597666"/>
+              <a:gd name="connsiteX7" fmla="*/ 0 w 1597666"/>
+              <a:gd name="connsiteY7" fmla="*/ 1292096 h 1597666"/>
+              <a:gd name="connsiteX8" fmla="*/ 0 w 1597666"/>
+              <a:gd name="connsiteY8" fmla="*/ 305570 h 1597666"/>
+              <a:gd name="connsiteX9" fmla="*/ 89500 w 1597666"/>
+              <a:gd name="connsiteY9" fmla="*/ 89500 h 1597666"/>
+            </a:gdLst>
+            <a:ahLst/>
+            <a:cxnLst>
+              <a:cxn ang="0">
+                <a:pos x="connsiteX0" y="connsiteY0"/>
+              </a:cxn>
+              <a:cxn ang="0">
+                <a:pos x="connsiteX1" y="connsiteY1"/>
+              </a:cxn>
+              <a:cxn ang="0">
+                <a:pos x="connsiteX2" y="connsiteY2"/>
+              </a:cxn>
+              <a:cxn ang="0">
+                <a:pos x="connsiteX3" y="connsiteY3"/>
+              </a:cxn>
+              <a:cxn ang="0">
+                <a:pos x="connsiteX4" y="connsiteY4"/>
+              </a:cxn>
+              <a:cxn ang="0">
+                <a:pos x="connsiteX5" y="connsiteY5"/>
+              </a:cxn>
+              <a:cxn ang="0">
+                <a:pos x="connsiteX6" y="connsiteY6"/>
+              </a:cxn>
+              <a:cxn ang="0">
+                <a:pos x="connsiteX7" y="connsiteY7"/>
+              </a:cxn>
+              <a:cxn ang="0">
+                <a:pos x="connsiteX8" y="connsiteY8"/>
+              </a:cxn>
+              <a:cxn ang="0">
+                <a:pos x="connsiteX9" y="connsiteY9"/>
+              </a:cxn>
+            </a:cxnLst>
+            <a:rect l="l" t="t" r="r" b="b"/>
+            <a:pathLst>
+              <a:path w="1597666" h="1597666">
+                <a:moveTo>
+                  <a:pt x="89500" y="89500"/>
+                </a:moveTo>
+                <a:cubicBezTo>
+                  <a:pt x="144796" y="34202"/>
+                  <a:pt x="221189" y="0"/>
+                  <a:pt x="305570" y="0"/>
+                </a:cubicBezTo>
+                <a:lnTo>
+                  <a:pt x="1292096" y="0"/>
+                </a:lnTo>
+                <a:cubicBezTo>
+                  <a:pt x="1460858" y="0"/>
+                  <a:pt x="1597666" y="136808"/>
+                  <a:pt x="1597666" y="305570"/>
+                </a:cubicBezTo>
+                <a:lnTo>
+                  <a:pt x="1597666" y="828667"/>
+                </a:lnTo>
+                <a:lnTo>
+                  <a:pt x="828667" y="1597666"/>
+                </a:lnTo>
+                <a:lnTo>
+                  <a:pt x="305570" y="1597666"/>
+                </a:lnTo>
+                <a:cubicBezTo>
+                  <a:pt x="136808" y="1597666"/>
+                  <a:pt x="0" y="1460858"/>
+                  <a:pt x="0" y="1292096"/>
+                </a:cubicBezTo>
+                <a:lnTo>
+                  <a:pt x="0" y="305570"/>
+                </a:lnTo>
+                <a:cubicBezTo>
+                  <a:pt x="0" y="221189"/>
+                  <a:pt x="34202" y="144796"/>
+                  <a:pt x="89500" y="89500"/>
+                </a:cubicBezTo>
+                <a:close/>
+              </a:path>
+            </a:pathLst>
+          </a:custGeom>
+          <a:solidFill>
+            <a:schemeClr val="accent2">
+              <a:alpha val="16000"/>
+            </a:schemeClr>
+          </a:solidFill>
+          <a:ln>
+            <a:noFill/>
+          </a:ln>
+        </p:spPr>
+        <p:style>
+          <a:lnRef idx="2">
+            <a:schemeClr val="accent1">
+              <a:shade val="50000"/>
+            </a:schemeClr>
+          </a:lnRef>
+          <a:fillRef idx="1">
+            <a:schemeClr val="accent1"/>
+          </a:fillRef>
+          <a:effectRef idx="0">
+            <a:schemeClr val="accent1"/>
+          </a:effectRef>
+          <a:fontRef idx="minor">
+            <a:schemeClr val="lt1"/>
+          </a:fontRef>
+        </p:style>
+        <p:txBody>
+          <a:bodyPr wrap="square" rtlCol="0" anchor="ctr">
+            <a:noAutofit/>
+          </a:bodyPr>
+          <a:lstStyle/>
+          <a:p>
+            <a:pPr algn="ctr"/>
+            <a:endParaRPr lang="en-IN" sz="1400"/>
+          </a:p>
+        </p:txBody>
+      </p:sp>
+      <p:sp>
+        <p:nvSpPr>
+          <p:cNvPr id="12" name="Rectangle: Rounded Corners 11">
+            <a:extLst>
+              <a:ext uri="{FF2B5EF4-FFF2-40B4-BE49-F238E27FC236}">
+                <a16:creationId xmlns:a16="http://schemas.microsoft.com/office/drawing/2014/main" id="{03F0C82F-60D6-4E8E-8658-1945239ECDC7}"/>
+              </a:ext>
+            </a:extLst>
+          </p:cNvPr>
+          <p:cNvSpPr/>
+          <p:nvPr/>
+        </p:nvSpPr>
+        <p:spPr>
+          <a:xfrm rot="2700000">
+            <a:off x="6510290" y="359620"/>
+            <a:ext cx="1597667" cy="1597667"/>
+          </a:xfrm>
+          <a:prstGeom prst="roundRect">
+            <a:avLst>
+              <a:gd name="adj" fmla="val 19126"/>
+            </a:avLst>
+          </a:prstGeom>
+          <a:solidFill>
+            <a:schemeClr val="accent2">
+              <a:alpha val="16000"/>
+            </a:schemeClr>
+          </a:solidFill>
+          <a:ln>
+            <a:noFill/>
+          </a:ln>
+        </p:spPr>
+        <p:style>
+          <a:lnRef idx="2">
+            <a:schemeClr val="accent1">
+              <a:shade val="50000"/>
+            </a:schemeClr>
+          </a:lnRef>
+          <a:fillRef idx="1">
+            <a:schemeClr val="accent1"/>
+          </a:fillRef>
+          <a:effectRef idx="0">
+            <a:schemeClr val="accent1"/>
+          </a:effectRef>
+          <a:fontRef idx="minor">
+            <a:schemeClr val="lt1"/>
+          </a:fontRef>
+        </p:style>
+        <p:txBody>
+          <a:bodyPr rtlCol="0" anchor="ctr"/>
+          <a:lstStyle/>
+          <a:p>
+            <a:pPr algn="ctr"/>
+            <a:endParaRPr lang="en-IN" sz="1400"/>
+          </a:p>
+        </p:txBody>
+      </p:sp>
+      <p:sp>
+        <p:nvSpPr>
+          <p:cNvPr id="13" name="Rectangle: Rounded Corners 12">
+            <a:extLst>
+              <a:ext uri="{FF2B5EF4-FFF2-40B4-BE49-F238E27FC236}">
+                <a16:creationId xmlns:a16="http://schemas.microsoft.com/office/drawing/2014/main" id="{8632F3FE-74FC-4251-9C8C-0D58948AEC51}"/>
+              </a:ext>
+            </a:extLst>
+          </p:cNvPr>
+          <p:cNvSpPr/>
+          <p:nvPr/>
+        </p:nvSpPr>
+        <p:spPr>
+          <a:xfrm rot="2700000">
+            <a:off x="2631201" y="2321567"/>
+            <a:ext cx="1597667" cy="1597667"/>
+          </a:xfrm>
+          <a:prstGeom prst="roundRect">
+            <a:avLst>
+              <a:gd name="adj" fmla="val 19126"/>
+            </a:avLst>
+          </a:prstGeom>
+          <a:solidFill>
+            <a:schemeClr val="accent2">
+              <a:alpha val="16000"/>
+            </a:schemeClr>
+          </a:solidFill>
+          <a:ln>
+            <a:noFill/>
+          </a:ln>
+        </p:spPr>
+        <p:style>
+          <a:lnRef idx="2">
+            <a:schemeClr val="accent1">
+              <a:shade val="50000"/>
+            </a:schemeClr>
+          </a:lnRef>
+          <a:fillRef idx="1">
+            <a:schemeClr val="accent1"/>
+          </a:fillRef>
+          <a:effectRef idx="0">
+            <a:schemeClr val="accent1"/>
+          </a:effectRef>
+          <a:fontRef idx="minor">
+            <a:schemeClr val="lt1"/>
+          </a:fontRef>
+        </p:style>
+        <p:txBody>
+          <a:bodyPr rtlCol="0" anchor="ctr"/>
+          <a:lstStyle/>
+          <a:p>
+            <a:pPr algn="ctr"/>
+            <a:endParaRPr lang="en-IN" sz="1400"/>
+          </a:p>
+        </p:txBody>
+      </p:sp>
+    </p:spTree>
+    <p:extLst>
+      <p:ext uri="{BB962C8B-B14F-4D97-AF65-F5344CB8AC3E}">
+        <p14:creationId xmlns:p14="http://schemas.microsoft.com/office/powerpoint/2010/main" val="389667142"/>
       </p:ext>
     </p:extLst>
   </p:cSld>
@@ -11007,6 +15632,234 @@
                 </a:solidFill>
                 <a:effectLst/>
               </a:rPr>
+              <a:t>Types of Arguments:</a:t>
+            </a:r>
+          </a:p>
+        </p:txBody>
+      </p:sp>
+      <p:sp>
+        <p:nvSpPr>
+          <p:cNvPr id="52" name="TextBox 51">
+            <a:extLst>
+              <a:ext uri="{FF2B5EF4-FFF2-40B4-BE49-F238E27FC236}">
+                <a16:creationId xmlns:a16="http://schemas.microsoft.com/office/drawing/2014/main" id="{A5621993-6CE4-4394-A423-BEDD3B16CD16}"/>
+              </a:ext>
+            </a:extLst>
+          </p:cNvPr>
+          <p:cNvSpPr txBox="1"/>
+          <p:nvPr/>
+        </p:nvSpPr>
+        <p:spPr>
+          <a:xfrm>
+            <a:off x="663714" y="2160411"/>
+            <a:ext cx="5169196" cy="3539430"/>
+          </a:xfrm>
+          <a:prstGeom prst="rect">
+            <a:avLst/>
+          </a:prstGeom>
+          <a:noFill/>
+        </p:spPr>
+        <p:txBody>
+          <a:bodyPr wrap="square" rtlCol="0">
+            <a:spAutoFit/>
+          </a:bodyPr>
+          <a:lstStyle/>
+          <a:p>
+            <a:pPr marL="457200" indent="-457200">
+              <a:buFont typeface="Arial" panose="020B0604020202020204" pitchFamily="34" charset="0"/>
+              <a:buChar char="•"/>
+            </a:pPr>
+            <a:r>
+              <a:rPr lang="en-US" sz="3200" dirty="0">
+                <a:solidFill>
+                  <a:schemeClr val="bg1"/>
+                </a:solidFill>
+              </a:rPr>
+              <a:t>Positional Arguments</a:t>
+            </a:r>
+          </a:p>
+          <a:p>
+            <a:pPr marL="457200" indent="-457200">
+              <a:buFont typeface="Arial" panose="020B0604020202020204" pitchFamily="34" charset="0"/>
+              <a:buChar char="•"/>
+            </a:pPr>
+            <a:endParaRPr lang="en-US" sz="3200" dirty="0">
+              <a:solidFill>
+                <a:schemeClr val="bg1"/>
+              </a:solidFill>
+            </a:endParaRPr>
+          </a:p>
+          <a:p>
+            <a:pPr marL="457200" indent="-457200">
+              <a:buFont typeface="Arial" panose="020B0604020202020204" pitchFamily="34" charset="0"/>
+              <a:buChar char="•"/>
+            </a:pPr>
+            <a:r>
+              <a:rPr lang="en-US" sz="3200" dirty="0">
+                <a:solidFill>
+                  <a:schemeClr val="bg1"/>
+                </a:solidFill>
+              </a:rPr>
+              <a:t>Keyword Arguments</a:t>
+            </a:r>
+          </a:p>
+          <a:p>
+            <a:endParaRPr lang="en-US" sz="3200" dirty="0">
+              <a:solidFill>
+                <a:schemeClr val="bg1"/>
+              </a:solidFill>
+            </a:endParaRPr>
+          </a:p>
+          <a:p>
+            <a:pPr marL="457200" indent="-457200">
+              <a:buFont typeface="Arial" panose="020B0604020202020204" pitchFamily="34" charset="0"/>
+              <a:buChar char="•"/>
+            </a:pPr>
+            <a:r>
+              <a:rPr lang="en-US" sz="3200" dirty="0">
+                <a:solidFill>
+                  <a:schemeClr val="bg1"/>
+                </a:solidFill>
+              </a:rPr>
+              <a:t>Default Arguments</a:t>
+            </a:r>
+          </a:p>
+          <a:p>
+            <a:pPr marL="457200" indent="-457200">
+              <a:buFont typeface="Arial" panose="020B0604020202020204" pitchFamily="34" charset="0"/>
+              <a:buChar char="•"/>
+            </a:pPr>
+            <a:endParaRPr lang="en-US" sz="3200" dirty="0">
+              <a:solidFill>
+                <a:schemeClr val="bg1"/>
+              </a:solidFill>
+            </a:endParaRPr>
+          </a:p>
+          <a:p>
+            <a:pPr marL="457200" indent="-457200">
+              <a:buFont typeface="Arial" panose="020B0604020202020204" pitchFamily="34" charset="0"/>
+              <a:buChar char="•"/>
+            </a:pPr>
+            <a:r>
+              <a:rPr lang="en-US" sz="3200" dirty="0">
+                <a:solidFill>
+                  <a:schemeClr val="bg1"/>
+                </a:solidFill>
+              </a:rPr>
+              <a:t>Variable-length Arguments</a:t>
+            </a:r>
+          </a:p>
+        </p:txBody>
+      </p:sp>
+      <p:pic>
+        <p:nvPicPr>
+          <p:cNvPr id="10" name="Picture 9">
+            <a:extLst>
+              <a:ext uri="{FF2B5EF4-FFF2-40B4-BE49-F238E27FC236}">
+                <a16:creationId xmlns:a16="http://schemas.microsoft.com/office/drawing/2014/main" id="{089FA2B5-3200-498F-B7A8-FE60797B49B4}"/>
+              </a:ext>
+            </a:extLst>
+          </p:cNvPr>
+          <p:cNvPicPr>
+            <a:picLocks noChangeAspect="1"/>
+          </p:cNvPicPr>
+          <p:nvPr/>
+        </p:nvPicPr>
+        <p:blipFill>
+          <a:blip r:embed="rId2">
+            <a:extLst>
+              <a:ext uri="{28A0092B-C50C-407E-A947-70E740481C1C}">
+                <a14:useLocalDpi xmlns:a14="http://schemas.microsoft.com/office/drawing/2010/main" val="0"/>
+              </a:ext>
+            </a:extLst>
+          </a:blip>
+          <a:stretch>
+            <a:fillRect/>
+          </a:stretch>
+        </p:blipFill>
+        <p:spPr>
+          <a:xfrm>
+            <a:off x="5446345" y="2722751"/>
+            <a:ext cx="6522297" cy="2219275"/>
+          </a:xfrm>
+          <a:prstGeom prst="rect">
+            <a:avLst/>
+          </a:prstGeom>
+        </p:spPr>
+      </p:pic>
+    </p:spTree>
+    <p:extLst>
+      <p:ext uri="{BB962C8B-B14F-4D97-AF65-F5344CB8AC3E}">
+        <p14:creationId xmlns:p14="http://schemas.microsoft.com/office/powerpoint/2010/main" val="287766853"/>
+      </p:ext>
+    </p:extLst>
+  </p:cSld>
+  <p:clrMapOvr>
+    <a:masterClrMapping/>
+  </p:clrMapOvr>
+</p:sld>
+</file>
+
+<file path=ppt/slides/slide8.xml><?xml version="1.0" encoding="utf-8"?>
+<p:sld xmlns:a="http://schemas.openxmlformats.org/drawingml/2006/main" xmlns:r="http://schemas.openxmlformats.org/officeDocument/2006/relationships" xmlns:p="http://schemas.openxmlformats.org/presentationml/2006/main">
+  <p:cSld>
+    <p:bg>
+      <p:bgPr>
+        <a:solidFill>
+          <a:schemeClr val="tx1"/>
+        </a:solidFill>
+        <a:effectLst/>
+      </p:bgPr>
+    </p:bg>
+    <p:spTree>
+      <p:nvGrpSpPr>
+        <p:cNvPr id="1" name=""/>
+        <p:cNvGrpSpPr/>
+        <p:nvPr/>
+      </p:nvGrpSpPr>
+      <p:grpSpPr>
+        <a:xfrm>
+          <a:off x="0" y="0"/>
+          <a:ext cx="0" cy="0"/>
+          <a:chOff x="0" y="0"/>
+          <a:chExt cx="0" cy="0"/>
+        </a:xfrm>
+      </p:grpSpPr>
+      <p:sp>
+        <p:nvSpPr>
+          <p:cNvPr id="2" name="Title 1">
+            <a:extLst>
+              <a:ext uri="{FF2B5EF4-FFF2-40B4-BE49-F238E27FC236}">
+                <a16:creationId xmlns:a16="http://schemas.microsoft.com/office/drawing/2014/main" id="{0D1F047C-C727-42A7-85C5-68C5AA1B1A93}"/>
+              </a:ext>
+            </a:extLst>
+          </p:cNvPr>
+          <p:cNvSpPr>
+            <a:spLocks noGrp="1"/>
+          </p:cNvSpPr>
+          <p:nvPr>
+            <p:ph type="ctrTitle"/>
+          </p:nvPr>
+        </p:nvSpPr>
+        <p:spPr>
+          <a:xfrm>
+            <a:off x="1375983" y="99849"/>
+            <a:ext cx="9440034" cy="1191998"/>
+          </a:xfrm>
+        </p:spPr>
+        <p:txBody>
+          <a:bodyPr>
+            <a:normAutofit/>
+          </a:bodyPr>
+          <a:lstStyle/>
+          <a:p>
+            <a:r>
+              <a:rPr lang="en-US" sz="4900" b="1" dirty="0">
+                <a:solidFill>
+                  <a:schemeClr val="accent3"/>
+                </a:solidFill>
+                <a:effectLst/>
+              </a:rPr>
               <a:t>Positional Arguments in Python</a:t>
             </a:r>
           </a:p>
@@ -11792,7 +16645,7 @@
 </p:sld>
 </file>
 
-<file path=ppt/slides/slide8.xml><?xml version="1.0" encoding="utf-8"?>
+<file path=ppt/slides/slide9.xml><?xml version="1.0" encoding="utf-8"?>
 <p:sld xmlns:a="http://schemas.openxmlformats.org/drawingml/2006/main" xmlns:r="http://schemas.openxmlformats.org/officeDocument/2006/relationships" xmlns:p="http://schemas.openxmlformats.org/presentationml/2006/main">
   <p:cSld>
     <p:bg>
@@ -12589,917 +17442,6 @@
 </p:sld>
 </file>
 
-<file path=ppt/slides/slide9.xml><?xml version="1.0" encoding="utf-8"?>
-<p:sld xmlns:a="http://schemas.openxmlformats.org/drawingml/2006/main" xmlns:r="http://schemas.openxmlformats.org/officeDocument/2006/relationships" xmlns:p="http://schemas.openxmlformats.org/presentationml/2006/main">
-  <p:cSld>
-    <p:bg>
-      <p:bgPr>
-        <a:solidFill>
-          <a:schemeClr val="tx1"/>
-        </a:solidFill>
-        <a:effectLst/>
-      </p:bgPr>
-    </p:bg>
-    <p:spTree>
-      <p:nvGrpSpPr>
-        <p:cNvPr id="1" name=""/>
-        <p:cNvGrpSpPr/>
-        <p:nvPr/>
-      </p:nvGrpSpPr>
-      <p:grpSpPr>
-        <a:xfrm>
-          <a:off x="0" y="0"/>
-          <a:ext cx="0" cy="0"/>
-          <a:chOff x="0" y="0"/>
-          <a:chExt cx="0" cy="0"/>
-        </a:xfrm>
-      </p:grpSpPr>
-      <p:sp>
-        <p:nvSpPr>
-          <p:cNvPr id="2" name="Title 1">
-            <a:extLst>
-              <a:ext uri="{FF2B5EF4-FFF2-40B4-BE49-F238E27FC236}">
-                <a16:creationId xmlns:a16="http://schemas.microsoft.com/office/drawing/2014/main" id="{0D1F047C-C727-42A7-85C5-68C5AA1B1A93}"/>
-              </a:ext>
-            </a:extLst>
-          </p:cNvPr>
-          <p:cNvSpPr>
-            <a:spLocks noGrp="1"/>
-          </p:cNvSpPr>
-          <p:nvPr>
-            <p:ph type="ctrTitle"/>
-          </p:nvPr>
-        </p:nvSpPr>
-        <p:spPr>
-          <a:xfrm>
-            <a:off x="1375983" y="99849"/>
-            <a:ext cx="9440034" cy="1191998"/>
-          </a:xfrm>
-        </p:spPr>
-        <p:txBody>
-          <a:bodyPr>
-            <a:normAutofit/>
-          </a:bodyPr>
-          <a:lstStyle/>
-          <a:p>
-            <a:r>
-              <a:rPr lang="en-US" sz="4900" b="1" dirty="0">
-                <a:solidFill>
-                  <a:schemeClr val="accent3"/>
-                </a:solidFill>
-                <a:effectLst/>
-              </a:rPr>
-              <a:t>*</a:t>
-            </a:r>
-            <a:r>
-              <a:rPr lang="en-US" sz="4900" b="1" dirty="0" err="1">
-                <a:solidFill>
-                  <a:schemeClr val="accent3"/>
-                </a:solidFill>
-                <a:effectLst/>
-              </a:rPr>
-              <a:t>args</a:t>
-            </a:r>
-            <a:r>
-              <a:rPr lang="en-US" sz="4900" b="1" dirty="0">
-                <a:solidFill>
-                  <a:schemeClr val="accent3"/>
-                </a:solidFill>
-                <a:effectLst/>
-              </a:rPr>
-              <a:t> in Python</a:t>
-            </a:r>
-          </a:p>
-        </p:txBody>
-      </p:sp>
-      <p:pic>
-        <p:nvPicPr>
-          <p:cNvPr id="33" name="Picture 32">
-            <a:extLst>
-              <a:ext uri="{FF2B5EF4-FFF2-40B4-BE49-F238E27FC236}">
-                <a16:creationId xmlns:a16="http://schemas.microsoft.com/office/drawing/2014/main" id="{1D28FB0D-0A70-4CF5-8405-1A7763C85719}"/>
-              </a:ext>
-            </a:extLst>
-          </p:cNvPr>
-          <p:cNvPicPr>
-            <a:picLocks noChangeAspect="1"/>
-          </p:cNvPicPr>
-          <p:nvPr/>
-        </p:nvPicPr>
-        <p:blipFill rotWithShape="1">
-          <a:blip r:embed="rId2"/>
-          <a:srcRect t="33925" b="26822"/>
-          <a:stretch/>
-        </p:blipFill>
-        <p:spPr>
-          <a:xfrm>
-            <a:off x="1335343" y="5378127"/>
-            <a:ext cx="6126985" cy="1336257"/>
-          </a:xfrm>
-          <a:prstGeom prst="rect">
-            <a:avLst/>
-          </a:prstGeom>
-        </p:spPr>
-      </p:pic>
-      <p:grpSp>
-        <p:nvGrpSpPr>
-          <p:cNvPr id="22" name="Group 21">
-            <a:extLst>
-              <a:ext uri="{FF2B5EF4-FFF2-40B4-BE49-F238E27FC236}">
-                <a16:creationId xmlns:a16="http://schemas.microsoft.com/office/drawing/2014/main" id="{AE40FEA2-F40A-4240-B2EF-91A536BB0F3D}"/>
-              </a:ext>
-            </a:extLst>
-          </p:cNvPr>
-          <p:cNvGrpSpPr/>
-          <p:nvPr/>
-        </p:nvGrpSpPr>
-        <p:grpSpPr>
-          <a:xfrm>
-            <a:off x="7545821" y="1874507"/>
-            <a:ext cx="4349192" cy="2166919"/>
-            <a:chOff x="3805295" y="4653207"/>
-            <a:chExt cx="4349192" cy="2166919"/>
-          </a:xfrm>
-        </p:grpSpPr>
-        <p:grpSp>
-          <p:nvGrpSpPr>
-            <p:cNvPr id="24" name="Group 23">
-              <a:extLst>
-                <a:ext uri="{FF2B5EF4-FFF2-40B4-BE49-F238E27FC236}">
-                  <a16:creationId xmlns:a16="http://schemas.microsoft.com/office/drawing/2014/main" id="{DC7A15DB-6AB3-49B0-90AF-3AB5A0EEBB9D}"/>
-                </a:ext>
-              </a:extLst>
-            </p:cNvPr>
-            <p:cNvGrpSpPr/>
-            <p:nvPr/>
-          </p:nvGrpSpPr>
-          <p:grpSpPr>
-            <a:xfrm>
-              <a:off x="3805295" y="4693586"/>
-              <a:ext cx="4349192" cy="2126540"/>
-              <a:chOff x="2376485" y="2118830"/>
-              <a:chExt cx="5456905" cy="2126540"/>
-            </a:xfrm>
-          </p:grpSpPr>
-          <p:sp>
-            <p:nvSpPr>
-              <p:cNvPr id="27" name="TextBox 26">
-                <a:extLst>
-                  <a:ext uri="{FF2B5EF4-FFF2-40B4-BE49-F238E27FC236}">
-                    <a16:creationId xmlns:a16="http://schemas.microsoft.com/office/drawing/2014/main" id="{F1374E2D-910D-4964-97E1-D401047F344C}"/>
-                  </a:ext>
-                </a:extLst>
-              </p:cNvPr>
-              <p:cNvSpPr txBox="1"/>
-              <p:nvPr/>
-            </p:nvSpPr>
-            <p:spPr>
-              <a:xfrm>
-                <a:off x="2935440" y="2118830"/>
-                <a:ext cx="2090447" cy="461665"/>
-              </a:xfrm>
-              <a:prstGeom prst="rect">
-                <a:avLst/>
-              </a:prstGeom>
-              <a:noFill/>
-            </p:spPr>
-            <p:txBody>
-              <a:bodyPr wrap="square" rtlCol="0">
-                <a:spAutoFit/>
-              </a:bodyPr>
-              <a:lstStyle/>
-              <a:p>
-                <a:pPr algn="ctr"/>
-                <a:r>
-                  <a:rPr lang="en-US" sz="2400" b="1" u="sng" dirty="0">
-                    <a:solidFill>
-                      <a:schemeClr val="bg1"/>
-                    </a:solidFill>
-                  </a:rPr>
-                  <a:t>Example</a:t>
-                </a:r>
-              </a:p>
-            </p:txBody>
-          </p:sp>
-          <p:sp>
-            <p:nvSpPr>
-              <p:cNvPr id="28" name="TextBox 27">
-                <a:extLst>
-                  <a:ext uri="{FF2B5EF4-FFF2-40B4-BE49-F238E27FC236}">
-                    <a16:creationId xmlns:a16="http://schemas.microsoft.com/office/drawing/2014/main" id="{24D78B0C-E40B-4B3B-B680-93412D1EF246}"/>
-                  </a:ext>
-                </a:extLst>
-              </p:cNvPr>
-              <p:cNvSpPr txBox="1"/>
-              <p:nvPr/>
-            </p:nvSpPr>
-            <p:spPr>
-              <a:xfrm>
-                <a:off x="2376485" y="2768042"/>
-                <a:ext cx="5456905" cy="1477328"/>
-              </a:xfrm>
-              <a:prstGeom prst="rect">
-                <a:avLst/>
-              </a:prstGeom>
-              <a:noFill/>
-            </p:spPr>
-            <p:txBody>
-              <a:bodyPr wrap="square" rtlCol="0">
-                <a:spAutoFit/>
-              </a:bodyPr>
-              <a:lstStyle/>
-              <a:p>
-                <a:r>
-                  <a:rPr lang="en-US" i="1" dirty="0">
-                    <a:solidFill>
-                      <a:schemeClr val="bg1"/>
-                    </a:solidFill>
-                    <a:highlight>
-                      <a:srgbClr val="C0C0C0"/>
-                    </a:highlight>
-                  </a:rPr>
-                  <a:t>def </a:t>
-                </a:r>
-                <a:r>
-                  <a:rPr lang="en-US" i="1" dirty="0" err="1">
-                    <a:solidFill>
-                      <a:schemeClr val="bg1"/>
-                    </a:solidFill>
-                    <a:highlight>
-                      <a:srgbClr val="C0C0C0"/>
-                    </a:highlight>
-                  </a:rPr>
-                  <a:t>concatenate_strings</a:t>
-                </a:r>
-                <a:r>
-                  <a:rPr lang="en-US" i="1" dirty="0">
-                    <a:solidFill>
-                      <a:schemeClr val="bg1"/>
-                    </a:solidFill>
-                    <a:highlight>
-                      <a:srgbClr val="C0C0C0"/>
-                    </a:highlight>
-                  </a:rPr>
-                  <a:t>(*</a:t>
-                </a:r>
-                <a:r>
-                  <a:rPr lang="en-US" i="1" dirty="0" err="1">
-                    <a:solidFill>
-                      <a:schemeClr val="bg1"/>
-                    </a:solidFill>
-                    <a:highlight>
-                      <a:srgbClr val="C0C0C0"/>
-                    </a:highlight>
-                  </a:rPr>
-                  <a:t>args</a:t>
-                </a:r>
-                <a:r>
-                  <a:rPr lang="en-US" i="1" dirty="0">
-                    <a:solidFill>
-                      <a:schemeClr val="bg1"/>
-                    </a:solidFill>
-                    <a:highlight>
-                      <a:srgbClr val="C0C0C0"/>
-                    </a:highlight>
-                  </a:rPr>
-                  <a:t>):</a:t>
-                </a:r>
-              </a:p>
-              <a:p>
-                <a:r>
-                  <a:rPr lang="en-US" i="1" dirty="0">
-                    <a:solidFill>
-                      <a:schemeClr val="bg1"/>
-                    </a:solidFill>
-                    <a:highlight>
-                      <a:srgbClr val="C0C0C0"/>
-                    </a:highlight>
-                  </a:rPr>
-                  <a:t>    return " ".join(</a:t>
-                </a:r>
-                <a:r>
-                  <a:rPr lang="en-US" i="1" dirty="0" err="1">
-                    <a:solidFill>
-                      <a:schemeClr val="bg1"/>
-                    </a:solidFill>
-                    <a:highlight>
-                      <a:srgbClr val="C0C0C0"/>
-                    </a:highlight>
-                  </a:rPr>
-                  <a:t>args</a:t>
-                </a:r>
-                <a:r>
-                  <a:rPr lang="en-US" i="1" dirty="0">
-                    <a:solidFill>
-                      <a:schemeClr val="bg1"/>
-                    </a:solidFill>
-                    <a:highlight>
-                      <a:srgbClr val="C0C0C0"/>
-                    </a:highlight>
-                  </a:rPr>
-                  <a:t>)</a:t>
-                </a:r>
-              </a:p>
-              <a:p>
-                <a:r>
-                  <a:rPr lang="en-US" i="1" dirty="0">
-                    <a:solidFill>
-                      <a:schemeClr val="bg1"/>
-                    </a:solidFill>
-                    <a:highlight>
-                      <a:srgbClr val="C0C0C0"/>
-                    </a:highlight>
-                  </a:rPr>
-                  <a:t>result = </a:t>
-                </a:r>
-                <a:r>
-                  <a:rPr lang="en-US" i="1" dirty="0" err="1">
-                    <a:solidFill>
-                      <a:schemeClr val="bg1"/>
-                    </a:solidFill>
-                    <a:highlight>
-                      <a:srgbClr val="C0C0C0"/>
-                    </a:highlight>
-                  </a:rPr>
-                  <a:t>concatenate_strings</a:t>
-                </a:r>
-                <a:r>
-                  <a:rPr lang="en-US" i="1" dirty="0">
-                    <a:solidFill>
-                      <a:schemeClr val="bg1"/>
-                    </a:solidFill>
-                    <a:highlight>
-                      <a:srgbClr val="C0C0C0"/>
-                    </a:highlight>
-                  </a:rPr>
-                  <a:t>("Hello", "world", "from", "Python!")</a:t>
-                </a:r>
-              </a:p>
-              <a:p>
-                <a:r>
-                  <a:rPr lang="en-US" i="1" dirty="0">
-                    <a:solidFill>
-                      <a:schemeClr val="bg1"/>
-                    </a:solidFill>
-                    <a:highlight>
-                      <a:srgbClr val="C0C0C0"/>
-                    </a:highlight>
-                  </a:rPr>
-                  <a:t>print(result)  # Output: Hello world from Python!</a:t>
-                </a:r>
-              </a:p>
-            </p:txBody>
-          </p:sp>
-        </p:grpSp>
-        <p:pic>
-          <p:nvPicPr>
-            <p:cNvPr id="25" name="Picture 24">
-              <a:extLst>
-                <a:ext uri="{FF2B5EF4-FFF2-40B4-BE49-F238E27FC236}">
-                  <a16:creationId xmlns:a16="http://schemas.microsoft.com/office/drawing/2014/main" id="{30AB870B-B5FF-4DE7-95B5-62FAE5371E77}"/>
-                </a:ext>
-              </a:extLst>
-            </p:cNvPr>
-            <p:cNvPicPr>
-              <a:picLocks noChangeAspect="1"/>
-            </p:cNvPicPr>
-            <p:nvPr/>
-          </p:nvPicPr>
-          <p:blipFill>
-            <a:blip r:embed="rId3">
-              <a:extLst>
-                <a:ext uri="{28A0092B-C50C-407E-A947-70E740481C1C}">
-                  <a14:useLocalDpi xmlns:a14="http://schemas.microsoft.com/office/drawing/2010/main" val="0"/>
-                </a:ext>
-              </a:extLst>
-            </a:blip>
-            <a:stretch>
-              <a:fillRect/>
-            </a:stretch>
-          </p:blipFill>
-          <p:spPr>
-            <a:xfrm>
-              <a:off x="3805296" y="4653207"/>
-              <a:ext cx="524712" cy="524712"/>
-            </a:xfrm>
-            <a:prstGeom prst="rect">
-              <a:avLst/>
-            </a:prstGeom>
-          </p:spPr>
-        </p:pic>
-      </p:grpSp>
-      <p:pic>
-        <p:nvPicPr>
-          <p:cNvPr id="14" name="Picture 13">
-            <a:extLst>
-              <a:ext uri="{FF2B5EF4-FFF2-40B4-BE49-F238E27FC236}">
-                <a16:creationId xmlns:a16="http://schemas.microsoft.com/office/drawing/2014/main" id="{72CEB0E1-3D82-4D0D-8F92-3DA0BE55E424}"/>
-              </a:ext>
-            </a:extLst>
-          </p:cNvPr>
-          <p:cNvPicPr>
-            <a:picLocks noChangeAspect="1"/>
-          </p:cNvPicPr>
-          <p:nvPr/>
-        </p:nvPicPr>
-        <p:blipFill>
-          <a:blip r:embed="rId4">
-            <a:extLst>
-              <a:ext uri="{28A0092B-C50C-407E-A947-70E740481C1C}">
-                <a14:useLocalDpi xmlns:a14="http://schemas.microsoft.com/office/drawing/2010/main" val="0"/>
-              </a:ext>
-            </a:extLst>
-          </a:blip>
-          <a:stretch>
-            <a:fillRect/>
-          </a:stretch>
-        </p:blipFill>
-        <p:spPr>
-          <a:xfrm>
-            <a:off x="10183008" y="1610294"/>
-            <a:ext cx="1721691" cy="740025"/>
-          </a:xfrm>
-          <a:prstGeom prst="rect">
-            <a:avLst/>
-          </a:prstGeom>
-        </p:spPr>
-      </p:pic>
-      <p:grpSp>
-        <p:nvGrpSpPr>
-          <p:cNvPr id="29" name="Group 28">
-            <a:extLst>
-              <a:ext uri="{FF2B5EF4-FFF2-40B4-BE49-F238E27FC236}">
-                <a16:creationId xmlns:a16="http://schemas.microsoft.com/office/drawing/2014/main" id="{1BC92AE4-80C9-4D59-88F9-9134345C82A7}"/>
-              </a:ext>
-            </a:extLst>
-          </p:cNvPr>
-          <p:cNvGrpSpPr/>
-          <p:nvPr/>
-        </p:nvGrpSpPr>
-        <p:grpSpPr>
-          <a:xfrm>
-            <a:off x="741274" y="1821146"/>
-            <a:ext cx="6721054" cy="1217540"/>
-            <a:chOff x="210632" y="1475960"/>
-            <a:chExt cx="7724736" cy="1217540"/>
-          </a:xfrm>
-        </p:grpSpPr>
-        <p:grpSp>
-          <p:nvGrpSpPr>
-            <p:cNvPr id="31" name="Group 30">
-              <a:extLst>
-                <a:ext uri="{FF2B5EF4-FFF2-40B4-BE49-F238E27FC236}">
-                  <a16:creationId xmlns:a16="http://schemas.microsoft.com/office/drawing/2014/main" id="{B05FEC6A-5AD9-4262-8798-24EAD342342A}"/>
-                </a:ext>
-              </a:extLst>
-            </p:cNvPr>
-            <p:cNvGrpSpPr/>
-            <p:nvPr/>
-          </p:nvGrpSpPr>
-          <p:grpSpPr>
-            <a:xfrm>
-              <a:off x="210632" y="1519390"/>
-              <a:ext cx="7724736" cy="1174110"/>
-              <a:chOff x="352872" y="2118830"/>
-              <a:chExt cx="7724736" cy="1174110"/>
-            </a:xfrm>
-          </p:grpSpPr>
-          <p:sp>
-            <p:nvSpPr>
-              <p:cNvPr id="39" name="TextBox 38">
-                <a:extLst>
-                  <a:ext uri="{FF2B5EF4-FFF2-40B4-BE49-F238E27FC236}">
-                    <a16:creationId xmlns:a16="http://schemas.microsoft.com/office/drawing/2014/main" id="{5186480E-821C-47C2-A030-671C1F472929}"/>
-                  </a:ext>
-                </a:extLst>
-              </p:cNvPr>
-              <p:cNvSpPr txBox="1"/>
-              <p:nvPr/>
-            </p:nvSpPr>
-            <p:spPr>
-              <a:xfrm>
-                <a:off x="352872" y="2585054"/>
-                <a:ext cx="7724736" cy="707886"/>
-              </a:xfrm>
-              <a:prstGeom prst="rect">
-                <a:avLst/>
-              </a:prstGeom>
-              <a:noFill/>
-            </p:spPr>
-            <p:txBody>
-              <a:bodyPr wrap="square" rtlCol="0">
-                <a:spAutoFit/>
-              </a:bodyPr>
-              <a:lstStyle/>
-              <a:p>
-                <a:r>
-                  <a:rPr lang="en-US" sz="2000" dirty="0">
-                    <a:solidFill>
-                      <a:schemeClr val="bg1"/>
-                    </a:solidFill>
-                  </a:rPr>
-                  <a:t>Allows a function to accept any number of positional arguments.</a:t>
-                </a:r>
-              </a:p>
-              <a:p>
-                <a:r>
-                  <a:rPr lang="en-US" sz="2000" dirty="0">
-                    <a:solidFill>
-                      <a:schemeClr val="bg1"/>
-                    </a:solidFill>
-                  </a:rPr>
-                  <a:t>Arguments are collected as a tuple.</a:t>
-                </a:r>
-              </a:p>
-            </p:txBody>
-          </p:sp>
-          <p:sp>
-            <p:nvSpPr>
-              <p:cNvPr id="40" name="TextBox 39">
-                <a:extLst>
-                  <a:ext uri="{FF2B5EF4-FFF2-40B4-BE49-F238E27FC236}">
-                    <a16:creationId xmlns:a16="http://schemas.microsoft.com/office/drawing/2014/main" id="{FCF96098-91DD-4988-AD0C-29117999E4DD}"/>
-                  </a:ext>
-                </a:extLst>
-              </p:cNvPr>
-              <p:cNvSpPr txBox="1"/>
-              <p:nvPr/>
-            </p:nvSpPr>
-            <p:spPr>
-              <a:xfrm>
-                <a:off x="2935439" y="2118830"/>
-                <a:ext cx="1815025" cy="461665"/>
-              </a:xfrm>
-              <a:prstGeom prst="rect">
-                <a:avLst/>
-              </a:prstGeom>
-              <a:noFill/>
-            </p:spPr>
-            <p:txBody>
-              <a:bodyPr wrap="square" rtlCol="0">
-                <a:spAutoFit/>
-              </a:bodyPr>
-              <a:lstStyle/>
-              <a:p>
-                <a:r>
-                  <a:rPr lang="en-US" sz="2400" b="1" u="sng" dirty="0">
-                    <a:solidFill>
-                      <a:schemeClr val="bg1"/>
-                    </a:solidFill>
-                  </a:rPr>
-                  <a:t>Definition</a:t>
-                </a:r>
-              </a:p>
-            </p:txBody>
-          </p:sp>
-        </p:grpSp>
-        <p:pic>
-          <p:nvPicPr>
-            <p:cNvPr id="38" name="Picture 37">
-              <a:extLst>
-                <a:ext uri="{FF2B5EF4-FFF2-40B4-BE49-F238E27FC236}">
-                  <a16:creationId xmlns:a16="http://schemas.microsoft.com/office/drawing/2014/main" id="{51F1364E-EA45-4D53-BBE2-E2244F77D255}"/>
-                </a:ext>
-              </a:extLst>
-            </p:cNvPr>
-            <p:cNvPicPr>
-              <a:picLocks noChangeAspect="1"/>
-            </p:cNvPicPr>
-            <p:nvPr/>
-          </p:nvPicPr>
-          <p:blipFill>
-            <a:blip r:embed="rId5">
-              <a:extLst>
-                <a:ext uri="{28A0092B-C50C-407E-A947-70E740481C1C}">
-                  <a14:useLocalDpi xmlns:a14="http://schemas.microsoft.com/office/drawing/2010/main" val="0"/>
-                </a:ext>
-              </a:extLst>
-            </a:blip>
-            <a:stretch>
-              <a:fillRect/>
-            </a:stretch>
-          </p:blipFill>
-          <p:spPr>
-            <a:xfrm>
-              <a:off x="2292190" y="1475960"/>
-              <a:ext cx="519866" cy="519866"/>
-            </a:xfrm>
-            <a:prstGeom prst="rect">
-              <a:avLst/>
-            </a:prstGeom>
-          </p:spPr>
-        </p:pic>
-      </p:grpSp>
-      <p:grpSp>
-        <p:nvGrpSpPr>
-          <p:cNvPr id="3" name="Group 2">
-            <a:extLst>
-              <a:ext uri="{FF2B5EF4-FFF2-40B4-BE49-F238E27FC236}">
-                <a16:creationId xmlns:a16="http://schemas.microsoft.com/office/drawing/2014/main" id="{6864FBB8-4438-426B-90FB-71B98BF31EFB}"/>
-              </a:ext>
-            </a:extLst>
-          </p:cNvPr>
-          <p:cNvGrpSpPr/>
-          <p:nvPr/>
-        </p:nvGrpSpPr>
-        <p:grpSpPr>
-          <a:xfrm>
-            <a:off x="296987" y="3588128"/>
-            <a:ext cx="6367439" cy="866334"/>
-            <a:chOff x="903179" y="3192393"/>
-            <a:chExt cx="6367439" cy="866334"/>
-          </a:xfrm>
-        </p:grpSpPr>
-        <p:grpSp>
-          <p:nvGrpSpPr>
-            <p:cNvPr id="42" name="Group 41">
-              <a:extLst>
-                <a:ext uri="{FF2B5EF4-FFF2-40B4-BE49-F238E27FC236}">
-                  <a16:creationId xmlns:a16="http://schemas.microsoft.com/office/drawing/2014/main" id="{3A8C4D56-AFBA-4386-B9F2-883D52973F2D}"/>
-                </a:ext>
-              </a:extLst>
-            </p:cNvPr>
-            <p:cNvGrpSpPr/>
-            <p:nvPr/>
-          </p:nvGrpSpPr>
-          <p:grpSpPr>
-            <a:xfrm>
-              <a:off x="903179" y="3192393"/>
-              <a:ext cx="6367439" cy="866334"/>
-              <a:chOff x="-358714" y="2118830"/>
-              <a:chExt cx="7318314" cy="866334"/>
-            </a:xfrm>
-          </p:grpSpPr>
-          <p:sp>
-            <p:nvSpPr>
-              <p:cNvPr id="45" name="TextBox 44">
-                <a:extLst>
-                  <a:ext uri="{FF2B5EF4-FFF2-40B4-BE49-F238E27FC236}">
-                    <a16:creationId xmlns:a16="http://schemas.microsoft.com/office/drawing/2014/main" id="{BC38B166-D7DB-4AF6-B4A1-EEDB8324121C}"/>
-                  </a:ext>
-                </a:extLst>
-              </p:cNvPr>
-              <p:cNvSpPr txBox="1"/>
-              <p:nvPr/>
-            </p:nvSpPr>
-            <p:spPr>
-              <a:xfrm>
-                <a:off x="-358714" y="2585054"/>
-                <a:ext cx="7318314" cy="400110"/>
-              </a:xfrm>
-              <a:prstGeom prst="rect">
-                <a:avLst/>
-              </a:prstGeom>
-              <a:noFill/>
-            </p:spPr>
-            <p:txBody>
-              <a:bodyPr wrap="square" rtlCol="0">
-                <a:spAutoFit/>
-              </a:bodyPr>
-              <a:lstStyle/>
-              <a:p>
-                <a:pPr algn="ctr"/>
-                <a:r>
-                  <a:rPr lang="en-US" sz="2000" dirty="0">
-                    <a:solidFill>
-                      <a:schemeClr val="bg1"/>
-                    </a:solidFill>
-                  </a:rPr>
-                  <a:t>Ideal when the number of arguments is unknown.</a:t>
-                </a:r>
-              </a:p>
-            </p:txBody>
-          </p:sp>
-          <p:sp>
-            <p:nvSpPr>
-              <p:cNvPr id="48" name="TextBox 47">
-                <a:extLst>
-                  <a:ext uri="{FF2B5EF4-FFF2-40B4-BE49-F238E27FC236}">
-                    <a16:creationId xmlns:a16="http://schemas.microsoft.com/office/drawing/2014/main" id="{5B7732F7-B4AE-47F5-B1F4-1752F6C43D92}"/>
-                  </a:ext>
-                </a:extLst>
-              </p:cNvPr>
-              <p:cNvSpPr txBox="1"/>
-              <p:nvPr/>
-            </p:nvSpPr>
-            <p:spPr>
-              <a:xfrm>
-                <a:off x="2768031" y="2118830"/>
-                <a:ext cx="2100414" cy="461665"/>
-              </a:xfrm>
-              <a:prstGeom prst="rect">
-                <a:avLst/>
-              </a:prstGeom>
-              <a:noFill/>
-            </p:spPr>
-            <p:txBody>
-              <a:bodyPr wrap="square" rtlCol="0">
-                <a:spAutoFit/>
-              </a:bodyPr>
-              <a:lstStyle/>
-              <a:p>
-                <a:r>
-                  <a:rPr lang="en-US" sz="2400" b="1" u="sng" dirty="0">
-                    <a:solidFill>
-                      <a:schemeClr val="bg1"/>
-                    </a:solidFill>
-                  </a:rPr>
-                  <a:t>Benefits</a:t>
-                </a:r>
-              </a:p>
-            </p:txBody>
-          </p:sp>
-        </p:grpSp>
-        <p:pic>
-          <p:nvPicPr>
-            <p:cNvPr id="5" name="Picture 4">
-              <a:extLst>
-                <a:ext uri="{FF2B5EF4-FFF2-40B4-BE49-F238E27FC236}">
-                  <a16:creationId xmlns:a16="http://schemas.microsoft.com/office/drawing/2014/main" id="{0B8092F1-B6D3-46B3-A8B9-766BEE5B6A8F}"/>
-                </a:ext>
-              </a:extLst>
-            </p:cNvPr>
-            <p:cNvPicPr>
-              <a:picLocks noChangeAspect="1"/>
-            </p:cNvPicPr>
-            <p:nvPr/>
-          </p:nvPicPr>
-          <p:blipFill>
-            <a:blip r:embed="rId6">
-              <a:extLst>
-                <a:ext uri="{28A0092B-C50C-407E-A947-70E740481C1C}">
-                  <a14:useLocalDpi xmlns:a14="http://schemas.microsoft.com/office/drawing/2010/main" val="0"/>
-                </a:ext>
-              </a:extLst>
-            </a:blip>
-            <a:stretch>
-              <a:fillRect/>
-            </a:stretch>
-          </p:blipFill>
-          <p:spPr>
-            <a:xfrm>
-              <a:off x="3087729" y="3192393"/>
-              <a:ext cx="543990" cy="543990"/>
-            </a:xfrm>
-            <a:prstGeom prst="rect">
-              <a:avLst/>
-            </a:prstGeom>
-          </p:spPr>
-        </p:pic>
-      </p:grpSp>
-      <p:grpSp>
-        <p:nvGrpSpPr>
-          <p:cNvPr id="26" name="Group 25">
-            <a:extLst>
-              <a:ext uri="{FF2B5EF4-FFF2-40B4-BE49-F238E27FC236}">
-                <a16:creationId xmlns:a16="http://schemas.microsoft.com/office/drawing/2014/main" id="{8F371EE4-E9BD-41C4-B074-47C7963C2B30}"/>
-              </a:ext>
-            </a:extLst>
-          </p:cNvPr>
-          <p:cNvGrpSpPr/>
-          <p:nvPr/>
-        </p:nvGrpSpPr>
-        <p:grpSpPr>
-          <a:xfrm>
-            <a:off x="7270618" y="4922489"/>
-            <a:ext cx="4911223" cy="1146053"/>
-            <a:chOff x="352872" y="2146887"/>
-            <a:chExt cx="7893310" cy="1146053"/>
-          </a:xfrm>
-        </p:grpSpPr>
-        <p:sp>
-          <p:nvSpPr>
-            <p:cNvPr id="30" name="TextBox 29">
-              <a:extLst>
-                <a:ext uri="{FF2B5EF4-FFF2-40B4-BE49-F238E27FC236}">
-                  <a16:creationId xmlns:a16="http://schemas.microsoft.com/office/drawing/2014/main" id="{9C31D6AF-4668-4ED6-94E3-A9F5A913D5C1}"/>
-                </a:ext>
-              </a:extLst>
-            </p:cNvPr>
-            <p:cNvSpPr txBox="1"/>
-            <p:nvPr/>
-          </p:nvSpPr>
-          <p:spPr>
-            <a:xfrm>
-              <a:off x="352872" y="2585054"/>
-              <a:ext cx="7893310" cy="707886"/>
-            </a:xfrm>
-            <a:prstGeom prst="rect">
-              <a:avLst/>
-            </a:prstGeom>
-            <a:noFill/>
-          </p:spPr>
-          <p:txBody>
-            <a:bodyPr wrap="square" rtlCol="0">
-              <a:spAutoFit/>
-            </a:bodyPr>
-            <a:lstStyle/>
-            <a:p>
-              <a:pPr marL="342900" indent="-342900">
-                <a:buFont typeface="Arial" panose="020B0604020202020204" pitchFamily="34" charset="0"/>
-                <a:buChar char="•"/>
-              </a:pPr>
-              <a:r>
-                <a:rPr lang="en-US" sz="2000" dirty="0">
-                  <a:solidFill>
-                    <a:schemeClr val="bg1"/>
-                  </a:solidFill>
-                </a:rPr>
-                <a:t>*</a:t>
-              </a:r>
-              <a:r>
-                <a:rPr lang="en-US" sz="2000" dirty="0" err="1">
-                  <a:solidFill>
-                    <a:schemeClr val="bg1"/>
-                  </a:solidFill>
-                </a:rPr>
-                <a:t>args</a:t>
-              </a:r>
-              <a:r>
-                <a:rPr lang="en-US" sz="2000" dirty="0">
-                  <a:solidFill>
-                    <a:schemeClr val="bg1"/>
-                  </a:solidFill>
-                </a:rPr>
-                <a:t> gathers all arguments into a tuple.</a:t>
-              </a:r>
-            </a:p>
-            <a:p>
-              <a:pPr marL="342900" indent="-342900">
-                <a:buFont typeface="Arial" panose="020B0604020202020204" pitchFamily="34" charset="0"/>
-                <a:buChar char="•"/>
-              </a:pPr>
-              <a:r>
-                <a:rPr lang="en-US" sz="2000" dirty="0">
-                  <a:solidFill>
-                    <a:schemeClr val="bg1"/>
-                  </a:solidFill>
-                </a:rPr>
-                <a:t>join() combines them into a single string.</a:t>
-              </a:r>
-            </a:p>
-          </p:txBody>
-        </p:sp>
-        <p:sp>
-          <p:nvSpPr>
-            <p:cNvPr id="32" name="TextBox 31">
-              <a:extLst>
-                <a:ext uri="{FF2B5EF4-FFF2-40B4-BE49-F238E27FC236}">
-                  <a16:creationId xmlns:a16="http://schemas.microsoft.com/office/drawing/2014/main" id="{F5781635-DFDA-4D5A-A338-39D50B7A8B7A}"/>
-                </a:ext>
-              </a:extLst>
-            </p:cNvPr>
-            <p:cNvSpPr txBox="1"/>
-            <p:nvPr/>
-          </p:nvSpPr>
-          <p:spPr>
-            <a:xfrm>
-              <a:off x="2891405" y="2146887"/>
-              <a:ext cx="3420522" cy="830997"/>
-            </a:xfrm>
-            <a:prstGeom prst="rect">
-              <a:avLst/>
-            </a:prstGeom>
-            <a:noFill/>
-          </p:spPr>
-          <p:txBody>
-            <a:bodyPr wrap="square" rtlCol="0">
-              <a:spAutoFit/>
-            </a:bodyPr>
-            <a:lstStyle/>
-            <a:p>
-              <a:r>
-                <a:rPr lang="en-US" sz="2400" b="1" u="sng" dirty="0">
-                  <a:solidFill>
-                    <a:schemeClr val="bg1"/>
-                  </a:solidFill>
-                </a:rPr>
-                <a:t>Explanation</a:t>
-              </a:r>
-            </a:p>
-            <a:p>
-              <a:endParaRPr lang="en-US" sz="2400" b="1" u="sng" dirty="0">
-                <a:solidFill>
-                  <a:schemeClr val="bg1"/>
-                </a:solidFill>
-              </a:endParaRPr>
-            </a:p>
-          </p:txBody>
-        </p:sp>
-      </p:grpSp>
-    </p:spTree>
-    <p:extLst>
-      <p:ext uri="{BB962C8B-B14F-4D97-AF65-F5344CB8AC3E}">
-        <p14:creationId xmlns:p14="http://schemas.microsoft.com/office/powerpoint/2010/main" val="1358958520"/>
-      </p:ext>
-    </p:extLst>
-  </p:cSld>
-  <p:clrMapOvr>
-    <a:masterClrMapping/>
-  </p:clrMapOvr>
-</p:sld>
-</file>
-
 <file path=ppt/theme/theme1.xml><?xml version="1.0" encoding="utf-8"?>
 <a:theme xmlns:a="http://schemas.openxmlformats.org/drawingml/2006/main" name="SlateVTI">
   <a:themeElements>
